--- a/学员手册答辩V2.0.pptx
+++ b/学员手册答辩V2.0.pptx
@@ -5,7 +5,7 @@
     <p:sldMasterId id="2147483702" r:id="rId1"/>
   </p:sldMasterIdLst>
   <p:notesMasterIdLst>
-    <p:notesMasterId r:id="rId12"/>
+    <p:notesMasterId r:id="rId14"/>
   </p:notesMasterIdLst>
   <p:sldIdLst>
     <p:sldId id="269" r:id="rId2"/>
@@ -16,52 +16,54 @@
     <p:sldId id="284" r:id="rId7"/>
     <p:sldId id="263" r:id="rId8"/>
     <p:sldId id="285" r:id="rId9"/>
-    <p:sldId id="286" r:id="rId10"/>
-    <p:sldId id="268" r:id="rId11"/>
+    <p:sldId id="287" r:id="rId10"/>
+    <p:sldId id="288" r:id="rId11"/>
+    <p:sldId id="286" r:id="rId12"/>
+    <p:sldId id="268" r:id="rId13"/>
   </p:sldIdLst>
   <p:sldSz cx="9144000" cy="5715000" type="screen16x10"/>
   <p:notesSz cx="6858000" cy="9144000"/>
   <p:embeddedFontLst>
     <p:embeddedFont>
-      <p:font typeface="Microsoft JhengHei" panose="020B0604030504040204" pitchFamily="34" charset="-120"/>
-      <p:regular r:id="rId13"/>
-      <p:bold r:id="rId14"/>
+      <p:font typeface="微软雅黑" panose="020B0503020204020204" pitchFamily="34" charset="-122"/>
+      <p:regular r:id="rId15"/>
+      <p:bold r:id="rId16"/>
     </p:embeddedFont>
     <p:embeddedFont>
       <p:font typeface="Arial Rounded MT Bold" panose="020F0704030504030204" pitchFamily="34" charset="0"/>
-      <p:regular r:id="rId15"/>
+      <p:regular r:id="rId17"/>
     </p:embeddedFont>
     <p:embeddedFont>
-      <p:font typeface="微软雅黑" panose="020B0503020204020204" pitchFamily="34" charset="-122"/>
-      <p:regular r:id="rId16"/>
-      <p:bold r:id="rId17"/>
+      <p:font typeface="黑体" panose="02010609060101010101" pitchFamily="49" charset="-122"/>
+      <p:regular r:id="rId18"/>
     </p:embeddedFont>
     <p:embeddedFont>
       <p:font typeface="方正兰亭纤黑简体" panose="02010600030101010101" charset="-122"/>
-      <p:regular r:id="rId18"/>
+      <p:regular r:id="rId19"/>
+    </p:embeddedFont>
+    <p:embeddedFont>
+      <p:font typeface="Microsoft JhengHei" panose="020B0604030504040204" pitchFamily="34" charset="-120"/>
+      <p:regular r:id="rId20"/>
+      <p:bold r:id="rId21"/>
     </p:embeddedFont>
     <p:embeddedFont>
       <p:font typeface="方正兰亭中粗黑_GBK" panose="02010600030101010101" charset="-122"/>
-      <p:regular r:id="rId19"/>
+      <p:regular r:id="rId22"/>
     </p:embeddedFont>
     <p:embeddedFont>
       <p:font typeface="方正兰亭中黑_GBK" panose="02010600030101010101" charset="-122"/>
-      <p:regular r:id="rId20"/>
+      <p:regular r:id="rId23"/>
     </p:embeddedFont>
     <p:embeddedFont>
-      <p:font typeface="黑体" panose="02010609060101010101" pitchFamily="49" charset="-122"/>
-      <p:regular r:id="rId21"/>
+      <p:font typeface="Calibri" panose="020F0502020204030204" pitchFamily="34" charset="0"/>
+      <p:regular r:id="rId24"/>
+      <p:bold r:id="rId25"/>
+      <p:italic r:id="rId26"/>
+      <p:boldItalic r:id="rId27"/>
     </p:embeddedFont>
     <p:embeddedFont>
       <p:font typeface="方正兰亭黑_GBK" panose="02010600030101010101" charset="-122"/>
-      <p:regular r:id="rId22"/>
-    </p:embeddedFont>
-    <p:embeddedFont>
-      <p:font typeface="Calibri" panose="020F0502020204030204" pitchFamily="34" charset="0"/>
-      <p:regular r:id="rId23"/>
-      <p:bold r:id="rId24"/>
-      <p:italic r:id="rId25"/>
-      <p:boldItalic r:id="rId26"/>
+      <p:regular r:id="rId28"/>
     </p:embeddedFont>
   </p:embeddedFontLst>
   <p:defaultTextStyle>
@@ -895,6 +897,546 @@
       </p:grpSpPr>
       <p:sp>
         <p:nvSpPr>
+          <p:cNvPr id="30722" name="幻灯片图像占位符 1"/>
+          <p:cNvSpPr>
+            <a:spLocks noGrp="1" noRot="1" noChangeAspect="1" noTextEdit="1"/>
+          </p:cNvSpPr>
+          <p:nvPr>
+            <p:ph type="sldImg"/>
+          </p:nvPr>
+        </p:nvSpPr>
+        <p:spPr bwMode="auto">
+          <a:xfrm>
+            <a:off x="685800" y="685800"/>
+            <a:ext cx="5486400" cy="3429000"/>
+          </a:xfrm>
+          <a:noFill/>
+          <a:ln>
+            <a:solidFill>
+              <a:srgbClr val="000000"/>
+            </a:solidFill>
+            <a:miter lim="800000"/>
+            <a:headEnd/>
+            <a:tailEnd/>
+          </a:ln>
+          <a:extLst>
+            <a:ext uri="{909E8E84-426E-40DD-AFC4-6F175D3DCCD1}">
+              <a14:hiddenFill xmlns:a14="http://schemas.microsoft.com/office/drawing/2010/main">
+                <a:solidFill>
+                  <a:srgbClr val="FFFFFF"/>
+                </a:solidFill>
+              </a14:hiddenFill>
+            </a:ext>
+          </a:extLst>
+        </p:spPr>
+      </p:sp>
+      <p:sp>
+        <p:nvSpPr>
+          <p:cNvPr id="30723" name="备注占位符 2"/>
+          <p:cNvSpPr>
+            <a:spLocks noGrp="1"/>
+          </p:cNvSpPr>
+          <p:nvPr>
+            <p:ph type="body" idx="1"/>
+          </p:nvPr>
+        </p:nvSpPr>
+        <p:spPr bwMode="auto">
+          <a:noFill/>
+          <a:extLst>
+            <a:ext uri="{909E8E84-426E-40DD-AFC4-6F175D3DCCD1}">
+              <a14:hiddenFill xmlns:a14="http://schemas.microsoft.com/office/drawing/2010/main">
+                <a:solidFill>
+                  <a:srgbClr val="FFFFFF"/>
+                </a:solidFill>
+              </a14:hiddenFill>
+            </a:ext>
+            <a:ext uri="{91240B29-F687-4F45-9708-019B960494DF}">
+              <a14:hiddenLine xmlns:a14="http://schemas.microsoft.com/office/drawing/2010/main" w="9525">
+                <a:solidFill>
+                  <a:srgbClr val="000000"/>
+                </a:solidFill>
+                <a:miter lim="800000"/>
+                <a:headEnd/>
+                <a:tailEnd/>
+              </a14:hiddenLine>
+            </a:ext>
+          </a:extLst>
+        </p:spPr>
+        <p:txBody>
+          <a:bodyPr wrap="square" numCol="1" anchor="t" anchorCtr="0" compatLnSpc="1">
+            <a:prstTxWarp prst="textNoShape">
+              <a:avLst/>
+            </a:prstTxWarp>
+          </a:bodyPr>
+          <a:lstStyle/>
+          <a:p>
+            <a:pPr eaLnBrk="1" hangingPunct="1">
+              <a:spcBef>
+                <a:spcPct val="0"/>
+              </a:spcBef>
+            </a:pPr>
+            <a:endParaRPr lang="zh-CN" altLang="en-US" smtClean="0"/>
+          </a:p>
+        </p:txBody>
+      </p:sp>
+      <p:sp>
+        <p:nvSpPr>
+          <p:cNvPr id="30724" name="灯片编号占位符 3"/>
+          <p:cNvSpPr>
+            <a:spLocks noGrp="1"/>
+          </p:cNvSpPr>
+          <p:nvPr>
+            <p:ph type="sldNum" sz="quarter" idx="5"/>
+          </p:nvPr>
+        </p:nvSpPr>
+        <p:spPr bwMode="auto">
+          <a:noFill/>
+          <a:extLst>
+            <a:ext uri="{909E8E84-426E-40DD-AFC4-6F175D3DCCD1}">
+              <a14:hiddenFill xmlns:a14="http://schemas.microsoft.com/office/drawing/2010/main">
+                <a:solidFill>
+                  <a:srgbClr val="FFFFFF"/>
+                </a:solidFill>
+              </a14:hiddenFill>
+            </a:ext>
+            <a:ext uri="{91240B29-F687-4F45-9708-019B960494DF}">
+              <a14:hiddenLine xmlns:a14="http://schemas.microsoft.com/office/drawing/2010/main" w="9525">
+                <a:solidFill>
+                  <a:srgbClr val="000000"/>
+                </a:solidFill>
+                <a:miter lim="800000"/>
+                <a:headEnd/>
+                <a:tailEnd/>
+              </a14:hiddenLine>
+            </a:ext>
+          </a:extLst>
+        </p:spPr>
+        <p:txBody>
+          <a:bodyPr wrap="square" numCol="1" anchorCtr="0" compatLnSpc="1">
+            <a:prstTxWarp prst="textNoShape">
+              <a:avLst/>
+            </a:prstTxWarp>
+          </a:bodyPr>
+          <a:lstStyle>
+            <a:lvl1pPr eaLnBrk="0" hangingPunct="0">
+              <a:defRPr>
+                <a:solidFill>
+                  <a:schemeClr val="tx1"/>
+                </a:solidFill>
+                <a:latin typeface="Arial" charset="0"/>
+                <a:ea typeface="宋体" pitchFamily="2" charset="-122"/>
+              </a:defRPr>
+            </a:lvl1pPr>
+            <a:lvl2pPr marL="742950" indent="-285750" eaLnBrk="0" hangingPunct="0">
+              <a:defRPr>
+                <a:solidFill>
+                  <a:schemeClr val="tx1"/>
+                </a:solidFill>
+                <a:latin typeface="Arial" charset="0"/>
+                <a:ea typeface="宋体" pitchFamily="2" charset="-122"/>
+              </a:defRPr>
+            </a:lvl2pPr>
+            <a:lvl3pPr marL="1143000" indent="-228600" eaLnBrk="0" hangingPunct="0">
+              <a:defRPr>
+                <a:solidFill>
+                  <a:schemeClr val="tx1"/>
+                </a:solidFill>
+                <a:latin typeface="Arial" charset="0"/>
+                <a:ea typeface="宋体" pitchFamily="2" charset="-122"/>
+              </a:defRPr>
+            </a:lvl3pPr>
+            <a:lvl4pPr marL="1600200" indent="-228600" eaLnBrk="0" hangingPunct="0">
+              <a:defRPr>
+                <a:solidFill>
+                  <a:schemeClr val="tx1"/>
+                </a:solidFill>
+                <a:latin typeface="Arial" charset="0"/>
+                <a:ea typeface="宋体" pitchFamily="2" charset="-122"/>
+              </a:defRPr>
+            </a:lvl4pPr>
+            <a:lvl5pPr marL="2057400" indent="-228600" eaLnBrk="0" hangingPunct="0">
+              <a:defRPr>
+                <a:solidFill>
+                  <a:schemeClr val="tx1"/>
+                </a:solidFill>
+                <a:latin typeface="Arial" charset="0"/>
+                <a:ea typeface="宋体" pitchFamily="2" charset="-122"/>
+              </a:defRPr>
+            </a:lvl5pPr>
+            <a:lvl6pPr marL="2514600" indent="-228600" eaLnBrk="0" fontAlgn="base" hangingPunct="0">
+              <a:spcBef>
+                <a:spcPct val="0"/>
+              </a:spcBef>
+              <a:spcAft>
+                <a:spcPct val="0"/>
+              </a:spcAft>
+              <a:defRPr>
+                <a:solidFill>
+                  <a:schemeClr val="tx1"/>
+                </a:solidFill>
+                <a:latin typeface="Arial" charset="0"/>
+                <a:ea typeface="宋体" pitchFamily="2" charset="-122"/>
+              </a:defRPr>
+            </a:lvl6pPr>
+            <a:lvl7pPr marL="2971800" indent="-228600" eaLnBrk="0" fontAlgn="base" hangingPunct="0">
+              <a:spcBef>
+                <a:spcPct val="0"/>
+              </a:spcBef>
+              <a:spcAft>
+                <a:spcPct val="0"/>
+              </a:spcAft>
+              <a:defRPr>
+                <a:solidFill>
+                  <a:schemeClr val="tx1"/>
+                </a:solidFill>
+                <a:latin typeface="Arial" charset="0"/>
+                <a:ea typeface="宋体" pitchFamily="2" charset="-122"/>
+              </a:defRPr>
+            </a:lvl7pPr>
+            <a:lvl8pPr marL="3429000" indent="-228600" eaLnBrk="0" fontAlgn="base" hangingPunct="0">
+              <a:spcBef>
+                <a:spcPct val="0"/>
+              </a:spcBef>
+              <a:spcAft>
+                <a:spcPct val="0"/>
+              </a:spcAft>
+              <a:defRPr>
+                <a:solidFill>
+                  <a:schemeClr val="tx1"/>
+                </a:solidFill>
+                <a:latin typeface="Arial" charset="0"/>
+                <a:ea typeface="宋体" pitchFamily="2" charset="-122"/>
+              </a:defRPr>
+            </a:lvl8pPr>
+            <a:lvl9pPr marL="3886200" indent="-228600" eaLnBrk="0" fontAlgn="base" hangingPunct="0">
+              <a:spcBef>
+                <a:spcPct val="0"/>
+              </a:spcBef>
+              <a:spcAft>
+                <a:spcPct val="0"/>
+              </a:spcAft>
+              <a:defRPr>
+                <a:solidFill>
+                  <a:schemeClr val="tx1"/>
+                </a:solidFill>
+                <a:latin typeface="Arial" charset="0"/>
+                <a:ea typeface="宋体" pitchFamily="2" charset="-122"/>
+              </a:defRPr>
+            </a:lvl9pPr>
+          </a:lstStyle>
+          <a:p>
+            <a:pPr eaLnBrk="1" hangingPunct="1"/>
+            <a:fld id="{C238CD53-C0FB-4EFA-98B0-0230980B89BE}" type="slidenum">
+              <a:rPr lang="zh-CN" altLang="en-US" smtClean="0"/>
+              <a:pPr eaLnBrk="1" hangingPunct="1"/>
+              <a:t>10</a:t>
+            </a:fld>
+            <a:endParaRPr lang="zh-CN" altLang="en-US" smtClean="0"/>
+          </a:p>
+        </p:txBody>
+      </p:sp>
+    </p:spTree>
+    <p:extLst>
+      <p:ext uri="{BB962C8B-B14F-4D97-AF65-F5344CB8AC3E}">
+        <p14:creationId xmlns:p14="http://schemas.microsoft.com/office/powerpoint/2010/main" val="331919300"/>
+      </p:ext>
+    </p:extLst>
+  </p:cSld>
+  <p:clrMapOvr>
+    <a:masterClrMapping/>
+  </p:clrMapOvr>
+</p:notes>
+</file>
+
+<file path=ppt/notesSlides/notesSlide11.xml><?xml version="1.0" encoding="utf-8"?>
+<p:notes xmlns:a="http://schemas.openxmlformats.org/drawingml/2006/main" xmlns:r="http://schemas.openxmlformats.org/officeDocument/2006/relationships" xmlns:p="http://schemas.openxmlformats.org/presentationml/2006/main">
+  <p:cSld>
+    <p:spTree>
+      <p:nvGrpSpPr>
+        <p:cNvPr id="1" name=""/>
+        <p:cNvGrpSpPr/>
+        <p:nvPr/>
+      </p:nvGrpSpPr>
+      <p:grpSpPr>
+        <a:xfrm>
+          <a:off x="0" y="0"/>
+          <a:ext cx="0" cy="0"/>
+          <a:chOff x="0" y="0"/>
+          <a:chExt cx="0" cy="0"/>
+        </a:xfrm>
+      </p:grpSpPr>
+      <p:sp>
+        <p:nvSpPr>
+          <p:cNvPr id="30722" name="幻灯片图像占位符 1"/>
+          <p:cNvSpPr>
+            <a:spLocks noGrp="1" noRot="1" noChangeAspect="1" noTextEdit="1"/>
+          </p:cNvSpPr>
+          <p:nvPr>
+            <p:ph type="sldImg"/>
+          </p:nvPr>
+        </p:nvSpPr>
+        <p:spPr bwMode="auto">
+          <a:xfrm>
+            <a:off x="685800" y="685800"/>
+            <a:ext cx="5486400" cy="3429000"/>
+          </a:xfrm>
+          <a:noFill/>
+          <a:ln>
+            <a:solidFill>
+              <a:srgbClr val="000000"/>
+            </a:solidFill>
+            <a:miter lim="800000"/>
+            <a:headEnd/>
+            <a:tailEnd/>
+          </a:ln>
+          <a:extLst>
+            <a:ext uri="{909E8E84-426E-40DD-AFC4-6F175D3DCCD1}">
+              <a14:hiddenFill xmlns:a14="http://schemas.microsoft.com/office/drawing/2010/main">
+                <a:solidFill>
+                  <a:srgbClr val="FFFFFF"/>
+                </a:solidFill>
+              </a14:hiddenFill>
+            </a:ext>
+          </a:extLst>
+        </p:spPr>
+      </p:sp>
+      <p:sp>
+        <p:nvSpPr>
+          <p:cNvPr id="30723" name="备注占位符 2"/>
+          <p:cNvSpPr>
+            <a:spLocks noGrp="1"/>
+          </p:cNvSpPr>
+          <p:nvPr>
+            <p:ph type="body" idx="1"/>
+          </p:nvPr>
+        </p:nvSpPr>
+        <p:spPr bwMode="auto">
+          <a:noFill/>
+          <a:extLst>
+            <a:ext uri="{909E8E84-426E-40DD-AFC4-6F175D3DCCD1}">
+              <a14:hiddenFill xmlns:a14="http://schemas.microsoft.com/office/drawing/2010/main">
+                <a:solidFill>
+                  <a:srgbClr val="FFFFFF"/>
+                </a:solidFill>
+              </a14:hiddenFill>
+            </a:ext>
+            <a:ext uri="{91240B29-F687-4F45-9708-019B960494DF}">
+              <a14:hiddenLine xmlns:a14="http://schemas.microsoft.com/office/drawing/2010/main" w="9525">
+                <a:solidFill>
+                  <a:srgbClr val="000000"/>
+                </a:solidFill>
+                <a:miter lim="800000"/>
+                <a:headEnd/>
+                <a:tailEnd/>
+              </a14:hiddenLine>
+            </a:ext>
+          </a:extLst>
+        </p:spPr>
+        <p:txBody>
+          <a:bodyPr wrap="square" numCol="1" anchor="t" anchorCtr="0" compatLnSpc="1">
+            <a:prstTxWarp prst="textNoShape">
+              <a:avLst/>
+            </a:prstTxWarp>
+          </a:bodyPr>
+          <a:lstStyle/>
+          <a:p>
+            <a:pPr eaLnBrk="1" hangingPunct="1">
+              <a:spcBef>
+                <a:spcPct val="0"/>
+              </a:spcBef>
+            </a:pPr>
+            <a:endParaRPr lang="zh-CN" altLang="en-US" dirty="0" smtClean="0"/>
+          </a:p>
+        </p:txBody>
+      </p:sp>
+      <p:sp>
+        <p:nvSpPr>
+          <p:cNvPr id="30724" name="灯片编号占位符 3"/>
+          <p:cNvSpPr>
+            <a:spLocks noGrp="1"/>
+          </p:cNvSpPr>
+          <p:nvPr>
+            <p:ph type="sldNum" sz="quarter" idx="5"/>
+          </p:nvPr>
+        </p:nvSpPr>
+        <p:spPr bwMode="auto">
+          <a:noFill/>
+          <a:extLst>
+            <a:ext uri="{909E8E84-426E-40DD-AFC4-6F175D3DCCD1}">
+              <a14:hiddenFill xmlns:a14="http://schemas.microsoft.com/office/drawing/2010/main">
+                <a:solidFill>
+                  <a:srgbClr val="FFFFFF"/>
+                </a:solidFill>
+              </a14:hiddenFill>
+            </a:ext>
+            <a:ext uri="{91240B29-F687-4F45-9708-019B960494DF}">
+              <a14:hiddenLine xmlns:a14="http://schemas.microsoft.com/office/drawing/2010/main" w="9525">
+                <a:solidFill>
+                  <a:srgbClr val="000000"/>
+                </a:solidFill>
+                <a:miter lim="800000"/>
+                <a:headEnd/>
+                <a:tailEnd/>
+              </a14:hiddenLine>
+            </a:ext>
+          </a:extLst>
+        </p:spPr>
+        <p:txBody>
+          <a:bodyPr wrap="square" numCol="1" anchorCtr="0" compatLnSpc="1">
+            <a:prstTxWarp prst="textNoShape">
+              <a:avLst/>
+            </a:prstTxWarp>
+          </a:bodyPr>
+          <a:lstStyle>
+            <a:lvl1pPr eaLnBrk="0" hangingPunct="0">
+              <a:defRPr>
+                <a:solidFill>
+                  <a:schemeClr val="tx1"/>
+                </a:solidFill>
+                <a:latin typeface="Arial" charset="0"/>
+                <a:ea typeface="宋体" pitchFamily="2" charset="-122"/>
+              </a:defRPr>
+            </a:lvl1pPr>
+            <a:lvl2pPr marL="742950" indent="-285750" eaLnBrk="0" hangingPunct="0">
+              <a:defRPr>
+                <a:solidFill>
+                  <a:schemeClr val="tx1"/>
+                </a:solidFill>
+                <a:latin typeface="Arial" charset="0"/>
+                <a:ea typeface="宋体" pitchFamily="2" charset="-122"/>
+              </a:defRPr>
+            </a:lvl2pPr>
+            <a:lvl3pPr marL="1143000" indent="-228600" eaLnBrk="0" hangingPunct="0">
+              <a:defRPr>
+                <a:solidFill>
+                  <a:schemeClr val="tx1"/>
+                </a:solidFill>
+                <a:latin typeface="Arial" charset="0"/>
+                <a:ea typeface="宋体" pitchFamily="2" charset="-122"/>
+              </a:defRPr>
+            </a:lvl3pPr>
+            <a:lvl4pPr marL="1600200" indent="-228600" eaLnBrk="0" hangingPunct="0">
+              <a:defRPr>
+                <a:solidFill>
+                  <a:schemeClr val="tx1"/>
+                </a:solidFill>
+                <a:latin typeface="Arial" charset="0"/>
+                <a:ea typeface="宋体" pitchFamily="2" charset="-122"/>
+              </a:defRPr>
+            </a:lvl4pPr>
+            <a:lvl5pPr marL="2057400" indent="-228600" eaLnBrk="0" hangingPunct="0">
+              <a:defRPr>
+                <a:solidFill>
+                  <a:schemeClr val="tx1"/>
+                </a:solidFill>
+                <a:latin typeface="Arial" charset="0"/>
+                <a:ea typeface="宋体" pitchFamily="2" charset="-122"/>
+              </a:defRPr>
+            </a:lvl5pPr>
+            <a:lvl6pPr marL="2514600" indent="-228600" eaLnBrk="0" fontAlgn="base" hangingPunct="0">
+              <a:spcBef>
+                <a:spcPct val="0"/>
+              </a:spcBef>
+              <a:spcAft>
+                <a:spcPct val="0"/>
+              </a:spcAft>
+              <a:defRPr>
+                <a:solidFill>
+                  <a:schemeClr val="tx1"/>
+                </a:solidFill>
+                <a:latin typeface="Arial" charset="0"/>
+                <a:ea typeface="宋体" pitchFamily="2" charset="-122"/>
+              </a:defRPr>
+            </a:lvl6pPr>
+            <a:lvl7pPr marL="2971800" indent="-228600" eaLnBrk="0" fontAlgn="base" hangingPunct="0">
+              <a:spcBef>
+                <a:spcPct val="0"/>
+              </a:spcBef>
+              <a:spcAft>
+                <a:spcPct val="0"/>
+              </a:spcAft>
+              <a:defRPr>
+                <a:solidFill>
+                  <a:schemeClr val="tx1"/>
+                </a:solidFill>
+                <a:latin typeface="Arial" charset="0"/>
+                <a:ea typeface="宋体" pitchFamily="2" charset="-122"/>
+              </a:defRPr>
+            </a:lvl7pPr>
+            <a:lvl8pPr marL="3429000" indent="-228600" eaLnBrk="0" fontAlgn="base" hangingPunct="0">
+              <a:spcBef>
+                <a:spcPct val="0"/>
+              </a:spcBef>
+              <a:spcAft>
+                <a:spcPct val="0"/>
+              </a:spcAft>
+              <a:defRPr>
+                <a:solidFill>
+                  <a:schemeClr val="tx1"/>
+                </a:solidFill>
+                <a:latin typeface="Arial" charset="0"/>
+                <a:ea typeface="宋体" pitchFamily="2" charset="-122"/>
+              </a:defRPr>
+            </a:lvl8pPr>
+            <a:lvl9pPr marL="3886200" indent="-228600" eaLnBrk="0" fontAlgn="base" hangingPunct="0">
+              <a:spcBef>
+                <a:spcPct val="0"/>
+              </a:spcBef>
+              <a:spcAft>
+                <a:spcPct val="0"/>
+              </a:spcAft>
+              <a:defRPr>
+                <a:solidFill>
+                  <a:schemeClr val="tx1"/>
+                </a:solidFill>
+                <a:latin typeface="Arial" charset="0"/>
+                <a:ea typeface="宋体" pitchFamily="2" charset="-122"/>
+              </a:defRPr>
+            </a:lvl9pPr>
+          </a:lstStyle>
+          <a:p>
+            <a:pPr eaLnBrk="1" hangingPunct="1"/>
+            <a:fld id="{C238CD53-C0FB-4EFA-98B0-0230980B89BE}" type="slidenum">
+              <a:rPr lang="zh-CN" altLang="en-US" smtClean="0"/>
+              <a:pPr eaLnBrk="1" hangingPunct="1"/>
+              <a:t>11</a:t>
+            </a:fld>
+            <a:endParaRPr lang="zh-CN" altLang="en-US" smtClean="0"/>
+          </a:p>
+        </p:txBody>
+      </p:sp>
+    </p:spTree>
+    <p:extLst>
+      <p:ext uri="{BB962C8B-B14F-4D97-AF65-F5344CB8AC3E}">
+        <p14:creationId xmlns:p14="http://schemas.microsoft.com/office/powerpoint/2010/main" val="1222643767"/>
+      </p:ext>
+    </p:extLst>
+  </p:cSld>
+  <p:clrMapOvr>
+    <a:masterClrMapping/>
+  </p:clrMapOvr>
+</p:notes>
+</file>
+
+<file path=ppt/notesSlides/notesSlide12.xml><?xml version="1.0" encoding="utf-8"?>
+<p:notes xmlns:a="http://schemas.openxmlformats.org/drawingml/2006/main" xmlns:r="http://schemas.openxmlformats.org/officeDocument/2006/relationships" xmlns:p="http://schemas.openxmlformats.org/presentationml/2006/main">
+  <p:cSld>
+    <p:spTree>
+      <p:nvGrpSpPr>
+        <p:cNvPr id="1" name=""/>
+        <p:cNvGrpSpPr/>
+        <p:nvPr/>
+      </p:nvGrpSpPr>
+      <p:grpSpPr>
+        <a:xfrm>
+          <a:off x="0" y="0"/>
+          <a:ext cx="0" cy="0"/>
+          <a:chOff x="0" y="0"/>
+          <a:chExt cx="0" cy="0"/>
+        </a:xfrm>
+      </p:grpSpPr>
+      <p:sp>
+        <p:nvSpPr>
           <p:cNvPr id="43010" name="幻灯片图像占位符 1"/>
           <p:cNvSpPr>
             <a:spLocks noGrp="1" noRot="1" noChangeAspect="1" noTextEdit="1"/>
@@ -1127,7 +1669,7 @@
             <a:fld id="{54F46579-E784-4299-B850-5AC640119D0C}" type="slidenum">
               <a:rPr lang="zh-CN" altLang="en-US" smtClean="0"/>
               <a:pPr eaLnBrk="1" hangingPunct="1"/>
-              <a:t>10</a:t>
+              <a:t>12</a:t>
             </a:fld>
             <a:endParaRPr lang="zh-CN" altLang="en-US" smtClean="0"/>
           </a:p>
@@ -2773,7 +3315,7 @@
                 <a:spcPct val="0"/>
               </a:spcBef>
             </a:pPr>
-            <a:endParaRPr lang="zh-CN" altLang="en-US" dirty="0" smtClean="0"/>
+            <a:endParaRPr lang="zh-CN" altLang="en-US" smtClean="0"/>
           </a:p>
         </p:txBody>
       </p:sp>
@@ -2936,7 +3478,7 @@
     </p:spTree>
     <p:extLst>
       <p:ext uri="{BB962C8B-B14F-4D97-AF65-F5344CB8AC3E}">
-        <p14:creationId xmlns:p14="http://schemas.microsoft.com/office/powerpoint/2010/main" val="1222643767"/>
+        <p14:creationId xmlns:p14="http://schemas.microsoft.com/office/powerpoint/2010/main" val="3823587900"/>
       </p:ext>
     </p:extLst>
   </p:cSld>
@@ -5214,7 +5756,7 @@
         </p:nvSpPr>
         <p:spPr bwMode="auto">
           <a:xfrm>
-            <a:off x="2321458" y="1617134"/>
+            <a:off x="2286759" y="1905984"/>
             <a:ext cx="4570482" cy="923330"/>
           </a:xfrm>
           <a:prstGeom prst="rect">
@@ -12190,8 +12732,8 @@
         </p:nvSpPr>
         <p:spPr bwMode="auto">
           <a:xfrm>
-            <a:off x="1276583" y="2779418"/>
-            <a:ext cx="7151317" cy="1113766"/>
+            <a:off x="3471378" y="3512815"/>
+            <a:ext cx="2201244" cy="1200329"/>
           </a:xfrm>
           <a:prstGeom prst="rect">
             <a:avLst/>
@@ -12318,54 +12860,14 @@
               </a:lnSpc>
             </a:pPr>
             <a:r>
-              <a:rPr kumimoji="1" lang="en-US" altLang="zh-CN" sz="2400" b="1" dirty="0">
+              <a:rPr kumimoji="1" lang="zh-CN" altLang="en-US" sz="2400" b="1" dirty="0" smtClean="0">
                 <a:solidFill>
                   <a:schemeClr val="bg1"/>
                 </a:solidFill>
                 <a:latin typeface="黑体" panose="02010609060101010101" pitchFamily="49" charset="-122"/>
                 <a:ea typeface="黑体" panose="02010609060101010101" pitchFamily="49" charset="-122"/>
               </a:rPr>
-              <a:t>2017</a:t>
-            </a:r>
-            <a:r>
-              <a:rPr kumimoji="1" lang="zh-CN" altLang="en-US" sz="2400" b="1" dirty="0">
-                <a:solidFill>
-                  <a:schemeClr val="bg1"/>
-                </a:solidFill>
-                <a:latin typeface="黑体" panose="02010609060101010101" pitchFamily="49" charset="-122"/>
-                <a:ea typeface="黑体" panose="02010609060101010101" pitchFamily="49" charset="-122"/>
-              </a:rPr>
-              <a:t>年工程管理硕士（</a:t>
-            </a:r>
-            <a:r>
-              <a:rPr kumimoji="1" lang="en-US" altLang="zh-CN" sz="2400" b="1" dirty="0">
-                <a:solidFill>
-                  <a:schemeClr val="bg1"/>
-                </a:solidFill>
-                <a:latin typeface="黑体" panose="02010609060101010101" pitchFamily="49" charset="-122"/>
-                <a:ea typeface="黑体" panose="02010609060101010101" pitchFamily="49" charset="-122"/>
-              </a:rPr>
-              <a:t>MEM</a:t>
-            </a:r>
-            <a:r>
-              <a:rPr kumimoji="1" lang="zh-CN" altLang="en-US" sz="2400" b="1" dirty="0">
-                <a:solidFill>
-                  <a:schemeClr val="bg1"/>
-                </a:solidFill>
-                <a:latin typeface="黑体" panose="02010609060101010101" pitchFamily="49" charset="-122"/>
-                <a:ea typeface="黑体" panose="02010609060101010101" pitchFamily="49" charset="-122"/>
-              </a:rPr>
-              <a:t>）第二批次入学导引</a:t>
-            </a:r>
-            <a:r>
-              <a:rPr kumimoji="1" lang="zh-CN" altLang="en-US" sz="2400" b="1" dirty="0" smtClean="0">
-                <a:solidFill>
-                  <a:schemeClr val="bg1"/>
-                </a:solidFill>
-                <a:latin typeface="黑体" panose="02010609060101010101" pitchFamily="49" charset="-122"/>
-                <a:ea typeface="黑体" panose="02010609060101010101" pitchFamily="49" charset="-122"/>
-              </a:rPr>
-              <a:t>课程</a:t>
+              <a:t>张恪易</a:t>
             </a:r>
             <a:endParaRPr kumimoji="1" lang="en-US" altLang="zh-CN" sz="2400" b="1" dirty="0" smtClean="0">
               <a:solidFill>
@@ -12448,6 +12950,72 @@
               <a:latin typeface="黑体" panose="02010609060101010101" pitchFamily="49" charset="-122"/>
               <a:ea typeface="黑体" panose="02010609060101010101" pitchFamily="49" charset="-122"/>
             </a:endParaRPr>
+          </a:p>
+        </p:txBody>
+      </p:sp>
+      <p:sp>
+        <p:nvSpPr>
+          <p:cNvPr id="2" name="文本框 1"/>
+          <p:cNvSpPr txBox="1"/>
+          <p:nvPr/>
+        </p:nvSpPr>
+        <p:spPr>
+          <a:xfrm>
+            <a:off x="998089" y="817910"/>
+            <a:ext cx="7147823" cy="461665"/>
+          </a:xfrm>
+          <a:prstGeom prst="rect">
+            <a:avLst/>
+          </a:prstGeom>
+          <a:noFill/>
+        </p:spPr>
+        <p:txBody>
+          <a:bodyPr wrap="square" rtlCol="0">
+            <a:spAutoFit/>
+          </a:bodyPr>
+          <a:lstStyle/>
+          <a:p>
+            <a:r>
+              <a:rPr kumimoji="1" lang="en-US" altLang="zh-CN" sz="2400" b="1" dirty="0">
+                <a:solidFill>
+                  <a:schemeClr val="bg1"/>
+                </a:solidFill>
+                <a:latin typeface="黑体" panose="02010609060101010101" pitchFamily="49" charset="-122"/>
+                <a:ea typeface="黑体" panose="02010609060101010101" pitchFamily="49" charset="-122"/>
+              </a:rPr>
+              <a:t>2017</a:t>
+            </a:r>
+            <a:r>
+              <a:rPr kumimoji="1" lang="zh-CN" altLang="en-US" sz="2400" b="1" dirty="0">
+                <a:solidFill>
+                  <a:schemeClr val="bg1"/>
+                </a:solidFill>
+                <a:latin typeface="黑体" panose="02010609060101010101" pitchFamily="49" charset="-122"/>
+                <a:ea typeface="黑体" panose="02010609060101010101" pitchFamily="49" charset="-122"/>
+              </a:rPr>
+              <a:t>年工程管理硕士（</a:t>
+            </a:r>
+            <a:r>
+              <a:rPr kumimoji="1" lang="en-US" altLang="zh-CN" sz="2400" b="1" dirty="0">
+                <a:solidFill>
+                  <a:schemeClr val="bg1"/>
+                </a:solidFill>
+                <a:latin typeface="黑体" panose="02010609060101010101" pitchFamily="49" charset="-122"/>
+                <a:ea typeface="黑体" panose="02010609060101010101" pitchFamily="49" charset="-122"/>
+              </a:rPr>
+              <a:t>MEM</a:t>
+            </a:r>
+            <a:r>
+              <a:rPr kumimoji="1" lang="zh-CN" altLang="en-US" sz="2400" b="1" dirty="0">
+                <a:solidFill>
+                  <a:schemeClr val="bg1"/>
+                </a:solidFill>
+                <a:latin typeface="黑体" panose="02010609060101010101" pitchFamily="49" charset="-122"/>
+                <a:ea typeface="黑体" panose="02010609060101010101" pitchFamily="49" charset="-122"/>
+              </a:rPr>
+              <a:t>）第二批次入学导引课程</a:t>
+            </a:r>
+            <a:endParaRPr lang="zh-CN" altLang="en-US" sz="2400" dirty="0"/>
           </a:p>
         </p:txBody>
       </p:sp>
@@ -12488,7 +13056,7 @@
                             </p:stCondLst>
                             <p:childTnLst>
                               <p:par>
-                                <p:cTn id="5" presetID="47" presetClass="entr" presetSubtype="0" fill="hold" grpId="0" nodeType="withEffect">
+                                <p:cTn id="5" presetID="16" presetClass="entr" presetSubtype="21" fill="hold" grpId="0" nodeType="afterEffect">
                                   <p:stCondLst>
                                     <p:cond delay="0"/>
                                   </p:stCondLst>
@@ -12501,7 +13069,7 @@
                                           </p:stCondLst>
                                         </p:cTn>
                                         <p:tgtEl>
-                                          <p:spTgt spid="5158"/>
+                                          <p:spTgt spid="2"/>
                                         </p:tgtEl>
                                         <p:attrNameLst>
                                           <p:attrName>style.visibility</p:attrName>
@@ -12511,72 +13079,26 @@
                                         <p:strVal val="visible"/>
                                       </p:to>
                                     </p:set>
-                                    <p:animEffect transition="in" filter="fade">
+                                    <p:animEffect transition="in" filter="barn(inVertical)">
                                       <p:cBhvr>
-                                        <p:cTn id="7" dur="1000"/>
+                                        <p:cTn id="7" dur="500"/>
                                         <p:tgtEl>
-                                          <p:spTgt spid="5158"/>
+                                          <p:spTgt spid="2"/>
                                         </p:tgtEl>
                                       </p:cBhvr>
                                     </p:animEffect>
-                                    <p:anim calcmode="lin" valueType="num">
-                                      <p:cBhvr>
-                                        <p:cTn id="8" dur="1000" fill="hold"/>
-                                        <p:tgtEl>
-                                          <p:spTgt spid="5158"/>
-                                        </p:tgtEl>
-                                        <p:attrNameLst>
-                                          <p:attrName>ppt_x</p:attrName>
-                                        </p:attrNameLst>
-                                      </p:cBhvr>
-                                      <p:tavLst>
-                                        <p:tav tm="0">
-                                          <p:val>
-                                            <p:strVal val="#ppt_x"/>
-                                          </p:val>
-                                        </p:tav>
-                                        <p:tav tm="100000">
-                                          <p:val>
-                                            <p:strVal val="#ppt_x"/>
-                                          </p:val>
-                                        </p:tav>
-                                      </p:tavLst>
-                                    </p:anim>
-                                    <p:anim calcmode="lin" valueType="num">
-                                      <p:cBhvr>
-                                        <p:cTn id="9" dur="1000" fill="hold"/>
-                                        <p:tgtEl>
-                                          <p:spTgt spid="5158"/>
-                                        </p:tgtEl>
-                                        <p:attrNameLst>
-                                          <p:attrName>ppt_y</p:attrName>
-                                        </p:attrNameLst>
-                                      </p:cBhvr>
-                                      <p:tavLst>
-                                        <p:tav tm="0">
-                                          <p:val>
-                                            <p:strVal val="#ppt_y-.1"/>
-                                          </p:val>
-                                        </p:tav>
-                                        <p:tav tm="100000">
-                                          <p:val>
-                                            <p:strVal val="#ppt_y"/>
-                                          </p:val>
-                                        </p:tav>
-                                      </p:tavLst>
-                                    </p:anim>
                                   </p:childTnLst>
                                 </p:cTn>
                               </p:par>
                               <p:par>
-                                <p:cTn id="10" presetID="16" presetClass="entr" presetSubtype="21" fill="hold" nodeType="withEffect">
+                                <p:cTn id="8" presetID="16" presetClass="entr" presetSubtype="21" fill="hold" nodeType="withEffect">
                                   <p:stCondLst>
                                     <p:cond delay="0"/>
                                   </p:stCondLst>
                                   <p:childTnLst>
                                     <p:set>
                                       <p:cBhvr>
-                                        <p:cTn id="11" dur="1" fill="hold">
+                                        <p:cTn id="9" dur="1" fill="hold">
                                           <p:stCondLst>
                                             <p:cond delay="0"/>
                                           </p:stCondLst>
@@ -12594,7 +13116,7 @@
                                     </p:set>
                                     <p:animEffect transition="in" filter="barn(inVertical)">
                                       <p:cBhvr>
-                                        <p:cTn id="12" dur="1000"/>
+                                        <p:cTn id="10" dur="1000"/>
                                         <p:tgtEl>
                                           <p:spTgt spid="5156"/>
                                         </p:tgtEl>
@@ -12604,14 +13126,14 @@
                                 </p:cTn>
                               </p:par>
                               <p:par>
-                                <p:cTn id="13" presetID="10" presetClass="entr" presetSubtype="0" fill="hold" nodeType="withEffect">
+                                <p:cTn id="11" presetID="10" presetClass="entr" presetSubtype="0" fill="hold" nodeType="withEffect">
                                   <p:stCondLst>
                                     <p:cond delay="0"/>
                                   </p:stCondLst>
                                   <p:childTnLst>
                                     <p:set>
                                       <p:cBhvr>
-                                        <p:cTn id="14" dur="1" fill="hold">
+                                        <p:cTn id="12" dur="1" fill="hold">
                                           <p:stCondLst>
                                             <p:cond delay="0"/>
                                           </p:stCondLst>
@@ -12629,9 +13151,53 @@
                                     </p:set>
                                     <p:animEffect transition="in" filter="fade">
                                       <p:cBhvr>
-                                        <p:cTn id="15" dur="250"/>
+                                        <p:cTn id="13" dur="250"/>
                                         <p:tgtEl>
                                           <p:spTgt spid="46"/>
+                                        </p:tgtEl>
+                                      </p:cBhvr>
+                                    </p:animEffect>
+                                  </p:childTnLst>
+                                </p:cTn>
+                              </p:par>
+                            </p:childTnLst>
+                          </p:cTn>
+                        </p:par>
+                        <p:par>
+                          <p:cTn id="14" fill="hold">
+                            <p:stCondLst>
+                              <p:cond delay="1000"/>
+                            </p:stCondLst>
+                            <p:childTnLst>
+                              <p:par>
+                                <p:cTn id="15" presetID="16" presetClass="entr" presetSubtype="21" fill="hold" grpId="0" nodeType="afterEffect">
+                                  <p:stCondLst>
+                                    <p:cond delay="0"/>
+                                  </p:stCondLst>
+                                  <p:childTnLst>
+                                    <p:set>
+                                      <p:cBhvr>
+                                        <p:cTn id="16" dur="1" fill="hold">
+                                          <p:stCondLst>
+                                            <p:cond delay="0"/>
+                                          </p:stCondLst>
+                                        </p:cTn>
+                                        <p:tgtEl>
+                                          <p:spTgt spid="5158"/>
+                                        </p:tgtEl>
+                                        <p:attrNameLst>
+                                          <p:attrName>style.visibility</p:attrName>
+                                        </p:attrNameLst>
+                                      </p:cBhvr>
+                                      <p:to>
+                                        <p:strVal val="visible"/>
+                                      </p:to>
+                                    </p:set>
+                                    <p:animEffect transition="in" filter="barn(inVertical)">
+                                      <p:cBhvr>
+                                        <p:cTn id="17" dur="500"/>
+                                        <p:tgtEl>
+                                          <p:spTgt spid="5158"/>
                                         </p:tgtEl>
                                       </p:cBhvr>
                                     </p:animEffect>
@@ -12666,13 +13232,1410 @@
       </p:par>
     </p:tnLst>
     <p:bldLst>
-      <p:bldP spid="5158" grpId="0" autoUpdateAnimBg="0"/>
+      <p:bldP spid="5158" grpId="0"/>
+      <p:bldP spid="2" grpId="0"/>
     </p:bldLst>
   </p:timing>
 </p:sld>
 </file>
 
 <file path=ppt/slides/slide10.xml><?xml version="1.0" encoding="utf-8"?>
+<p:sld xmlns:a="http://schemas.openxmlformats.org/drawingml/2006/main" xmlns:r="http://schemas.openxmlformats.org/officeDocument/2006/relationships" xmlns:p="http://schemas.openxmlformats.org/presentationml/2006/main">
+  <p:cSld>
+    <p:spTree>
+      <p:nvGrpSpPr>
+        <p:cNvPr id="1" name=""/>
+        <p:cNvGrpSpPr/>
+        <p:nvPr/>
+      </p:nvGrpSpPr>
+      <p:grpSpPr>
+        <a:xfrm>
+          <a:off x="0" y="0"/>
+          <a:ext cx="0" cy="0"/>
+          <a:chOff x="0" y="0"/>
+          <a:chExt cx="0" cy="0"/>
+        </a:xfrm>
+      </p:grpSpPr>
+      <p:sp>
+        <p:nvSpPr>
+          <p:cNvPr id="28" name="TextBox 13"/>
+          <p:cNvSpPr txBox="1">
+            <a:spLocks noChangeArrowheads="1"/>
+          </p:cNvSpPr>
+          <p:nvPr/>
+        </p:nvSpPr>
+        <p:spPr bwMode="auto">
+          <a:xfrm>
+            <a:off x="1802636" y="49188"/>
+            <a:ext cx="5538729" cy="540725"/>
+          </a:xfrm>
+          <a:prstGeom prst="rect">
+            <a:avLst/>
+          </a:prstGeom>
+          <a:noFill/>
+          <a:ln>
+            <a:noFill/>
+          </a:ln>
+          <a:extLst>
+            <a:ext uri="{909E8E84-426E-40DD-AFC4-6F175D3DCCD1}">
+              <a14:hiddenFill xmlns:a14="http://schemas.microsoft.com/office/drawing/2010/main">
+                <a:solidFill>
+                  <a:srgbClr val="FFFFFF"/>
+                </a:solidFill>
+              </a14:hiddenFill>
+            </a:ext>
+            <a:ext uri="{91240B29-F687-4F45-9708-019B960494DF}">
+              <a14:hiddenLine xmlns:a14="http://schemas.microsoft.com/office/drawing/2010/main" w="9525">
+                <a:solidFill>
+                  <a:srgbClr val="000000"/>
+                </a:solidFill>
+                <a:miter lim="800000"/>
+                <a:headEnd/>
+                <a:tailEnd/>
+              </a14:hiddenLine>
+            </a:ext>
+          </a:extLst>
+        </p:spPr>
+        <p:txBody>
+          <a:bodyPr wrap="square">
+            <a:spAutoFit/>
+          </a:bodyPr>
+          <a:lstStyle>
+            <a:defPPr>
+              <a:defRPr lang="zh-CN"/>
+            </a:defPPr>
+            <a:lvl1pPr algn="ctr" eaLnBrk="0" hangingPunct="0">
+              <a:lnSpc>
+                <a:spcPct val="120000"/>
+              </a:lnSpc>
+              <a:spcBef>
+                <a:spcPct val="50000"/>
+              </a:spcBef>
+              <a:buFontTx/>
+              <a:buNone/>
+              <a:defRPr sz="2800">
+                <a:gradFill flip="none" rotWithShape="1">
+                  <a:gsLst>
+                    <a:gs pos="60000">
+                      <a:srgbClr val="BCE8F2"/>
+                    </a:gs>
+                    <a:gs pos="0">
+                      <a:srgbClr val="4EC3DE"/>
+                    </a:gs>
+                    <a:gs pos="40000">
+                      <a:srgbClr val="BCE8F2"/>
+                    </a:gs>
+                    <a:gs pos="100000">
+                      <a:srgbClr val="4EC3DE"/>
+                    </a:gs>
+                  </a:gsLst>
+                  <a:lin ang="0" scaled="1"/>
+                  <a:tileRect/>
+                </a:gradFill>
+                <a:latin typeface="方正兰亭中粗黑_GBK" panose="02000000000000000000" pitchFamily="2" charset="-122"/>
+                <a:ea typeface="方正兰亭中粗黑_GBK" panose="02000000000000000000" pitchFamily="2" charset="-122"/>
+              </a:defRPr>
+            </a:lvl1pPr>
+            <a:lvl2pPr marL="742950" indent="-285750" eaLnBrk="0" hangingPunct="0">
+              <a:spcBef>
+                <a:spcPct val="20000"/>
+              </a:spcBef>
+              <a:buFont typeface="Arial" charset="0"/>
+              <a:buChar char="–"/>
+              <a:defRPr sz="2800">
+                <a:latin typeface="Calibri" pitchFamily="34" charset="0"/>
+              </a:defRPr>
+            </a:lvl2pPr>
+            <a:lvl3pPr marL="1143000" indent="-228600" eaLnBrk="0" hangingPunct="0">
+              <a:spcBef>
+                <a:spcPct val="20000"/>
+              </a:spcBef>
+              <a:buFont typeface="Arial" charset="0"/>
+              <a:buChar char="•"/>
+              <a:defRPr sz="2400">
+                <a:latin typeface="Calibri" pitchFamily="34" charset="0"/>
+              </a:defRPr>
+            </a:lvl3pPr>
+            <a:lvl4pPr marL="1600200" indent="-228600" eaLnBrk="0" hangingPunct="0">
+              <a:spcBef>
+                <a:spcPct val="20000"/>
+              </a:spcBef>
+              <a:buFont typeface="Arial" charset="0"/>
+              <a:buChar char="–"/>
+              <a:defRPr sz="2000">
+                <a:latin typeface="Calibri" pitchFamily="34" charset="0"/>
+              </a:defRPr>
+            </a:lvl4pPr>
+            <a:lvl5pPr marL="2057400" indent="-228600" eaLnBrk="0" hangingPunct="0">
+              <a:spcBef>
+                <a:spcPct val="20000"/>
+              </a:spcBef>
+              <a:buFont typeface="Arial" charset="0"/>
+              <a:buChar char="»"/>
+              <a:defRPr sz="2000">
+                <a:latin typeface="Calibri" pitchFamily="34" charset="0"/>
+              </a:defRPr>
+            </a:lvl5pPr>
+            <a:lvl6pPr marL="2514600" indent="-228600" eaLnBrk="0" fontAlgn="base" hangingPunct="0">
+              <a:spcBef>
+                <a:spcPct val="20000"/>
+              </a:spcBef>
+              <a:spcAft>
+                <a:spcPct val="0"/>
+              </a:spcAft>
+              <a:buFont typeface="Arial" charset="0"/>
+              <a:buChar char="»"/>
+              <a:defRPr sz="2000">
+                <a:latin typeface="Calibri" pitchFamily="34" charset="0"/>
+              </a:defRPr>
+            </a:lvl6pPr>
+            <a:lvl7pPr marL="2971800" indent="-228600" eaLnBrk="0" fontAlgn="base" hangingPunct="0">
+              <a:spcBef>
+                <a:spcPct val="20000"/>
+              </a:spcBef>
+              <a:spcAft>
+                <a:spcPct val="0"/>
+              </a:spcAft>
+              <a:buFont typeface="Arial" charset="0"/>
+              <a:buChar char="»"/>
+              <a:defRPr sz="2000">
+                <a:latin typeface="Calibri" pitchFamily="34" charset="0"/>
+              </a:defRPr>
+            </a:lvl7pPr>
+            <a:lvl8pPr marL="3429000" indent="-228600" eaLnBrk="0" fontAlgn="base" hangingPunct="0">
+              <a:spcBef>
+                <a:spcPct val="20000"/>
+              </a:spcBef>
+              <a:spcAft>
+                <a:spcPct val="0"/>
+              </a:spcAft>
+              <a:buFont typeface="Arial" charset="0"/>
+              <a:buChar char="»"/>
+              <a:defRPr sz="2000">
+                <a:latin typeface="Calibri" pitchFamily="34" charset="0"/>
+              </a:defRPr>
+            </a:lvl8pPr>
+            <a:lvl9pPr marL="3886200" indent="-228600" eaLnBrk="0" fontAlgn="base" hangingPunct="0">
+              <a:spcBef>
+                <a:spcPct val="20000"/>
+              </a:spcBef>
+              <a:spcAft>
+                <a:spcPct val="0"/>
+              </a:spcAft>
+              <a:buFont typeface="Arial" charset="0"/>
+              <a:buChar char="»"/>
+              <a:defRPr sz="2000">
+                <a:latin typeface="Calibri" pitchFamily="34" charset="0"/>
+              </a:defRPr>
+            </a:lvl9pPr>
+          </a:lstStyle>
+          <a:p>
+            <a:pPr>
+              <a:defRPr/>
+            </a:pPr>
+            <a:r>
+              <a:rPr lang="zh-CN" altLang="en-US" b="1" dirty="0" smtClean="0">
+                <a:latin typeface="黑体" panose="02010609060101010101" pitchFamily="49" charset="-122"/>
+                <a:ea typeface="黑体" panose="02010609060101010101" pitchFamily="49" charset="-122"/>
+              </a:rPr>
+              <a:t>学生手册编制工作流程</a:t>
+            </a:r>
+            <a:endParaRPr lang="en-US" altLang="zh-CN" b="1" dirty="0" smtClean="0">
+              <a:latin typeface="黑体" panose="02010609060101010101" pitchFamily="49" charset="-122"/>
+              <a:ea typeface="黑体" panose="02010609060101010101" pitchFamily="49" charset="-122"/>
+            </a:endParaRPr>
+          </a:p>
+        </p:txBody>
+      </p:sp>
+      <p:sp>
+        <p:nvSpPr>
+          <p:cNvPr id="29" name="TextBox 8"/>
+          <p:cNvSpPr txBox="1"/>
+          <p:nvPr/>
+        </p:nvSpPr>
+        <p:spPr>
+          <a:xfrm>
+            <a:off x="381590" y="1307608"/>
+            <a:ext cx="8380820" cy="1765916"/>
+          </a:xfrm>
+          <a:prstGeom prst="rect">
+            <a:avLst/>
+          </a:prstGeom>
+          <a:noFill/>
+        </p:spPr>
+        <p:txBody>
+          <a:bodyPr wrap="square" rtlCol="0">
+            <a:noAutofit/>
+          </a:bodyPr>
+          <a:lstStyle/>
+          <a:p>
+            <a:pPr>
+              <a:lnSpc>
+                <a:spcPct val="150000"/>
+              </a:lnSpc>
+            </a:pPr>
+            <a:r>
+              <a:rPr lang="zh-CN" altLang="en-US" dirty="0" smtClean="0">
+                <a:solidFill>
+                  <a:schemeClr val="bg1"/>
+                </a:solidFill>
+                <a:latin typeface="黑体" panose="02010609060101010101" pitchFamily="49" charset="-122"/>
+                <a:ea typeface="黑体" panose="02010609060101010101" pitchFamily="49" charset="-122"/>
+              </a:rPr>
+              <a:t>存在的问题：</a:t>
+            </a:r>
+            <a:endParaRPr lang="en-US" altLang="zh-CN" dirty="0" smtClean="0">
+              <a:solidFill>
+                <a:schemeClr val="bg1"/>
+              </a:solidFill>
+              <a:latin typeface="黑体" panose="02010609060101010101" pitchFamily="49" charset="-122"/>
+              <a:ea typeface="黑体" panose="02010609060101010101" pitchFamily="49" charset="-122"/>
+            </a:endParaRPr>
+          </a:p>
+          <a:p>
+            <a:pPr>
+              <a:lnSpc>
+                <a:spcPct val="150000"/>
+              </a:lnSpc>
+            </a:pPr>
+            <a:r>
+              <a:rPr lang="en-US" altLang="zh-CN" dirty="0" smtClean="0">
+                <a:solidFill>
+                  <a:schemeClr val="bg1"/>
+                </a:solidFill>
+                <a:latin typeface="黑体" panose="02010609060101010101" pitchFamily="49" charset="-122"/>
+                <a:ea typeface="黑体" panose="02010609060101010101" pitchFamily="49" charset="-122"/>
+              </a:rPr>
+              <a:t>1</a:t>
+            </a:r>
+            <a:r>
+              <a:rPr lang="en-US" altLang="zh-CN" dirty="0">
+                <a:solidFill>
+                  <a:schemeClr val="bg1"/>
+                </a:solidFill>
+                <a:latin typeface="黑体" panose="02010609060101010101" pitchFamily="49" charset="-122"/>
+                <a:ea typeface="黑体" panose="02010609060101010101" pitchFamily="49" charset="-122"/>
+              </a:rPr>
+              <a:t>.</a:t>
+            </a:r>
+            <a:r>
+              <a:rPr lang="zh-CN" altLang="en-US" dirty="0" smtClean="0">
+                <a:solidFill>
+                  <a:schemeClr val="bg1"/>
+                </a:solidFill>
+                <a:latin typeface="黑体" panose="02010609060101010101" pitchFamily="49" charset="-122"/>
+                <a:ea typeface="黑体" panose="02010609060101010101" pitchFamily="49" charset="-122"/>
+              </a:rPr>
+              <a:t>逻辑框架过粗，各分组理解与班委不一致，拼装稿离预想偏离较大。造成班委审稿、修订难度大。</a:t>
+            </a:r>
+            <a:endParaRPr lang="en-US" altLang="zh-CN" dirty="0" smtClean="0">
+              <a:solidFill>
+                <a:schemeClr val="bg1"/>
+              </a:solidFill>
+              <a:latin typeface="黑体" panose="02010609060101010101" pitchFamily="49" charset="-122"/>
+              <a:ea typeface="黑体" panose="02010609060101010101" pitchFamily="49" charset="-122"/>
+            </a:endParaRPr>
+          </a:p>
+          <a:p>
+            <a:pPr>
+              <a:lnSpc>
+                <a:spcPct val="150000"/>
+              </a:lnSpc>
+            </a:pPr>
+            <a:r>
+              <a:rPr lang="en-US" altLang="zh-CN" dirty="0" smtClean="0">
+                <a:solidFill>
+                  <a:schemeClr val="bg1"/>
+                </a:solidFill>
+                <a:latin typeface="黑体" panose="02010609060101010101" pitchFamily="49" charset="-122"/>
+                <a:ea typeface="黑体" panose="02010609060101010101" pitchFamily="49" charset="-122"/>
+              </a:rPr>
+              <a:t>2</a:t>
+            </a:r>
+            <a:r>
+              <a:rPr lang="en-US" altLang="zh-CN" dirty="0">
+                <a:solidFill>
+                  <a:schemeClr val="bg1"/>
+                </a:solidFill>
+                <a:latin typeface="黑体" panose="02010609060101010101" pitchFamily="49" charset="-122"/>
+                <a:ea typeface="黑体" panose="02010609060101010101" pitchFamily="49" charset="-122"/>
+              </a:rPr>
+              <a:t>.</a:t>
+            </a:r>
+            <a:r>
+              <a:rPr lang="zh-CN" altLang="en-US" dirty="0" smtClean="0">
+                <a:solidFill>
+                  <a:schemeClr val="bg1"/>
+                </a:solidFill>
+                <a:latin typeface="黑体" panose="02010609060101010101" pitchFamily="49" charset="-122"/>
+                <a:ea typeface="黑体" panose="02010609060101010101" pitchFamily="49" charset="-122"/>
+              </a:rPr>
+              <a:t>在短时间内，班委任务集中，精力分散，集中审稿时人员过少，压力太大。</a:t>
+            </a:r>
+            <a:endParaRPr lang="en-US" altLang="zh-CN" dirty="0" smtClean="0">
+              <a:solidFill>
+                <a:schemeClr val="bg1"/>
+              </a:solidFill>
+              <a:latin typeface="黑体" panose="02010609060101010101" pitchFamily="49" charset="-122"/>
+              <a:ea typeface="黑体" panose="02010609060101010101" pitchFamily="49" charset="-122"/>
+            </a:endParaRPr>
+          </a:p>
+        </p:txBody>
+      </p:sp>
+      <p:sp>
+        <p:nvSpPr>
+          <p:cNvPr id="30" name="TextBox 8"/>
+          <p:cNvSpPr txBox="1"/>
+          <p:nvPr/>
+        </p:nvSpPr>
+        <p:spPr>
+          <a:xfrm>
+            <a:off x="381590" y="3217540"/>
+            <a:ext cx="8380820" cy="1747280"/>
+          </a:xfrm>
+          <a:prstGeom prst="rect">
+            <a:avLst/>
+          </a:prstGeom>
+          <a:noFill/>
+        </p:spPr>
+        <p:txBody>
+          <a:bodyPr wrap="square" rtlCol="0">
+            <a:noAutofit/>
+          </a:bodyPr>
+          <a:lstStyle/>
+          <a:p>
+            <a:pPr>
+              <a:lnSpc>
+                <a:spcPct val="150000"/>
+              </a:lnSpc>
+            </a:pPr>
+            <a:r>
+              <a:rPr lang="zh-CN" altLang="en-US" dirty="0" smtClean="0">
+                <a:solidFill>
+                  <a:schemeClr val="bg1"/>
+                </a:solidFill>
+                <a:latin typeface="黑体" panose="02010609060101010101" pitchFamily="49" charset="-122"/>
+                <a:ea typeface="黑体" panose="02010609060101010101" pitchFamily="49" charset="-122"/>
+              </a:rPr>
+              <a:t>经验总结：</a:t>
+            </a:r>
+            <a:endParaRPr lang="en-US" altLang="zh-CN" dirty="0" smtClean="0">
+              <a:solidFill>
+                <a:schemeClr val="bg1"/>
+              </a:solidFill>
+              <a:latin typeface="黑体" panose="02010609060101010101" pitchFamily="49" charset="-122"/>
+              <a:ea typeface="黑体" panose="02010609060101010101" pitchFamily="49" charset="-122"/>
+            </a:endParaRPr>
+          </a:p>
+          <a:p>
+            <a:pPr>
+              <a:lnSpc>
+                <a:spcPct val="150000"/>
+              </a:lnSpc>
+            </a:pPr>
+            <a:r>
+              <a:rPr lang="en-US" altLang="zh-CN" dirty="0" smtClean="0">
+                <a:solidFill>
+                  <a:schemeClr val="bg1"/>
+                </a:solidFill>
+                <a:latin typeface="黑体" panose="02010609060101010101" pitchFamily="49" charset="-122"/>
+                <a:ea typeface="黑体" panose="02010609060101010101" pitchFamily="49" charset="-122"/>
+              </a:rPr>
+              <a:t>1</a:t>
+            </a:r>
+            <a:r>
+              <a:rPr lang="en-US" altLang="zh-CN" dirty="0">
+                <a:solidFill>
+                  <a:schemeClr val="bg1"/>
+                </a:solidFill>
+                <a:latin typeface="黑体" panose="02010609060101010101" pitchFamily="49" charset="-122"/>
+                <a:ea typeface="黑体" panose="02010609060101010101" pitchFamily="49" charset="-122"/>
+              </a:rPr>
+              <a:t>.</a:t>
+            </a:r>
+            <a:r>
+              <a:rPr lang="zh-CN" altLang="en-US" dirty="0" smtClean="0">
+                <a:solidFill>
+                  <a:schemeClr val="bg1"/>
+                </a:solidFill>
+                <a:latin typeface="黑体" panose="02010609060101010101" pitchFamily="49" charset="-122"/>
+                <a:ea typeface="黑体" panose="02010609060101010101" pitchFamily="49" charset="-122"/>
+              </a:rPr>
+              <a:t>分工</a:t>
+            </a:r>
+            <a:r>
+              <a:rPr lang="zh-CN" altLang="en-US" dirty="0">
+                <a:solidFill>
+                  <a:schemeClr val="bg1"/>
+                </a:solidFill>
+                <a:latin typeface="黑体" panose="02010609060101010101" pitchFamily="49" charset="-122"/>
+                <a:ea typeface="黑体" panose="02010609060101010101" pitchFamily="49" charset="-122"/>
+              </a:rPr>
+              <a:t>时应相对明确工作包，避免发挥维度过大，偏离原意</a:t>
+            </a:r>
+            <a:r>
+              <a:rPr lang="zh-CN" altLang="en-US" dirty="0" smtClean="0">
+                <a:solidFill>
+                  <a:schemeClr val="bg1"/>
+                </a:solidFill>
+                <a:latin typeface="黑体" panose="02010609060101010101" pitchFamily="49" charset="-122"/>
+                <a:ea typeface="黑体" panose="02010609060101010101" pitchFamily="49" charset="-122"/>
+              </a:rPr>
+              <a:t>。</a:t>
+            </a:r>
+            <a:endParaRPr lang="en-US" altLang="zh-CN" dirty="0" smtClean="0">
+              <a:solidFill>
+                <a:schemeClr val="bg1"/>
+              </a:solidFill>
+              <a:latin typeface="黑体" panose="02010609060101010101" pitchFamily="49" charset="-122"/>
+              <a:ea typeface="黑体" panose="02010609060101010101" pitchFamily="49" charset="-122"/>
+            </a:endParaRPr>
+          </a:p>
+          <a:p>
+            <a:pPr>
+              <a:lnSpc>
+                <a:spcPct val="150000"/>
+              </a:lnSpc>
+            </a:pPr>
+            <a:r>
+              <a:rPr lang="en-US" altLang="zh-CN" dirty="0" smtClean="0">
+                <a:solidFill>
+                  <a:schemeClr val="bg1"/>
+                </a:solidFill>
+                <a:latin typeface="黑体" panose="02010609060101010101" pitchFamily="49" charset="-122"/>
+                <a:ea typeface="黑体" panose="02010609060101010101" pitchFamily="49" charset="-122"/>
+              </a:rPr>
+              <a:t>2</a:t>
+            </a:r>
+            <a:r>
+              <a:rPr lang="en-US" altLang="zh-CN" dirty="0">
+                <a:solidFill>
+                  <a:schemeClr val="bg1"/>
+                </a:solidFill>
+                <a:latin typeface="黑体" panose="02010609060101010101" pitchFamily="49" charset="-122"/>
+                <a:ea typeface="黑体" panose="02010609060101010101" pitchFamily="49" charset="-122"/>
+              </a:rPr>
+              <a:t>.</a:t>
+            </a:r>
+            <a:r>
+              <a:rPr lang="zh-CN" altLang="en-US" dirty="0" smtClean="0">
+                <a:solidFill>
+                  <a:schemeClr val="bg1"/>
+                </a:solidFill>
+                <a:latin typeface="黑体" panose="02010609060101010101" pitchFamily="49" charset="-122"/>
+                <a:ea typeface="黑体" panose="02010609060101010101" pitchFamily="49" charset="-122"/>
+              </a:rPr>
+              <a:t>没有</a:t>
+            </a:r>
+            <a:r>
+              <a:rPr lang="zh-CN" altLang="en-US" dirty="0">
+                <a:solidFill>
+                  <a:schemeClr val="bg1"/>
+                </a:solidFill>
+                <a:latin typeface="黑体" panose="02010609060101010101" pitchFamily="49" charset="-122"/>
+                <a:ea typeface="黑体" panose="02010609060101010101" pitchFamily="49" charset="-122"/>
+              </a:rPr>
+              <a:t>建立工作规则，班委如果不能按照约定履行审稿义务，应当报告班长、建议合适人员参加审稿。</a:t>
+            </a:r>
+          </a:p>
+        </p:txBody>
+      </p:sp>
+    </p:spTree>
+    <p:extLst>
+      <p:ext uri="{BB962C8B-B14F-4D97-AF65-F5344CB8AC3E}">
+        <p14:creationId xmlns:p14="http://schemas.microsoft.com/office/powerpoint/2010/main" val="916356726"/>
+      </p:ext>
+    </p:extLst>
+  </p:cSld>
+  <p:clrMapOvr>
+    <a:masterClrMapping/>
+  </p:clrMapOvr>
+  <p:transition spd="slow" advClick="0">
+    <p:push dir="u"/>
+  </p:transition>
+  <p:timing>
+    <p:tnLst>
+      <p:par>
+        <p:cTn id="1" dur="indefinite" restart="never" nodeType="tmRoot">
+          <p:childTnLst>
+            <p:seq concurrent="1" nextAc="seek">
+              <p:cTn id="2" dur="indefinite" nodeType="mainSeq">
+                <p:childTnLst>
+                  <p:par>
+                    <p:cTn id="3" fill="hold">
+                      <p:stCondLst>
+                        <p:cond delay="indefinite"/>
+                        <p:cond evt="onBegin" delay="0">
+                          <p:tn val="2"/>
+                        </p:cond>
+                      </p:stCondLst>
+                      <p:childTnLst>
+                        <p:par>
+                          <p:cTn id="4" fill="hold">
+                            <p:stCondLst>
+                              <p:cond delay="0"/>
+                            </p:stCondLst>
+                            <p:childTnLst>
+                              <p:par>
+                                <p:cTn id="5" presetID="47" presetClass="entr" presetSubtype="0" fill="hold" nodeType="withEffect">
+                                  <p:stCondLst>
+                                    <p:cond delay="0"/>
+                                  </p:stCondLst>
+                                  <p:childTnLst>
+                                    <p:set>
+                                      <p:cBhvr>
+                                        <p:cTn id="6" dur="1" fill="hold">
+                                          <p:stCondLst>
+                                            <p:cond delay="0"/>
+                                          </p:stCondLst>
+                                        </p:cTn>
+                                        <p:tgtEl>
+                                          <p:spTgt spid="28"/>
+                                        </p:tgtEl>
+                                        <p:attrNameLst>
+                                          <p:attrName>style.visibility</p:attrName>
+                                        </p:attrNameLst>
+                                      </p:cBhvr>
+                                      <p:to>
+                                        <p:strVal val="visible"/>
+                                      </p:to>
+                                    </p:set>
+                                    <p:animEffect transition="in" filter="fade">
+                                      <p:cBhvr>
+                                        <p:cTn id="7" dur="1000"/>
+                                        <p:tgtEl>
+                                          <p:spTgt spid="28"/>
+                                        </p:tgtEl>
+                                      </p:cBhvr>
+                                    </p:animEffect>
+                                    <p:anim calcmode="lin" valueType="num">
+                                      <p:cBhvr>
+                                        <p:cTn id="8" dur="1000" fill="hold"/>
+                                        <p:tgtEl>
+                                          <p:spTgt spid="28"/>
+                                        </p:tgtEl>
+                                        <p:attrNameLst>
+                                          <p:attrName>ppt_x</p:attrName>
+                                        </p:attrNameLst>
+                                      </p:cBhvr>
+                                      <p:tavLst>
+                                        <p:tav tm="0">
+                                          <p:val>
+                                            <p:strVal val="#ppt_x"/>
+                                          </p:val>
+                                        </p:tav>
+                                        <p:tav tm="100000">
+                                          <p:val>
+                                            <p:strVal val="#ppt_x"/>
+                                          </p:val>
+                                        </p:tav>
+                                      </p:tavLst>
+                                    </p:anim>
+                                    <p:anim calcmode="lin" valueType="num">
+                                      <p:cBhvr>
+                                        <p:cTn id="9" dur="1000" fill="hold"/>
+                                        <p:tgtEl>
+                                          <p:spTgt spid="28"/>
+                                        </p:tgtEl>
+                                        <p:attrNameLst>
+                                          <p:attrName>ppt_y</p:attrName>
+                                        </p:attrNameLst>
+                                      </p:cBhvr>
+                                      <p:tavLst>
+                                        <p:tav tm="0">
+                                          <p:val>
+                                            <p:strVal val="#ppt_y-.1"/>
+                                          </p:val>
+                                        </p:tav>
+                                        <p:tav tm="100000">
+                                          <p:val>
+                                            <p:strVal val="#ppt_y"/>
+                                          </p:val>
+                                        </p:tav>
+                                      </p:tavLst>
+                                    </p:anim>
+                                  </p:childTnLst>
+                                </p:cTn>
+                              </p:par>
+                            </p:childTnLst>
+                          </p:cTn>
+                        </p:par>
+                      </p:childTnLst>
+                    </p:cTn>
+                  </p:par>
+                  <p:par>
+                    <p:cTn id="10" fill="hold">
+                      <p:stCondLst>
+                        <p:cond delay="indefinite"/>
+                      </p:stCondLst>
+                      <p:childTnLst>
+                        <p:par>
+                          <p:cTn id="11" fill="hold">
+                            <p:stCondLst>
+                              <p:cond delay="0"/>
+                            </p:stCondLst>
+                            <p:childTnLst>
+                              <p:par>
+                                <p:cTn id="12" presetID="22" presetClass="entr" presetSubtype="1" fill="hold" grpId="0" nodeType="clickEffect">
+                                  <p:stCondLst>
+                                    <p:cond delay="0"/>
+                                  </p:stCondLst>
+                                  <p:childTnLst>
+                                    <p:set>
+                                      <p:cBhvr>
+                                        <p:cTn id="13" dur="1" fill="hold">
+                                          <p:stCondLst>
+                                            <p:cond delay="0"/>
+                                          </p:stCondLst>
+                                        </p:cTn>
+                                        <p:tgtEl>
+                                          <p:spTgt spid="29"/>
+                                        </p:tgtEl>
+                                        <p:attrNameLst>
+                                          <p:attrName>style.visibility</p:attrName>
+                                        </p:attrNameLst>
+                                      </p:cBhvr>
+                                      <p:to>
+                                        <p:strVal val="visible"/>
+                                      </p:to>
+                                    </p:set>
+                                    <p:animEffect transition="in" filter="wipe(up)">
+                                      <p:cBhvr>
+                                        <p:cTn id="14" dur="500"/>
+                                        <p:tgtEl>
+                                          <p:spTgt spid="29"/>
+                                        </p:tgtEl>
+                                      </p:cBhvr>
+                                    </p:animEffect>
+                                  </p:childTnLst>
+                                </p:cTn>
+                              </p:par>
+                            </p:childTnLst>
+                          </p:cTn>
+                        </p:par>
+                      </p:childTnLst>
+                    </p:cTn>
+                  </p:par>
+                  <p:par>
+                    <p:cTn id="15" fill="hold">
+                      <p:stCondLst>
+                        <p:cond delay="indefinite"/>
+                      </p:stCondLst>
+                      <p:childTnLst>
+                        <p:par>
+                          <p:cTn id="16" fill="hold">
+                            <p:stCondLst>
+                              <p:cond delay="0"/>
+                            </p:stCondLst>
+                            <p:childTnLst>
+                              <p:par>
+                                <p:cTn id="17" presetID="22" presetClass="entr" presetSubtype="1" fill="hold" grpId="0" nodeType="clickEffect">
+                                  <p:stCondLst>
+                                    <p:cond delay="0"/>
+                                  </p:stCondLst>
+                                  <p:childTnLst>
+                                    <p:set>
+                                      <p:cBhvr>
+                                        <p:cTn id="18" dur="1" fill="hold">
+                                          <p:stCondLst>
+                                            <p:cond delay="0"/>
+                                          </p:stCondLst>
+                                        </p:cTn>
+                                        <p:tgtEl>
+                                          <p:spTgt spid="30"/>
+                                        </p:tgtEl>
+                                        <p:attrNameLst>
+                                          <p:attrName>style.visibility</p:attrName>
+                                        </p:attrNameLst>
+                                      </p:cBhvr>
+                                      <p:to>
+                                        <p:strVal val="visible"/>
+                                      </p:to>
+                                    </p:set>
+                                    <p:animEffect transition="in" filter="wipe(up)">
+                                      <p:cBhvr>
+                                        <p:cTn id="19" dur="500"/>
+                                        <p:tgtEl>
+                                          <p:spTgt spid="30"/>
+                                        </p:tgtEl>
+                                      </p:cBhvr>
+                                    </p:animEffect>
+                                  </p:childTnLst>
+                                </p:cTn>
+                              </p:par>
+                            </p:childTnLst>
+                          </p:cTn>
+                        </p:par>
+                      </p:childTnLst>
+                    </p:cTn>
+                  </p:par>
+                </p:childTnLst>
+              </p:cTn>
+              <p:prevCondLst>
+                <p:cond evt="onPrev" delay="0">
+                  <p:tgtEl>
+                    <p:sldTgt/>
+                  </p:tgtEl>
+                </p:cond>
+              </p:prevCondLst>
+              <p:nextCondLst>
+                <p:cond evt="onNext" delay="0">
+                  <p:tgtEl>
+                    <p:sldTgt/>
+                  </p:tgtEl>
+                </p:cond>
+              </p:nextCondLst>
+            </p:seq>
+          </p:childTnLst>
+        </p:cTn>
+      </p:par>
+    </p:tnLst>
+    <p:bldLst>
+      <p:bldP spid="29" grpId="0"/>
+      <p:bldP spid="30" grpId="0"/>
+    </p:bldLst>
+  </p:timing>
+</p:sld>
+</file>
+
+<file path=ppt/slides/slide11.xml><?xml version="1.0" encoding="utf-8"?>
+<p:sld xmlns:a="http://schemas.openxmlformats.org/drawingml/2006/main" xmlns:r="http://schemas.openxmlformats.org/officeDocument/2006/relationships" xmlns:p="http://schemas.openxmlformats.org/presentationml/2006/main">
+  <p:cSld>
+    <p:spTree>
+      <p:nvGrpSpPr>
+        <p:cNvPr id="1" name=""/>
+        <p:cNvGrpSpPr/>
+        <p:nvPr/>
+      </p:nvGrpSpPr>
+      <p:grpSpPr>
+        <a:xfrm>
+          <a:off x="0" y="0"/>
+          <a:ext cx="0" cy="0"/>
+          <a:chOff x="0" y="0"/>
+          <a:chExt cx="0" cy="0"/>
+        </a:xfrm>
+      </p:grpSpPr>
+      <p:sp>
+        <p:nvSpPr>
+          <p:cNvPr id="11315" name="TextBox 146"/>
+          <p:cNvSpPr txBox="1">
+            <a:spLocks noChangeArrowheads="1"/>
+          </p:cNvSpPr>
+          <p:nvPr/>
+        </p:nvSpPr>
+        <p:spPr bwMode="auto">
+          <a:xfrm>
+            <a:off x="575556" y="1417340"/>
+            <a:ext cx="7920880" cy="2862322"/>
+          </a:xfrm>
+          <a:prstGeom prst="rect">
+            <a:avLst/>
+          </a:prstGeom>
+          <a:noFill/>
+          <a:ln>
+            <a:noFill/>
+          </a:ln>
+          <a:extLst>
+            <a:ext uri="{909E8E84-426E-40DD-AFC4-6F175D3DCCD1}">
+              <a14:hiddenFill xmlns:a14="http://schemas.microsoft.com/office/drawing/2010/main">
+                <a:solidFill>
+                  <a:srgbClr val="FFFFFF"/>
+                </a:solidFill>
+              </a14:hiddenFill>
+            </a:ext>
+            <a:ext uri="{91240B29-F687-4F45-9708-019B960494DF}">
+              <a14:hiddenLine xmlns:a14="http://schemas.microsoft.com/office/drawing/2010/main" w="9525">
+                <a:solidFill>
+                  <a:srgbClr val="000000"/>
+                </a:solidFill>
+                <a:miter lim="800000"/>
+                <a:headEnd/>
+                <a:tailEnd/>
+              </a14:hiddenLine>
+            </a:ext>
+          </a:extLst>
+        </p:spPr>
+        <p:txBody>
+          <a:bodyPr wrap="square">
+            <a:spAutoFit/>
+          </a:bodyPr>
+          <a:lstStyle>
+            <a:lvl1pPr>
+              <a:defRPr sz="3200">
+                <a:solidFill>
+                  <a:schemeClr val="tx1"/>
+                </a:solidFill>
+                <a:latin typeface="Calibri" pitchFamily="34" charset="0"/>
+                <a:ea typeface="宋体" pitchFamily="2" charset="-122"/>
+              </a:defRPr>
+            </a:lvl1pPr>
+            <a:lvl2pPr>
+              <a:defRPr sz="2800">
+                <a:solidFill>
+                  <a:schemeClr val="tx1"/>
+                </a:solidFill>
+                <a:latin typeface="Calibri" pitchFamily="34" charset="0"/>
+                <a:ea typeface="宋体" pitchFamily="2" charset="-122"/>
+              </a:defRPr>
+            </a:lvl2pPr>
+            <a:lvl3pPr>
+              <a:defRPr sz="2400">
+                <a:solidFill>
+                  <a:schemeClr val="tx1"/>
+                </a:solidFill>
+                <a:latin typeface="Calibri" pitchFamily="34" charset="0"/>
+                <a:ea typeface="宋体" pitchFamily="2" charset="-122"/>
+              </a:defRPr>
+            </a:lvl3pPr>
+            <a:lvl4pPr>
+              <a:defRPr sz="2000">
+                <a:solidFill>
+                  <a:schemeClr val="tx1"/>
+                </a:solidFill>
+                <a:latin typeface="Calibri" pitchFamily="34" charset="0"/>
+                <a:ea typeface="宋体" pitchFamily="2" charset="-122"/>
+              </a:defRPr>
+            </a:lvl4pPr>
+            <a:lvl5pPr>
+              <a:defRPr sz="2000">
+                <a:solidFill>
+                  <a:schemeClr val="tx1"/>
+                </a:solidFill>
+                <a:latin typeface="Calibri" pitchFamily="34" charset="0"/>
+                <a:ea typeface="宋体" pitchFamily="2" charset="-122"/>
+              </a:defRPr>
+            </a:lvl5pPr>
+            <a:lvl6pPr>
+              <a:buFont typeface="Arial" charset="0"/>
+              <a:defRPr sz="2000">
+                <a:solidFill>
+                  <a:schemeClr val="tx1"/>
+                </a:solidFill>
+                <a:latin typeface="Calibri" pitchFamily="34" charset="0"/>
+                <a:ea typeface="宋体" pitchFamily="2" charset="-122"/>
+              </a:defRPr>
+            </a:lvl6pPr>
+            <a:lvl7pPr>
+              <a:buFont typeface="Arial" charset="0"/>
+              <a:defRPr sz="2000">
+                <a:solidFill>
+                  <a:schemeClr val="tx1"/>
+                </a:solidFill>
+                <a:latin typeface="Calibri" pitchFamily="34" charset="0"/>
+                <a:ea typeface="宋体" pitchFamily="2" charset="-122"/>
+              </a:defRPr>
+            </a:lvl7pPr>
+            <a:lvl8pPr>
+              <a:buFont typeface="Arial" charset="0"/>
+              <a:defRPr sz="2000">
+                <a:solidFill>
+                  <a:schemeClr val="tx1"/>
+                </a:solidFill>
+                <a:latin typeface="Calibri" pitchFamily="34" charset="0"/>
+                <a:ea typeface="宋体" pitchFamily="2" charset="-122"/>
+              </a:defRPr>
+            </a:lvl8pPr>
+            <a:lvl9pPr>
+              <a:buFont typeface="Arial" charset="0"/>
+              <a:defRPr sz="2000">
+                <a:solidFill>
+                  <a:schemeClr val="tx1"/>
+                </a:solidFill>
+                <a:latin typeface="Calibri" pitchFamily="34" charset="0"/>
+                <a:ea typeface="宋体" pitchFamily="2" charset="-122"/>
+              </a:defRPr>
+            </a:lvl9pPr>
+          </a:lstStyle>
+          <a:p>
+            <a:pPr>
+              <a:lnSpc>
+                <a:spcPct val="200000"/>
+              </a:lnSpc>
+            </a:pPr>
+            <a:r>
+              <a:rPr lang="en-US" altLang="zh-CN" sz="1800" dirty="0">
+                <a:solidFill>
+                  <a:srgbClr val="BCE8F2"/>
+                </a:solidFill>
+                <a:latin typeface="黑体" panose="02010609060101010101" pitchFamily="49" charset="-122"/>
+                <a:ea typeface="黑体" panose="02010609060101010101" pitchFamily="49" charset="-122"/>
+              </a:rPr>
+              <a:t>[1</a:t>
+            </a:r>
+            <a:r>
+              <a:rPr lang="en-US" altLang="zh-CN" sz="1800" dirty="0" smtClean="0">
+                <a:solidFill>
+                  <a:srgbClr val="BCE8F2"/>
+                </a:solidFill>
+                <a:latin typeface="黑体" panose="02010609060101010101" pitchFamily="49" charset="-122"/>
+                <a:ea typeface="黑体" panose="02010609060101010101" pitchFamily="49" charset="-122"/>
+              </a:rPr>
+              <a:t>].</a:t>
+            </a:r>
+            <a:r>
+              <a:rPr lang="zh-CN" altLang="en-US" sz="1800" dirty="0" smtClean="0">
+                <a:solidFill>
+                  <a:srgbClr val="BCE8F2"/>
+                </a:solidFill>
+                <a:latin typeface="黑体" panose="02010609060101010101" pitchFamily="49" charset="-122"/>
+                <a:ea typeface="黑体" panose="02010609060101010101" pitchFamily="49" charset="-122"/>
+              </a:rPr>
+              <a:t>戴</a:t>
+            </a:r>
+            <a:r>
+              <a:rPr lang="zh-CN" altLang="en-US" sz="1800" dirty="0">
+                <a:solidFill>
+                  <a:srgbClr val="BCE8F2"/>
+                </a:solidFill>
+                <a:latin typeface="黑体" panose="02010609060101010101" pitchFamily="49" charset="-122"/>
+                <a:ea typeface="黑体" panose="02010609060101010101" pitchFamily="49" charset="-122"/>
+              </a:rPr>
+              <a:t>慧</a:t>
+            </a:r>
+            <a:r>
+              <a:rPr lang="zh-CN" altLang="en-US" sz="1800" dirty="0" smtClean="0">
+                <a:solidFill>
+                  <a:srgbClr val="BCE8F2"/>
+                </a:solidFill>
+                <a:latin typeface="黑体" panose="02010609060101010101" pitchFamily="49" charset="-122"/>
+                <a:ea typeface="黑体" panose="02010609060101010101" pitchFamily="49" charset="-122"/>
+              </a:rPr>
+              <a:t>玲</a:t>
+            </a:r>
+            <a:r>
+              <a:rPr lang="en-US" altLang="zh-CN" sz="1800" dirty="0" smtClean="0">
+                <a:solidFill>
+                  <a:srgbClr val="BCE8F2"/>
+                </a:solidFill>
+                <a:latin typeface="黑体" panose="02010609060101010101" pitchFamily="49" charset="-122"/>
+                <a:ea typeface="黑体" panose="02010609060101010101" pitchFamily="49" charset="-122"/>
+              </a:rPr>
+              <a:t>,</a:t>
+            </a:r>
+            <a:r>
+              <a:rPr lang="zh-CN" altLang="en-US" sz="1800" dirty="0" smtClean="0">
+                <a:solidFill>
+                  <a:srgbClr val="BCE8F2"/>
+                </a:solidFill>
+                <a:latin typeface="黑体" panose="02010609060101010101" pitchFamily="49" charset="-122"/>
+                <a:ea typeface="黑体" panose="02010609060101010101" pitchFamily="49" charset="-122"/>
+              </a:rPr>
+              <a:t>清华大学工程管理硕士</a:t>
+            </a:r>
+            <a:r>
+              <a:rPr lang="en-US" altLang="zh-CN" sz="1800" dirty="0" smtClean="0">
+                <a:solidFill>
+                  <a:srgbClr val="BCE8F2"/>
+                </a:solidFill>
+                <a:latin typeface="黑体" panose="02010609060101010101" pitchFamily="49" charset="-122"/>
+                <a:ea typeface="黑体" panose="02010609060101010101" pitchFamily="49" charset="-122"/>
+              </a:rPr>
+              <a:t>MEM</a:t>
+            </a:r>
+            <a:r>
+              <a:rPr lang="zh-CN" altLang="en-US" sz="1800" dirty="0" smtClean="0">
+                <a:solidFill>
+                  <a:srgbClr val="BCE8F2"/>
+                </a:solidFill>
+                <a:latin typeface="黑体" panose="02010609060101010101" pitchFamily="49" charset="-122"/>
+                <a:ea typeface="黑体" panose="02010609060101010101" pitchFamily="49" charset="-122"/>
+              </a:rPr>
+              <a:t>入学导引课程</a:t>
+            </a:r>
+            <a:r>
+              <a:rPr lang="en-US" altLang="zh-CN" sz="1800" dirty="0" smtClean="0">
+                <a:solidFill>
+                  <a:srgbClr val="BCE8F2"/>
+                </a:solidFill>
+                <a:latin typeface="黑体" panose="02010609060101010101" pitchFamily="49" charset="-122"/>
+                <a:ea typeface="黑体" panose="02010609060101010101" pitchFamily="49" charset="-122"/>
+              </a:rPr>
+              <a:t>《2017</a:t>
+            </a:r>
+            <a:r>
+              <a:rPr lang="zh-CN" altLang="en-US" sz="1800" dirty="0" smtClean="0">
+                <a:solidFill>
+                  <a:srgbClr val="BCE8F2"/>
+                </a:solidFill>
+                <a:latin typeface="黑体" panose="02010609060101010101" pitchFamily="49" charset="-122"/>
+                <a:ea typeface="黑体" panose="02010609060101010101" pitchFamily="49" charset="-122"/>
+              </a:rPr>
+              <a:t>年</a:t>
+            </a:r>
+            <a:r>
+              <a:rPr lang="en-US" altLang="zh-CN" sz="1800" dirty="0" smtClean="0">
+                <a:solidFill>
+                  <a:srgbClr val="BCE8F2"/>
+                </a:solidFill>
+                <a:latin typeface="黑体" panose="02010609060101010101" pitchFamily="49" charset="-122"/>
+                <a:ea typeface="黑体" panose="02010609060101010101" pitchFamily="49" charset="-122"/>
+              </a:rPr>
+              <a:t>-</a:t>
+            </a:r>
+            <a:r>
+              <a:rPr lang="zh-CN" altLang="en-US" sz="1800" dirty="0" smtClean="0">
+                <a:solidFill>
+                  <a:srgbClr val="BCE8F2"/>
+                </a:solidFill>
+                <a:latin typeface="黑体" panose="02010609060101010101" pitchFamily="49" charset="-122"/>
+                <a:ea typeface="黑体" panose="02010609060101010101" pitchFamily="49" charset="-122"/>
+              </a:rPr>
+              <a:t>第二批次</a:t>
+            </a:r>
+            <a:r>
+              <a:rPr lang="en-US" altLang="zh-CN" sz="1800" dirty="0" smtClean="0">
+                <a:solidFill>
+                  <a:srgbClr val="BCE8F2"/>
+                </a:solidFill>
+                <a:latin typeface="黑体" panose="02010609060101010101" pitchFamily="49" charset="-122"/>
+                <a:ea typeface="黑体" panose="02010609060101010101" pitchFamily="49" charset="-122"/>
+              </a:rPr>
+              <a:t>》</a:t>
+            </a:r>
+            <a:r>
+              <a:rPr lang="zh-CN" altLang="en-US" sz="1800" dirty="0" smtClean="0">
+                <a:solidFill>
+                  <a:srgbClr val="BCE8F2"/>
+                </a:solidFill>
+                <a:latin typeface="黑体" panose="02010609060101010101" pitchFamily="49" charset="-122"/>
+                <a:ea typeface="黑体" panose="02010609060101010101" pitchFamily="49" charset="-122"/>
+              </a:rPr>
+              <a:t>学员手册</a:t>
+            </a:r>
+            <a:r>
+              <a:rPr lang="en-US" altLang="zh-CN" sz="1800" dirty="0" smtClean="0">
+                <a:solidFill>
+                  <a:srgbClr val="BCE8F2"/>
+                </a:solidFill>
+                <a:latin typeface="黑体" panose="02010609060101010101" pitchFamily="49" charset="-122"/>
+                <a:ea typeface="黑体" panose="02010609060101010101" pitchFamily="49" charset="-122"/>
+              </a:rPr>
+              <a:t> 2017-V3.0</a:t>
+            </a:r>
+            <a:r>
+              <a:rPr lang="zh-CN" altLang="en-US" sz="1800" dirty="0" smtClean="0">
+                <a:solidFill>
+                  <a:srgbClr val="BCE8F2"/>
+                </a:solidFill>
+                <a:latin typeface="黑体" panose="02010609060101010101" pitchFamily="49" charset="-122"/>
+                <a:ea typeface="黑体" panose="02010609060101010101" pitchFamily="49" charset="-122"/>
+              </a:rPr>
+              <a:t>版</a:t>
+            </a:r>
+            <a:r>
+              <a:rPr lang="en-US" altLang="zh-CN" sz="1800" dirty="0" smtClean="0">
+                <a:solidFill>
+                  <a:srgbClr val="BCE8F2"/>
+                </a:solidFill>
+                <a:latin typeface="黑体" panose="02010609060101010101" pitchFamily="49" charset="-122"/>
+                <a:ea typeface="黑体" panose="02010609060101010101" pitchFamily="49" charset="-122"/>
+              </a:rPr>
+              <a:t>,2017.</a:t>
+            </a:r>
+            <a:r>
+              <a:rPr lang="zh-CN" altLang="en-US" sz="1800" dirty="0" smtClean="0">
+                <a:solidFill>
+                  <a:srgbClr val="BCE8F2"/>
+                </a:solidFill>
+                <a:latin typeface="黑体" panose="02010609060101010101" pitchFamily="49" charset="-122"/>
+                <a:ea typeface="黑体" panose="02010609060101010101" pitchFamily="49" charset="-122"/>
+              </a:rPr>
+              <a:t>第</a:t>
+            </a:r>
+            <a:r>
+              <a:rPr lang="en-US" altLang="zh-CN" sz="1800" dirty="0" smtClean="0">
+                <a:solidFill>
+                  <a:srgbClr val="BCE8F2"/>
+                </a:solidFill>
+                <a:latin typeface="黑体" panose="02010609060101010101" pitchFamily="49" charset="-122"/>
+                <a:ea typeface="黑体" panose="02010609060101010101" pitchFamily="49" charset="-122"/>
+              </a:rPr>
+              <a:t>16</a:t>
+            </a:r>
+            <a:r>
+              <a:rPr lang="zh-CN" altLang="en-US" sz="1800" dirty="0" smtClean="0">
+                <a:solidFill>
+                  <a:srgbClr val="BCE8F2"/>
+                </a:solidFill>
+                <a:latin typeface="黑体" panose="02010609060101010101" pitchFamily="49" charset="-122"/>
+                <a:ea typeface="黑体" panose="02010609060101010101" pitchFamily="49" charset="-122"/>
+              </a:rPr>
+              <a:t>页</a:t>
+            </a:r>
+            <a:r>
+              <a:rPr lang="en-US" altLang="zh-CN" sz="1800" dirty="0" smtClean="0">
+                <a:solidFill>
+                  <a:srgbClr val="BCE8F2"/>
+                </a:solidFill>
+                <a:latin typeface="黑体" panose="02010609060101010101" pitchFamily="49" charset="-122"/>
+                <a:ea typeface="黑体" panose="02010609060101010101" pitchFamily="49" charset="-122"/>
+              </a:rPr>
+              <a:t>.</a:t>
+            </a:r>
+          </a:p>
+          <a:p>
+            <a:pPr>
+              <a:lnSpc>
+                <a:spcPct val="200000"/>
+              </a:lnSpc>
+            </a:pPr>
+            <a:r>
+              <a:rPr lang="en-US" altLang="zh-CN" sz="1800" dirty="0" smtClean="0">
+                <a:solidFill>
+                  <a:srgbClr val="BCE8F2"/>
+                </a:solidFill>
+                <a:latin typeface="黑体" panose="02010609060101010101" pitchFamily="49" charset="-122"/>
+                <a:ea typeface="黑体" panose="02010609060101010101" pitchFamily="49" charset="-122"/>
+              </a:rPr>
+              <a:t>[2].Ben Koo, Computational </a:t>
+            </a:r>
+            <a:r>
+              <a:rPr lang="en-US" altLang="zh-CN" sz="1800" dirty="0">
+                <a:solidFill>
+                  <a:srgbClr val="BCE8F2"/>
+                </a:solidFill>
+                <a:latin typeface="黑体" panose="02010609060101010101" pitchFamily="49" charset="-122"/>
+                <a:ea typeface="黑体" panose="02010609060101010101" pitchFamily="49" charset="-122"/>
+              </a:rPr>
+              <a:t>Thinking </a:t>
+            </a:r>
+            <a:r>
+              <a:rPr lang="en-US" altLang="zh-CN" sz="1800" dirty="0" smtClean="0">
+                <a:solidFill>
+                  <a:srgbClr val="BCE8F2"/>
+                </a:solidFill>
+                <a:latin typeface="黑体" panose="02010609060101010101" pitchFamily="49" charset="-122"/>
+                <a:ea typeface="黑体" panose="02010609060101010101" pitchFamily="49" charset="-122"/>
+              </a:rPr>
+              <a:t>in Category Theory.</a:t>
+            </a:r>
+          </a:p>
+          <a:p>
+            <a:pPr>
+              <a:lnSpc>
+                <a:spcPct val="200000"/>
+              </a:lnSpc>
+            </a:pPr>
+            <a:r>
+              <a:rPr lang="en-US" altLang="zh-CN" sz="1800" dirty="0" smtClean="0">
+                <a:solidFill>
+                  <a:srgbClr val="BCE8F2"/>
+                </a:solidFill>
+                <a:latin typeface="黑体" panose="02010609060101010101" pitchFamily="49" charset="-122"/>
+                <a:ea typeface="黑体" panose="02010609060101010101" pitchFamily="49" charset="-122"/>
+              </a:rPr>
+              <a:t>[3].M</a:t>
+            </a:r>
+            <a:r>
+              <a:rPr lang="en-US" altLang="zh-CN" sz="1800" dirty="0">
+                <a:solidFill>
+                  <a:srgbClr val="BCE8F2"/>
+                </a:solidFill>
+                <a:latin typeface="黑体" panose="02010609060101010101" pitchFamily="49" charset="-122"/>
+                <a:ea typeface="黑体" panose="02010609060101010101" pitchFamily="49" charset="-122"/>
+              </a:rPr>
+              <a:t>. Barr</a:t>
+            </a:r>
+            <a:r>
+              <a:rPr lang="en-US" altLang="zh-CN" sz="1800" dirty="0" smtClean="0">
+                <a:solidFill>
+                  <a:srgbClr val="BCE8F2"/>
+                </a:solidFill>
+                <a:latin typeface="黑体" panose="02010609060101010101" pitchFamily="49" charset="-122"/>
+                <a:ea typeface="黑体" panose="02010609060101010101" pitchFamily="49" charset="-122"/>
+              </a:rPr>
+              <a:t>, </a:t>
+            </a:r>
+            <a:r>
+              <a:rPr lang="en-US" altLang="zh-CN" sz="1800" dirty="0">
+                <a:solidFill>
+                  <a:srgbClr val="BCE8F2"/>
+                </a:solidFill>
+                <a:latin typeface="黑体" panose="02010609060101010101" pitchFamily="49" charset="-122"/>
+                <a:ea typeface="黑体" panose="02010609060101010101" pitchFamily="49" charset="-122"/>
+              </a:rPr>
+              <a:t>and C. Wells, Category theory for computing science. </a:t>
+            </a:r>
+            <a:r>
+              <a:rPr lang="en-US" altLang="zh-CN" sz="1800" dirty="0" smtClean="0">
+                <a:solidFill>
+                  <a:srgbClr val="BCE8F2"/>
+                </a:solidFill>
+                <a:latin typeface="黑体" panose="02010609060101010101" pitchFamily="49" charset="-122"/>
+                <a:ea typeface="黑体" panose="02010609060101010101" pitchFamily="49" charset="-122"/>
+              </a:rPr>
+              <a:t>1990. 21. </a:t>
+            </a:r>
+            <a:endParaRPr lang="en-US" altLang="zh-CN" sz="1800" dirty="0">
+              <a:solidFill>
+                <a:srgbClr val="BCE8F2"/>
+              </a:solidFill>
+              <a:latin typeface="黑体" panose="02010609060101010101" pitchFamily="49" charset="-122"/>
+              <a:ea typeface="黑体" panose="02010609060101010101" pitchFamily="49" charset="-122"/>
+            </a:endParaRPr>
+          </a:p>
+        </p:txBody>
+      </p:sp>
+      <p:sp>
+        <p:nvSpPr>
+          <p:cNvPr id="3" name="文本框 2"/>
+          <p:cNvSpPr txBox="1"/>
+          <p:nvPr/>
+        </p:nvSpPr>
+        <p:spPr>
+          <a:xfrm>
+            <a:off x="2267744" y="265212"/>
+            <a:ext cx="4536504" cy="900246"/>
+          </a:xfrm>
+          <a:prstGeom prst="rect">
+            <a:avLst/>
+          </a:prstGeom>
+          <a:noFill/>
+        </p:spPr>
+        <p:txBody>
+          <a:bodyPr wrap="square" rtlCol="0">
+            <a:spAutoFit/>
+          </a:bodyPr>
+          <a:lstStyle/>
+          <a:p>
+            <a:pPr algn="ctr">
+              <a:lnSpc>
+                <a:spcPct val="200000"/>
+              </a:lnSpc>
+            </a:pPr>
+            <a:r>
+              <a:rPr lang="zh-CN" altLang="en-US" sz="3200" dirty="0">
+                <a:solidFill>
+                  <a:srgbClr val="BCE8F2"/>
+                </a:solidFill>
+                <a:latin typeface="黑体" panose="02010609060101010101" pitchFamily="49" charset="-122"/>
+                <a:ea typeface="黑体" panose="02010609060101010101" pitchFamily="49" charset="-122"/>
+              </a:rPr>
+              <a:t>参考</a:t>
+            </a:r>
+            <a:r>
+              <a:rPr lang="zh-CN" altLang="en-US" sz="3200" dirty="0" smtClean="0">
+                <a:solidFill>
+                  <a:srgbClr val="BCE8F2"/>
+                </a:solidFill>
+                <a:latin typeface="黑体" panose="02010609060101010101" pitchFamily="49" charset="-122"/>
+                <a:ea typeface="黑体" panose="02010609060101010101" pitchFamily="49" charset="-122"/>
+              </a:rPr>
+              <a:t>文献</a:t>
+            </a:r>
+            <a:endParaRPr lang="en-US" altLang="zh-CN" sz="3200" dirty="0">
+              <a:solidFill>
+                <a:srgbClr val="BCE8F2"/>
+              </a:solidFill>
+              <a:latin typeface="黑体" panose="02010609060101010101" pitchFamily="49" charset="-122"/>
+              <a:ea typeface="黑体" panose="02010609060101010101" pitchFamily="49" charset="-122"/>
+            </a:endParaRPr>
+          </a:p>
+        </p:txBody>
+      </p:sp>
+    </p:spTree>
+    <p:extLst>
+      <p:ext uri="{BB962C8B-B14F-4D97-AF65-F5344CB8AC3E}">
+        <p14:creationId xmlns:p14="http://schemas.microsoft.com/office/powerpoint/2010/main" val="3115227758"/>
+      </p:ext>
+    </p:extLst>
+  </p:cSld>
+  <p:clrMapOvr>
+    <a:masterClrMapping/>
+  </p:clrMapOvr>
+  <p:transition spd="slow" advClick="0">
+    <p:push dir="u"/>
+  </p:transition>
+  <p:timing>
+    <p:tnLst>
+      <p:par>
+        <p:cTn id="1" dur="indefinite" restart="never" nodeType="tmRoot">
+          <p:childTnLst>
+            <p:seq concurrent="1" nextAc="seek">
+              <p:cTn id="2" dur="indefinite" nodeType="mainSeq">
+                <p:childTnLst>
+                  <p:par>
+                    <p:cTn id="3" fill="hold">
+                      <p:stCondLst>
+                        <p:cond delay="indefinite"/>
+                      </p:stCondLst>
+                      <p:childTnLst>
+                        <p:par>
+                          <p:cTn id="4" fill="hold">
+                            <p:stCondLst>
+                              <p:cond delay="0"/>
+                            </p:stCondLst>
+                            <p:childTnLst>
+                              <p:par>
+                                <p:cTn id="5" presetID="22" presetClass="entr" presetSubtype="1" fill="hold" grpId="0" nodeType="clickEffect">
+                                  <p:stCondLst>
+                                    <p:cond delay="0"/>
+                                  </p:stCondLst>
+                                  <p:childTnLst>
+                                    <p:set>
+                                      <p:cBhvr>
+                                        <p:cTn id="6" dur="1" fill="hold">
+                                          <p:stCondLst>
+                                            <p:cond delay="0"/>
+                                          </p:stCondLst>
+                                        </p:cTn>
+                                        <p:tgtEl>
+                                          <p:spTgt spid="11315"/>
+                                        </p:tgtEl>
+                                        <p:attrNameLst>
+                                          <p:attrName>style.visibility</p:attrName>
+                                        </p:attrNameLst>
+                                      </p:cBhvr>
+                                      <p:to>
+                                        <p:strVal val="visible"/>
+                                      </p:to>
+                                    </p:set>
+                                    <p:animEffect transition="in" filter="wipe(up)">
+                                      <p:cBhvr>
+                                        <p:cTn id="7" dur="500"/>
+                                        <p:tgtEl>
+                                          <p:spTgt spid="11315"/>
+                                        </p:tgtEl>
+                                      </p:cBhvr>
+                                    </p:animEffect>
+                                  </p:childTnLst>
+                                </p:cTn>
+                              </p:par>
+                            </p:childTnLst>
+                          </p:cTn>
+                        </p:par>
+                      </p:childTnLst>
+                    </p:cTn>
+                  </p:par>
+                </p:childTnLst>
+              </p:cTn>
+              <p:prevCondLst>
+                <p:cond evt="onPrev" delay="0">
+                  <p:tgtEl>
+                    <p:sldTgt/>
+                  </p:tgtEl>
+                </p:cond>
+              </p:prevCondLst>
+              <p:nextCondLst>
+                <p:cond evt="onNext" delay="0">
+                  <p:tgtEl>
+                    <p:sldTgt/>
+                  </p:tgtEl>
+                </p:cond>
+              </p:nextCondLst>
+            </p:seq>
+          </p:childTnLst>
+        </p:cTn>
+      </p:par>
+    </p:tnLst>
+    <p:bldLst>
+      <p:bldP spid="11315" grpId="0"/>
+    </p:bldLst>
+  </p:timing>
+</p:sld>
+</file>
+
+<file path=ppt/slides/slide12.xml><?xml version="1.0" encoding="utf-8"?>
 <p:sld xmlns:a="http://schemas.openxmlformats.org/drawingml/2006/main" xmlns:r="http://schemas.openxmlformats.org/officeDocument/2006/relationships" xmlns:p="http://schemas.openxmlformats.org/presentationml/2006/main">
   <p:cSld>
     <p:spTree>
@@ -29624,24 +31587,59 @@
                                   </p:childTnLst>
                                 </p:cTn>
                               </p:par>
-                            </p:childTnLst>
-                          </p:cTn>
-                        </p:par>
-                        <p:par>
-                          <p:cTn id="21" fill="hold">
-                            <p:stCondLst>
-                              <p:cond delay="500"/>
-                            </p:stCondLst>
-                            <p:childTnLst>
                               <p:par>
-                                <p:cTn id="22" presetID="22" presetClass="entr" presetSubtype="4" fill="hold" grpId="0" nodeType="afterEffect">
+                                <p:cTn id="21" presetID="22" presetClass="entr" presetSubtype="4" fill="hold" nodeType="withEffect">
                                   <p:stCondLst>
                                     <p:cond delay="0"/>
                                   </p:stCondLst>
                                   <p:childTnLst>
                                     <p:set>
                                       <p:cBhvr>
-                                        <p:cTn id="23" dur="1" fill="hold">
+                                        <p:cTn id="22" dur="1" fill="hold">
+                                          <p:stCondLst>
+                                            <p:cond delay="0"/>
+                                          </p:stCondLst>
+                                        </p:cTn>
+                                        <p:tgtEl>
+                                          <p:spTgt spid="53"/>
+                                        </p:tgtEl>
+                                        <p:attrNameLst>
+                                          <p:attrName>style.visibility</p:attrName>
+                                        </p:attrNameLst>
+                                      </p:cBhvr>
+                                      <p:to>
+                                        <p:strVal val="visible"/>
+                                      </p:to>
+                                    </p:set>
+                                    <p:animEffect transition="in" filter="wipe(down)">
+                                      <p:cBhvr>
+                                        <p:cTn id="23" dur="500"/>
+                                        <p:tgtEl>
+                                          <p:spTgt spid="53"/>
+                                        </p:tgtEl>
+                                      </p:cBhvr>
+                                    </p:animEffect>
+                                  </p:childTnLst>
+                                </p:cTn>
+                              </p:par>
+                            </p:childTnLst>
+                          </p:cTn>
+                        </p:par>
+                        <p:par>
+                          <p:cTn id="24" fill="hold">
+                            <p:stCondLst>
+                              <p:cond delay="500"/>
+                            </p:stCondLst>
+                            <p:childTnLst>
+                              <p:par>
+                                <p:cTn id="25" presetID="22" presetClass="entr" presetSubtype="4" fill="hold" grpId="0" nodeType="afterEffect">
+                                  <p:stCondLst>
+                                    <p:cond delay="0"/>
+                                  </p:stCondLst>
+                                  <p:childTnLst>
+                                    <p:set>
+                                      <p:cBhvr>
+                                        <p:cTn id="26" dur="1" fill="hold">
                                           <p:stCondLst>
                                             <p:cond delay="0"/>
                                           </p:stCondLst>
@@ -29659,7 +31657,7 @@
                                     </p:set>
                                     <p:animEffect transition="in" filter="wipe(down)">
                                       <p:cBhvr>
-                                        <p:cTn id="24" dur="500"/>
+                                        <p:cTn id="27" dur="500"/>
                                         <p:tgtEl>
                                           <p:spTgt spid="52"/>
                                         </p:tgtEl>
@@ -29675,26 +31673,26 @@
                     </p:cTn>
                   </p:par>
                   <p:par>
-                    <p:cTn id="25" fill="hold">
+                    <p:cTn id="28" fill="hold">
                       <p:stCondLst>
                         <p:cond delay="indefinite"/>
                       </p:stCondLst>
                       <p:childTnLst>
                         <p:par>
-                          <p:cTn id="26" fill="hold">
+                          <p:cTn id="29" fill="hold">
                             <p:stCondLst>
                               <p:cond delay="0"/>
                             </p:stCondLst>
                             <p:childTnLst>
                               <p:par>
-                                <p:cTn id="27" presetID="22" presetClass="entr" presetSubtype="4" fill="hold" grpId="0" nodeType="clickEffect">
+                                <p:cTn id="30" presetID="22" presetClass="entr" presetSubtype="4" fill="hold" grpId="0" nodeType="clickEffect">
                                   <p:stCondLst>
                                     <p:cond delay="0"/>
                                   </p:stCondLst>
                                   <p:childTnLst>
                                     <p:set>
                                       <p:cBhvr>
-                                        <p:cTn id="28" dur="1" fill="hold">
+                                        <p:cTn id="31" dur="1" fill="hold">
                                           <p:stCondLst>
                                             <p:cond delay="0"/>
                                           </p:stCondLst>
@@ -29712,44 +31710,9 @@
                                     </p:set>
                                     <p:animEffect transition="in" filter="wipe(down)">
                                       <p:cBhvr>
-                                        <p:cTn id="29" dur="500"/>
+                                        <p:cTn id="32" dur="500"/>
                                         <p:tgtEl>
                                           <p:spTgt spid="54"/>
-                                        </p:tgtEl>
-                                      </p:cBhvr>
-                                    </p:animEffect>
-                                  </p:childTnLst>
-                                </p:cTn>
-                              </p:par>
-                              <p:par>
-                                <p:cTn id="30" presetID="22" presetClass="entr" presetSubtype="4" fill="hold" nodeType="withEffect">
-                                  <p:stCondLst>
-                                    <p:cond delay="0"/>
-                                  </p:stCondLst>
-                                  <p:childTnLst>
-                                    <p:set>
-                                      <p:cBhvr>
-                                        <p:cTn id="31" dur="1" fill="hold">
-                                          <p:stCondLst>
-                                            <p:cond delay="0"/>
-                                          </p:stCondLst>
-                                        </p:cTn>
-                                        <p:tgtEl>
-                                          <p:spTgt spid="53"/>
-                                        </p:tgtEl>
-                                        <p:attrNameLst>
-                                          <p:attrName>style.visibility</p:attrName>
-                                        </p:attrNameLst>
-                                      </p:cBhvr>
-                                      <p:to>
-                                        <p:strVal val="visible"/>
-                                      </p:to>
-                                    </p:set>
-                                    <p:animEffect transition="in" filter="wipe(down)">
-                                      <p:cBhvr>
-                                        <p:cTn id="32" dur="500"/>
-                                        <p:tgtEl>
-                                          <p:spTgt spid="53"/>
                                         </p:tgtEl>
                                       </p:cBhvr>
                                     </p:animEffect>
@@ -29897,24 +31860,59 @@
                                   </p:childTnLst>
                                 </p:cTn>
                               </p:par>
-                            </p:childTnLst>
-                          </p:cTn>
-                        </p:par>
-                        <p:par>
-                          <p:cTn id="46" fill="hold">
-                            <p:stCondLst>
-                              <p:cond delay="500"/>
-                            </p:stCondLst>
-                            <p:childTnLst>
                               <p:par>
-                                <p:cTn id="47" presetID="22" presetClass="entr" presetSubtype="4" fill="hold" grpId="0" nodeType="afterEffect">
+                                <p:cTn id="46" presetID="22" presetClass="entr" presetSubtype="4" fill="hold" nodeType="withEffect">
                                   <p:stCondLst>
                                     <p:cond delay="0"/>
                                   </p:stCondLst>
                                   <p:childTnLst>
                                     <p:set>
                                       <p:cBhvr>
-                                        <p:cTn id="48" dur="1" fill="hold">
+                                        <p:cTn id="47" dur="1" fill="hold">
+                                          <p:stCondLst>
+                                            <p:cond delay="0"/>
+                                          </p:stCondLst>
+                                        </p:cTn>
+                                        <p:tgtEl>
+                                          <p:spTgt spid="10"/>
+                                        </p:tgtEl>
+                                        <p:attrNameLst>
+                                          <p:attrName>style.visibility</p:attrName>
+                                        </p:attrNameLst>
+                                      </p:cBhvr>
+                                      <p:to>
+                                        <p:strVal val="visible"/>
+                                      </p:to>
+                                    </p:set>
+                                    <p:animEffect transition="in" filter="wipe(down)">
+                                      <p:cBhvr>
+                                        <p:cTn id="48" dur="500"/>
+                                        <p:tgtEl>
+                                          <p:spTgt spid="10"/>
+                                        </p:tgtEl>
+                                      </p:cBhvr>
+                                    </p:animEffect>
+                                  </p:childTnLst>
+                                </p:cTn>
+                              </p:par>
+                            </p:childTnLst>
+                          </p:cTn>
+                        </p:par>
+                        <p:par>
+                          <p:cTn id="49" fill="hold">
+                            <p:stCondLst>
+                              <p:cond delay="500"/>
+                            </p:stCondLst>
+                            <p:childTnLst>
+                              <p:par>
+                                <p:cTn id="50" presetID="22" presetClass="entr" presetSubtype="4" fill="hold" grpId="0" nodeType="afterEffect">
+                                  <p:stCondLst>
+                                    <p:cond delay="0"/>
+                                  </p:stCondLst>
+                                  <p:childTnLst>
+                                    <p:set>
+                                      <p:cBhvr>
+                                        <p:cTn id="51" dur="1" fill="hold">
                                           <p:stCondLst>
                                             <p:cond delay="0"/>
                                           </p:stCondLst>
@@ -29932,7 +31930,7 @@
                                     </p:set>
                                     <p:animEffect transition="in" filter="wipe(down)">
                                       <p:cBhvr>
-                                        <p:cTn id="49" dur="500"/>
+                                        <p:cTn id="52" dur="500"/>
                                         <p:tgtEl>
                                           <p:spTgt spid="9"/>
                                         </p:tgtEl>
@@ -29948,54 +31946,19 @@
                     </p:cTn>
                   </p:par>
                   <p:par>
-                    <p:cTn id="50" fill="hold">
+                    <p:cTn id="53" fill="hold">
                       <p:stCondLst>
                         <p:cond delay="indefinite"/>
                       </p:stCondLst>
                       <p:childTnLst>
                         <p:par>
-                          <p:cTn id="51" fill="hold">
+                          <p:cTn id="54" fill="hold">
                             <p:stCondLst>
                               <p:cond delay="0"/>
                             </p:stCondLst>
                             <p:childTnLst>
                               <p:par>
-                                <p:cTn id="52" presetID="22" presetClass="entr" presetSubtype="4" fill="hold" nodeType="clickEffect">
-                                  <p:stCondLst>
-                                    <p:cond delay="0"/>
-                                  </p:stCondLst>
-                                  <p:childTnLst>
-                                    <p:set>
-                                      <p:cBhvr>
-                                        <p:cTn id="53" dur="1" fill="hold">
-                                          <p:stCondLst>
-                                            <p:cond delay="0"/>
-                                          </p:stCondLst>
-                                        </p:cTn>
-                                        <p:tgtEl>
-                                          <p:spTgt spid="10"/>
-                                        </p:tgtEl>
-                                        <p:attrNameLst>
-                                          <p:attrName>style.visibility</p:attrName>
-                                        </p:attrNameLst>
-                                      </p:cBhvr>
-                                      <p:to>
-                                        <p:strVal val="visible"/>
-                                      </p:to>
-                                    </p:set>
-                                    <p:animEffect transition="in" filter="wipe(down)">
-                                      <p:cBhvr>
-                                        <p:cTn id="54" dur="500"/>
-                                        <p:tgtEl>
-                                          <p:spTgt spid="10"/>
-                                        </p:tgtEl>
-                                      </p:cBhvr>
-                                    </p:animEffect>
-                                  </p:childTnLst>
-                                </p:cTn>
-                              </p:par>
-                              <p:par>
-                                <p:cTn id="55" presetID="22" presetClass="entr" presetSubtype="4" fill="hold" grpId="0" nodeType="withEffect">
+                                <p:cTn id="55" presetID="22" presetClass="entr" presetSubtype="4" fill="hold" grpId="0" nodeType="clickEffect">
                                   <p:stCondLst>
                                     <p:cond delay="0"/>
                                   </p:stCondLst>
@@ -30170,24 +32133,59 @@
                                   </p:childTnLst>
                                 </p:cTn>
                               </p:par>
-                            </p:childTnLst>
-                          </p:cTn>
-                        </p:par>
-                        <p:par>
-                          <p:cTn id="71" fill="hold">
-                            <p:stCondLst>
-                              <p:cond delay="500"/>
-                            </p:stCondLst>
-                            <p:childTnLst>
                               <p:par>
-                                <p:cTn id="72" presetID="22" presetClass="entr" presetSubtype="4" fill="hold" grpId="0" nodeType="afterEffect">
+                                <p:cTn id="71" presetID="22" presetClass="entr" presetSubtype="4" fill="hold" nodeType="withEffect">
                                   <p:stCondLst>
                                     <p:cond delay="0"/>
                                   </p:stCondLst>
                                   <p:childTnLst>
                                     <p:set>
                                       <p:cBhvr>
-                                        <p:cTn id="73" dur="1" fill="hold">
+                                        <p:cTn id="72" dur="1" fill="hold">
+                                          <p:stCondLst>
+                                            <p:cond delay="0"/>
+                                          </p:stCondLst>
+                                        </p:cTn>
+                                        <p:tgtEl>
+                                          <p:spTgt spid="12"/>
+                                        </p:tgtEl>
+                                        <p:attrNameLst>
+                                          <p:attrName>style.visibility</p:attrName>
+                                        </p:attrNameLst>
+                                      </p:cBhvr>
+                                      <p:to>
+                                        <p:strVal val="visible"/>
+                                      </p:to>
+                                    </p:set>
+                                    <p:animEffect transition="in" filter="wipe(down)">
+                                      <p:cBhvr>
+                                        <p:cTn id="73" dur="500"/>
+                                        <p:tgtEl>
+                                          <p:spTgt spid="12"/>
+                                        </p:tgtEl>
+                                      </p:cBhvr>
+                                    </p:animEffect>
+                                  </p:childTnLst>
+                                </p:cTn>
+                              </p:par>
+                            </p:childTnLst>
+                          </p:cTn>
+                        </p:par>
+                        <p:par>
+                          <p:cTn id="74" fill="hold">
+                            <p:stCondLst>
+                              <p:cond delay="500"/>
+                            </p:stCondLst>
+                            <p:childTnLst>
+                              <p:par>
+                                <p:cTn id="75" presetID="22" presetClass="entr" presetSubtype="4" fill="hold" grpId="0" nodeType="afterEffect">
+                                  <p:stCondLst>
+                                    <p:cond delay="0"/>
+                                  </p:stCondLst>
+                                  <p:childTnLst>
+                                    <p:set>
+                                      <p:cBhvr>
+                                        <p:cTn id="76" dur="1" fill="hold">
                                           <p:stCondLst>
                                             <p:cond delay="0"/>
                                           </p:stCondLst>
@@ -30205,7 +32203,7 @@
                                     </p:set>
                                     <p:animEffect transition="in" filter="wipe(down)">
                                       <p:cBhvr>
-                                        <p:cTn id="74" dur="500"/>
+                                        <p:cTn id="77" dur="500"/>
                                         <p:tgtEl>
                                           <p:spTgt spid="7198"/>
                                         </p:tgtEl>
@@ -30221,54 +32219,19 @@
                     </p:cTn>
                   </p:par>
                   <p:par>
-                    <p:cTn id="75" fill="hold">
+                    <p:cTn id="78" fill="hold">
                       <p:stCondLst>
                         <p:cond delay="indefinite"/>
                       </p:stCondLst>
                       <p:childTnLst>
                         <p:par>
-                          <p:cTn id="76" fill="hold">
+                          <p:cTn id="79" fill="hold">
                             <p:stCondLst>
                               <p:cond delay="0"/>
                             </p:stCondLst>
                             <p:childTnLst>
                               <p:par>
-                                <p:cTn id="77" presetID="22" presetClass="entr" presetSubtype="4" fill="hold" nodeType="clickEffect">
-                                  <p:stCondLst>
-                                    <p:cond delay="0"/>
-                                  </p:stCondLst>
-                                  <p:childTnLst>
-                                    <p:set>
-                                      <p:cBhvr>
-                                        <p:cTn id="78" dur="1" fill="hold">
-                                          <p:stCondLst>
-                                            <p:cond delay="0"/>
-                                          </p:stCondLst>
-                                        </p:cTn>
-                                        <p:tgtEl>
-                                          <p:spTgt spid="12"/>
-                                        </p:tgtEl>
-                                        <p:attrNameLst>
-                                          <p:attrName>style.visibility</p:attrName>
-                                        </p:attrNameLst>
-                                      </p:cBhvr>
-                                      <p:to>
-                                        <p:strVal val="visible"/>
-                                      </p:to>
-                                    </p:set>
-                                    <p:animEffect transition="in" filter="wipe(down)">
-                                      <p:cBhvr>
-                                        <p:cTn id="79" dur="500"/>
-                                        <p:tgtEl>
-                                          <p:spTgt spid="12"/>
-                                        </p:tgtEl>
-                                      </p:cBhvr>
-                                    </p:animEffect>
-                                  </p:childTnLst>
-                                </p:cTn>
-                              </p:par>
-                              <p:par>
-                                <p:cTn id="80" presetID="22" presetClass="entr" presetSubtype="4" fill="hold" grpId="0" nodeType="withEffect">
+                                <p:cTn id="80" presetID="22" presetClass="entr" presetSubtype="4" fill="hold" grpId="0" nodeType="clickEffect">
                                   <p:stCondLst>
                                     <p:cond delay="0"/>
                                   </p:stCondLst>
@@ -30443,24 +32406,59 @@
                                   </p:childTnLst>
                                 </p:cTn>
                               </p:par>
-                            </p:childTnLst>
-                          </p:cTn>
-                        </p:par>
-                        <p:par>
-                          <p:cTn id="96" fill="hold">
-                            <p:stCondLst>
-                              <p:cond delay="500"/>
-                            </p:stCondLst>
-                            <p:childTnLst>
                               <p:par>
-                                <p:cTn id="97" presetID="22" presetClass="entr" presetSubtype="4" fill="hold" grpId="0" nodeType="afterEffect">
+                                <p:cTn id="96" presetID="22" presetClass="entr" presetSubtype="4" fill="hold" nodeType="withEffect">
                                   <p:stCondLst>
                                     <p:cond delay="0"/>
                                   </p:stCondLst>
                                   <p:childTnLst>
                                     <p:set>
                                       <p:cBhvr>
-                                        <p:cTn id="98" dur="1" fill="hold">
+                                        <p:cTn id="97" dur="1" fill="hold">
+                                          <p:stCondLst>
+                                            <p:cond delay="0"/>
+                                          </p:stCondLst>
+                                        </p:cTn>
+                                        <p:tgtEl>
+                                          <p:spTgt spid="7196"/>
+                                        </p:tgtEl>
+                                        <p:attrNameLst>
+                                          <p:attrName>style.visibility</p:attrName>
+                                        </p:attrNameLst>
+                                      </p:cBhvr>
+                                      <p:to>
+                                        <p:strVal val="visible"/>
+                                      </p:to>
+                                    </p:set>
+                                    <p:animEffect transition="in" filter="wipe(down)">
+                                      <p:cBhvr>
+                                        <p:cTn id="98" dur="500"/>
+                                        <p:tgtEl>
+                                          <p:spTgt spid="7196"/>
+                                        </p:tgtEl>
+                                      </p:cBhvr>
+                                    </p:animEffect>
+                                  </p:childTnLst>
+                                </p:cTn>
+                              </p:par>
+                            </p:childTnLst>
+                          </p:cTn>
+                        </p:par>
+                        <p:par>
+                          <p:cTn id="99" fill="hold">
+                            <p:stCondLst>
+                              <p:cond delay="500"/>
+                            </p:stCondLst>
+                            <p:childTnLst>
+                              <p:par>
+                                <p:cTn id="100" presetID="22" presetClass="entr" presetSubtype="4" fill="hold" grpId="0" nodeType="afterEffect">
+                                  <p:stCondLst>
+                                    <p:cond delay="0"/>
+                                  </p:stCondLst>
+                                  <p:childTnLst>
+                                    <p:set>
+                                      <p:cBhvr>
+                                        <p:cTn id="101" dur="1" fill="hold">
                                           <p:stCondLst>
                                             <p:cond delay="0"/>
                                           </p:stCondLst>
@@ -30478,7 +32476,7 @@
                                     </p:set>
                                     <p:animEffect transition="in" filter="wipe(down)">
                                       <p:cBhvr>
-                                        <p:cTn id="99" dur="500"/>
+                                        <p:cTn id="102" dur="500"/>
                                         <p:tgtEl>
                                           <p:spTgt spid="14"/>
                                         </p:tgtEl>
@@ -30494,54 +32492,19 @@
                     </p:cTn>
                   </p:par>
                   <p:par>
-                    <p:cTn id="100" fill="hold">
+                    <p:cTn id="103" fill="hold">
                       <p:stCondLst>
                         <p:cond delay="indefinite"/>
                       </p:stCondLst>
                       <p:childTnLst>
                         <p:par>
-                          <p:cTn id="101" fill="hold">
+                          <p:cTn id="104" fill="hold">
                             <p:stCondLst>
                               <p:cond delay="0"/>
                             </p:stCondLst>
                             <p:childTnLst>
                               <p:par>
-                                <p:cTn id="102" presetID="22" presetClass="entr" presetSubtype="4" fill="hold" nodeType="clickEffect">
-                                  <p:stCondLst>
-                                    <p:cond delay="0"/>
-                                  </p:stCondLst>
-                                  <p:childTnLst>
-                                    <p:set>
-                                      <p:cBhvr>
-                                        <p:cTn id="103" dur="1" fill="hold">
-                                          <p:stCondLst>
-                                            <p:cond delay="0"/>
-                                          </p:stCondLst>
-                                        </p:cTn>
-                                        <p:tgtEl>
-                                          <p:spTgt spid="7196"/>
-                                        </p:tgtEl>
-                                        <p:attrNameLst>
-                                          <p:attrName>style.visibility</p:attrName>
-                                        </p:attrNameLst>
-                                      </p:cBhvr>
-                                      <p:to>
-                                        <p:strVal val="visible"/>
-                                      </p:to>
-                                    </p:set>
-                                    <p:animEffect transition="in" filter="wipe(down)">
-                                      <p:cBhvr>
-                                        <p:cTn id="104" dur="500"/>
-                                        <p:tgtEl>
-                                          <p:spTgt spid="7196"/>
-                                        </p:tgtEl>
-                                      </p:cBhvr>
-                                    </p:animEffect>
-                                  </p:childTnLst>
-                                </p:cTn>
-                              </p:par>
-                              <p:par>
-                                <p:cTn id="105" presetID="22" presetClass="entr" presetSubtype="4" fill="hold" grpId="0" nodeType="withEffect">
+                                <p:cTn id="105" presetID="22" presetClass="entr" presetSubtype="4" fill="hold" grpId="0" nodeType="clickEffect">
                                   <p:stCondLst>
                                     <p:cond delay="0"/>
                                   </p:stCondLst>
@@ -38501,9 +40464,2744 @@
           <a:chExt cx="0" cy="0"/>
         </a:xfrm>
       </p:grpSpPr>
+      <p:grpSp>
+        <p:nvGrpSpPr>
+          <p:cNvPr id="21" name="组合 20"/>
+          <p:cNvGrpSpPr/>
+          <p:nvPr/>
+        </p:nvGrpSpPr>
+        <p:grpSpPr>
+          <a:xfrm>
+            <a:off x="2526531" y="1345332"/>
+            <a:ext cx="1782937" cy="3527000"/>
+            <a:chOff x="2223729" y="1665951"/>
+            <a:chExt cx="1967266" cy="3527000"/>
+          </a:xfrm>
+        </p:grpSpPr>
+        <p:sp>
+          <p:nvSpPr>
+            <p:cNvPr id="5" name="矩形 16"/>
+            <p:cNvSpPr>
+              <a:spLocks noChangeArrowheads="1"/>
+            </p:cNvSpPr>
+            <p:nvPr/>
+          </p:nvSpPr>
+          <p:spPr bwMode="auto">
+            <a:xfrm>
+              <a:off x="2223729" y="1665951"/>
+              <a:ext cx="1916224" cy="3462338"/>
+            </a:xfrm>
+            <a:prstGeom prst="rect">
+              <a:avLst/>
+            </a:prstGeom>
+            <a:solidFill>
+              <a:srgbClr val="FFBD00"/>
+            </a:solidFill>
+            <a:ln>
+              <a:noFill/>
+            </a:ln>
+            <a:extLst>
+              <a:ext uri="{91240B29-F687-4F45-9708-019B960494DF}">
+                <a14:hiddenLine xmlns:a14="http://schemas.microsoft.com/office/drawing/2010/main" w="9525">
+                  <a:solidFill>
+                    <a:srgbClr val="000000"/>
+                  </a:solidFill>
+                  <a:miter lim="800000"/>
+                  <a:headEnd/>
+                  <a:tailEnd/>
+                </a14:hiddenLine>
+              </a:ext>
+            </a:extLst>
+          </p:spPr>
+          <p:txBody>
+            <a:bodyPr anchor="ctr"/>
+            <a:lstStyle>
+              <a:lvl1pPr>
+                <a:defRPr>
+                  <a:solidFill>
+                    <a:schemeClr val="tx1"/>
+                  </a:solidFill>
+                  <a:latin typeface="Calibri" panose="020F0502020204030204" pitchFamily="34" charset="0"/>
+                  <a:ea typeface="宋体" panose="02010600030101010101" pitchFamily="2" charset="-122"/>
+                </a:defRPr>
+              </a:lvl1pPr>
+              <a:lvl2pPr marL="742950" indent="-285750">
+                <a:defRPr>
+                  <a:solidFill>
+                    <a:schemeClr val="tx1"/>
+                  </a:solidFill>
+                  <a:latin typeface="Calibri" panose="020F0502020204030204" pitchFamily="34" charset="0"/>
+                  <a:ea typeface="宋体" panose="02010600030101010101" pitchFamily="2" charset="-122"/>
+                </a:defRPr>
+              </a:lvl2pPr>
+              <a:lvl3pPr marL="1143000" indent="-228600">
+                <a:defRPr>
+                  <a:solidFill>
+                    <a:schemeClr val="tx1"/>
+                  </a:solidFill>
+                  <a:latin typeface="Calibri" panose="020F0502020204030204" pitchFamily="34" charset="0"/>
+                  <a:ea typeface="宋体" panose="02010600030101010101" pitchFamily="2" charset="-122"/>
+                </a:defRPr>
+              </a:lvl3pPr>
+              <a:lvl4pPr marL="1600200" indent="-228600">
+                <a:defRPr>
+                  <a:solidFill>
+                    <a:schemeClr val="tx1"/>
+                  </a:solidFill>
+                  <a:latin typeface="Calibri" panose="020F0502020204030204" pitchFamily="34" charset="0"/>
+                  <a:ea typeface="宋体" panose="02010600030101010101" pitchFamily="2" charset="-122"/>
+                </a:defRPr>
+              </a:lvl4pPr>
+              <a:lvl5pPr marL="2057400" indent="-228600">
+                <a:defRPr>
+                  <a:solidFill>
+                    <a:schemeClr val="tx1"/>
+                  </a:solidFill>
+                  <a:latin typeface="Calibri" panose="020F0502020204030204" pitchFamily="34" charset="0"/>
+                  <a:ea typeface="宋体" panose="02010600030101010101" pitchFamily="2" charset="-122"/>
+                </a:defRPr>
+              </a:lvl5pPr>
+              <a:lvl6pPr marL="2514600" indent="-228600" eaLnBrk="0" fontAlgn="base" hangingPunct="0">
+                <a:spcBef>
+                  <a:spcPct val="0"/>
+                </a:spcBef>
+                <a:spcAft>
+                  <a:spcPct val="0"/>
+                </a:spcAft>
+                <a:defRPr>
+                  <a:solidFill>
+                    <a:schemeClr val="tx1"/>
+                  </a:solidFill>
+                  <a:latin typeface="Calibri" panose="020F0502020204030204" pitchFamily="34" charset="0"/>
+                  <a:ea typeface="宋体" panose="02010600030101010101" pitchFamily="2" charset="-122"/>
+                </a:defRPr>
+              </a:lvl6pPr>
+              <a:lvl7pPr marL="2971800" indent="-228600" eaLnBrk="0" fontAlgn="base" hangingPunct="0">
+                <a:spcBef>
+                  <a:spcPct val="0"/>
+                </a:spcBef>
+                <a:spcAft>
+                  <a:spcPct val="0"/>
+                </a:spcAft>
+                <a:defRPr>
+                  <a:solidFill>
+                    <a:schemeClr val="tx1"/>
+                  </a:solidFill>
+                  <a:latin typeface="Calibri" panose="020F0502020204030204" pitchFamily="34" charset="0"/>
+                  <a:ea typeface="宋体" panose="02010600030101010101" pitchFamily="2" charset="-122"/>
+                </a:defRPr>
+              </a:lvl7pPr>
+              <a:lvl8pPr marL="3429000" indent="-228600" eaLnBrk="0" fontAlgn="base" hangingPunct="0">
+                <a:spcBef>
+                  <a:spcPct val="0"/>
+                </a:spcBef>
+                <a:spcAft>
+                  <a:spcPct val="0"/>
+                </a:spcAft>
+                <a:defRPr>
+                  <a:solidFill>
+                    <a:schemeClr val="tx1"/>
+                  </a:solidFill>
+                  <a:latin typeface="Calibri" panose="020F0502020204030204" pitchFamily="34" charset="0"/>
+                  <a:ea typeface="宋体" panose="02010600030101010101" pitchFamily="2" charset="-122"/>
+                </a:defRPr>
+              </a:lvl8pPr>
+              <a:lvl9pPr marL="3886200" indent="-228600" eaLnBrk="0" fontAlgn="base" hangingPunct="0">
+                <a:spcBef>
+                  <a:spcPct val="0"/>
+                </a:spcBef>
+                <a:spcAft>
+                  <a:spcPct val="0"/>
+                </a:spcAft>
+                <a:defRPr>
+                  <a:solidFill>
+                    <a:schemeClr val="tx1"/>
+                  </a:solidFill>
+                  <a:latin typeface="Calibri" panose="020F0502020204030204" pitchFamily="34" charset="0"/>
+                  <a:ea typeface="宋体" panose="02010600030101010101" pitchFamily="2" charset="-122"/>
+                </a:defRPr>
+              </a:lvl9pPr>
+            </a:lstStyle>
+            <a:p>
+              <a:pPr algn="ctr" eaLnBrk="1" hangingPunct="1">
+                <a:buFont typeface="Arial" panose="020B0604020202020204" pitchFamily="34" charset="0"/>
+                <a:buNone/>
+              </a:pPr>
+              <a:endParaRPr lang="zh-CN" altLang="en-US">
+                <a:solidFill>
+                  <a:srgbClr val="FFFFFF"/>
+                </a:solidFill>
+              </a:endParaRPr>
+            </a:p>
+          </p:txBody>
+        </p:sp>
+        <p:grpSp>
+          <p:nvGrpSpPr>
+            <p:cNvPr id="19" name="组合 18"/>
+            <p:cNvGrpSpPr/>
+            <p:nvPr/>
+          </p:nvGrpSpPr>
+          <p:grpSpPr>
+            <a:xfrm>
+              <a:off x="2266776" y="1812771"/>
+              <a:ext cx="1924219" cy="3380180"/>
+              <a:chOff x="3249061" y="1846174"/>
+              <a:chExt cx="2083253" cy="3380180"/>
+            </a:xfrm>
+          </p:grpSpPr>
+          <p:sp>
+            <p:nvSpPr>
+              <p:cNvPr id="8" name="文本框 20"/>
+              <p:cNvSpPr txBox="1">
+                <a:spLocks noChangeArrowheads="1"/>
+              </p:cNvSpPr>
+              <p:nvPr/>
+            </p:nvSpPr>
+            <p:spPr bwMode="auto">
+              <a:xfrm>
+                <a:off x="3508045" y="1846174"/>
+                <a:ext cx="1454761" cy="400110"/>
+              </a:xfrm>
+              <a:prstGeom prst="rect">
+                <a:avLst/>
+              </a:prstGeom>
+              <a:noFill/>
+              <a:ln>
+                <a:noFill/>
+              </a:ln>
+              <a:extLst>
+                <a:ext uri="{909E8E84-426E-40DD-AFC4-6F175D3DCCD1}">
+                  <a14:hiddenFill xmlns:a14="http://schemas.microsoft.com/office/drawing/2010/main">
+                    <a:solidFill>
+                      <a:srgbClr val="FFFFFF"/>
+                    </a:solidFill>
+                  </a14:hiddenFill>
+                </a:ext>
+                <a:ext uri="{91240B29-F687-4F45-9708-019B960494DF}">
+                  <a14:hiddenLine xmlns:a14="http://schemas.microsoft.com/office/drawing/2010/main" w="9525">
+                    <a:solidFill>
+                      <a:srgbClr val="000000"/>
+                    </a:solidFill>
+                    <a:miter lim="800000"/>
+                    <a:headEnd/>
+                    <a:tailEnd/>
+                  </a14:hiddenLine>
+                </a:ext>
+              </a:extLst>
+            </p:spPr>
+            <p:txBody>
+              <a:bodyPr wrap="square">
+                <a:spAutoFit/>
+              </a:bodyPr>
+              <a:lstStyle>
+                <a:lvl1pPr>
+                  <a:defRPr>
+                    <a:solidFill>
+                      <a:schemeClr val="tx1"/>
+                    </a:solidFill>
+                    <a:latin typeface="Calibri" panose="020F0502020204030204" pitchFamily="34" charset="0"/>
+                    <a:ea typeface="宋体" panose="02010600030101010101" pitchFamily="2" charset="-122"/>
+                  </a:defRPr>
+                </a:lvl1pPr>
+                <a:lvl2pPr marL="742950" indent="-285750">
+                  <a:defRPr>
+                    <a:solidFill>
+                      <a:schemeClr val="tx1"/>
+                    </a:solidFill>
+                    <a:latin typeface="Calibri" panose="020F0502020204030204" pitchFamily="34" charset="0"/>
+                    <a:ea typeface="宋体" panose="02010600030101010101" pitchFamily="2" charset="-122"/>
+                  </a:defRPr>
+                </a:lvl2pPr>
+                <a:lvl3pPr marL="1143000" indent="-228600">
+                  <a:defRPr>
+                    <a:solidFill>
+                      <a:schemeClr val="tx1"/>
+                    </a:solidFill>
+                    <a:latin typeface="Calibri" panose="020F0502020204030204" pitchFamily="34" charset="0"/>
+                    <a:ea typeface="宋体" panose="02010600030101010101" pitchFamily="2" charset="-122"/>
+                  </a:defRPr>
+                </a:lvl3pPr>
+                <a:lvl4pPr marL="1600200" indent="-228600">
+                  <a:defRPr>
+                    <a:solidFill>
+                      <a:schemeClr val="tx1"/>
+                    </a:solidFill>
+                    <a:latin typeface="Calibri" panose="020F0502020204030204" pitchFamily="34" charset="0"/>
+                    <a:ea typeface="宋体" panose="02010600030101010101" pitchFamily="2" charset="-122"/>
+                  </a:defRPr>
+                </a:lvl4pPr>
+                <a:lvl5pPr marL="2057400" indent="-228600">
+                  <a:defRPr>
+                    <a:solidFill>
+                      <a:schemeClr val="tx1"/>
+                    </a:solidFill>
+                    <a:latin typeface="Calibri" panose="020F0502020204030204" pitchFamily="34" charset="0"/>
+                    <a:ea typeface="宋体" panose="02010600030101010101" pitchFamily="2" charset="-122"/>
+                  </a:defRPr>
+                </a:lvl5pPr>
+                <a:lvl6pPr marL="2514600" indent="-228600" eaLnBrk="0" fontAlgn="base" hangingPunct="0">
+                  <a:spcBef>
+                    <a:spcPct val="0"/>
+                  </a:spcBef>
+                  <a:spcAft>
+                    <a:spcPct val="0"/>
+                  </a:spcAft>
+                  <a:defRPr>
+                    <a:solidFill>
+                      <a:schemeClr val="tx1"/>
+                    </a:solidFill>
+                    <a:latin typeface="Calibri" panose="020F0502020204030204" pitchFamily="34" charset="0"/>
+                    <a:ea typeface="宋体" panose="02010600030101010101" pitchFamily="2" charset="-122"/>
+                  </a:defRPr>
+                </a:lvl6pPr>
+                <a:lvl7pPr marL="2971800" indent="-228600" eaLnBrk="0" fontAlgn="base" hangingPunct="0">
+                  <a:spcBef>
+                    <a:spcPct val="0"/>
+                  </a:spcBef>
+                  <a:spcAft>
+                    <a:spcPct val="0"/>
+                  </a:spcAft>
+                  <a:defRPr>
+                    <a:solidFill>
+                      <a:schemeClr val="tx1"/>
+                    </a:solidFill>
+                    <a:latin typeface="Calibri" panose="020F0502020204030204" pitchFamily="34" charset="0"/>
+                    <a:ea typeface="宋体" panose="02010600030101010101" pitchFamily="2" charset="-122"/>
+                  </a:defRPr>
+                </a:lvl7pPr>
+                <a:lvl8pPr marL="3429000" indent="-228600" eaLnBrk="0" fontAlgn="base" hangingPunct="0">
+                  <a:spcBef>
+                    <a:spcPct val="0"/>
+                  </a:spcBef>
+                  <a:spcAft>
+                    <a:spcPct val="0"/>
+                  </a:spcAft>
+                  <a:defRPr>
+                    <a:solidFill>
+                      <a:schemeClr val="tx1"/>
+                    </a:solidFill>
+                    <a:latin typeface="Calibri" panose="020F0502020204030204" pitchFamily="34" charset="0"/>
+                    <a:ea typeface="宋体" panose="02010600030101010101" pitchFamily="2" charset="-122"/>
+                  </a:defRPr>
+                </a:lvl8pPr>
+                <a:lvl9pPr marL="3886200" indent="-228600" eaLnBrk="0" fontAlgn="base" hangingPunct="0">
+                  <a:spcBef>
+                    <a:spcPct val="0"/>
+                  </a:spcBef>
+                  <a:spcAft>
+                    <a:spcPct val="0"/>
+                  </a:spcAft>
+                  <a:defRPr>
+                    <a:solidFill>
+                      <a:schemeClr val="tx1"/>
+                    </a:solidFill>
+                    <a:latin typeface="Calibri" panose="020F0502020204030204" pitchFamily="34" charset="0"/>
+                    <a:ea typeface="宋体" panose="02010600030101010101" pitchFamily="2" charset="-122"/>
+                  </a:defRPr>
+                </a:lvl9pPr>
+              </a:lstStyle>
+              <a:p>
+                <a:pPr eaLnBrk="1" hangingPunct="1">
+                  <a:buFont typeface="Arial" panose="020B0604020202020204" pitchFamily="34" charset="0"/>
+                  <a:buNone/>
+                </a:pPr>
+                <a:r>
+                  <a:rPr lang="zh-CN" altLang="en-US" sz="2000" dirty="0" smtClean="0">
+                    <a:latin typeface="黑体" panose="02010609060101010101" pitchFamily="49" charset="-122"/>
+                    <a:ea typeface="黑体" panose="02010609060101010101" pitchFamily="49" charset="-122"/>
+                  </a:rPr>
+                  <a:t>第二阶段</a:t>
+                </a:r>
+                <a:endParaRPr lang="zh-CN" altLang="en-US" sz="2000" dirty="0">
+                  <a:latin typeface="黑体" panose="02010609060101010101" pitchFamily="49" charset="-122"/>
+                  <a:ea typeface="黑体" panose="02010609060101010101" pitchFamily="49" charset="-122"/>
+                </a:endParaRPr>
+              </a:p>
+            </p:txBody>
+          </p:sp>
+          <p:sp>
+            <p:nvSpPr>
+              <p:cNvPr id="11" name="文本框 23"/>
+              <p:cNvSpPr txBox="1">
+                <a:spLocks noChangeArrowheads="1"/>
+              </p:cNvSpPr>
+              <p:nvPr/>
+            </p:nvSpPr>
+            <p:spPr bwMode="auto">
+              <a:xfrm>
+                <a:off x="3249061" y="2225533"/>
+                <a:ext cx="2083253" cy="3000821"/>
+              </a:xfrm>
+              <a:prstGeom prst="rect">
+                <a:avLst/>
+              </a:prstGeom>
+              <a:noFill/>
+              <a:ln>
+                <a:noFill/>
+              </a:ln>
+              <a:extLst>
+                <a:ext uri="{909E8E84-426E-40DD-AFC4-6F175D3DCCD1}">
+                  <a14:hiddenFill xmlns:a14="http://schemas.microsoft.com/office/drawing/2010/main">
+                    <a:solidFill>
+                      <a:srgbClr val="FFFFFF"/>
+                    </a:solidFill>
+                  </a14:hiddenFill>
+                </a:ext>
+                <a:ext uri="{91240B29-F687-4F45-9708-019B960494DF}">
+                  <a14:hiddenLine xmlns:a14="http://schemas.microsoft.com/office/drawing/2010/main" w="9525">
+                    <a:solidFill>
+                      <a:srgbClr val="000000"/>
+                    </a:solidFill>
+                    <a:miter lim="800000"/>
+                    <a:headEnd/>
+                    <a:tailEnd/>
+                  </a14:hiddenLine>
+                </a:ext>
+              </a:extLst>
+            </p:spPr>
+            <p:txBody>
+              <a:bodyPr wrap="square">
+                <a:spAutoFit/>
+              </a:bodyPr>
+              <a:lstStyle>
+                <a:lvl1pPr>
+                  <a:defRPr>
+                    <a:solidFill>
+                      <a:schemeClr val="tx1"/>
+                    </a:solidFill>
+                    <a:latin typeface="Calibri" panose="020F0502020204030204" pitchFamily="34" charset="0"/>
+                    <a:ea typeface="宋体" panose="02010600030101010101" pitchFamily="2" charset="-122"/>
+                  </a:defRPr>
+                </a:lvl1pPr>
+                <a:lvl2pPr marL="742950" indent="-285750">
+                  <a:defRPr>
+                    <a:solidFill>
+                      <a:schemeClr val="tx1"/>
+                    </a:solidFill>
+                    <a:latin typeface="Calibri" panose="020F0502020204030204" pitchFamily="34" charset="0"/>
+                    <a:ea typeface="宋体" panose="02010600030101010101" pitchFamily="2" charset="-122"/>
+                  </a:defRPr>
+                </a:lvl2pPr>
+                <a:lvl3pPr marL="1143000" indent="-228600">
+                  <a:defRPr>
+                    <a:solidFill>
+                      <a:schemeClr val="tx1"/>
+                    </a:solidFill>
+                    <a:latin typeface="Calibri" panose="020F0502020204030204" pitchFamily="34" charset="0"/>
+                    <a:ea typeface="宋体" panose="02010600030101010101" pitchFamily="2" charset="-122"/>
+                  </a:defRPr>
+                </a:lvl3pPr>
+                <a:lvl4pPr marL="1600200" indent="-228600">
+                  <a:defRPr>
+                    <a:solidFill>
+                      <a:schemeClr val="tx1"/>
+                    </a:solidFill>
+                    <a:latin typeface="Calibri" panose="020F0502020204030204" pitchFamily="34" charset="0"/>
+                    <a:ea typeface="宋体" panose="02010600030101010101" pitchFamily="2" charset="-122"/>
+                  </a:defRPr>
+                </a:lvl4pPr>
+                <a:lvl5pPr marL="2057400" indent="-228600">
+                  <a:defRPr>
+                    <a:solidFill>
+                      <a:schemeClr val="tx1"/>
+                    </a:solidFill>
+                    <a:latin typeface="Calibri" panose="020F0502020204030204" pitchFamily="34" charset="0"/>
+                    <a:ea typeface="宋体" panose="02010600030101010101" pitchFamily="2" charset="-122"/>
+                  </a:defRPr>
+                </a:lvl5pPr>
+                <a:lvl6pPr marL="2514600" indent="-228600" eaLnBrk="0" fontAlgn="base" hangingPunct="0">
+                  <a:spcBef>
+                    <a:spcPct val="0"/>
+                  </a:spcBef>
+                  <a:spcAft>
+                    <a:spcPct val="0"/>
+                  </a:spcAft>
+                  <a:defRPr>
+                    <a:solidFill>
+                      <a:schemeClr val="tx1"/>
+                    </a:solidFill>
+                    <a:latin typeface="Calibri" panose="020F0502020204030204" pitchFamily="34" charset="0"/>
+                    <a:ea typeface="宋体" panose="02010600030101010101" pitchFamily="2" charset="-122"/>
+                  </a:defRPr>
+                </a:lvl6pPr>
+                <a:lvl7pPr marL="2971800" indent="-228600" eaLnBrk="0" fontAlgn="base" hangingPunct="0">
+                  <a:spcBef>
+                    <a:spcPct val="0"/>
+                  </a:spcBef>
+                  <a:spcAft>
+                    <a:spcPct val="0"/>
+                  </a:spcAft>
+                  <a:defRPr>
+                    <a:solidFill>
+                      <a:schemeClr val="tx1"/>
+                    </a:solidFill>
+                    <a:latin typeface="Calibri" panose="020F0502020204030204" pitchFamily="34" charset="0"/>
+                    <a:ea typeface="宋体" panose="02010600030101010101" pitchFamily="2" charset="-122"/>
+                  </a:defRPr>
+                </a:lvl7pPr>
+                <a:lvl8pPr marL="3429000" indent="-228600" eaLnBrk="0" fontAlgn="base" hangingPunct="0">
+                  <a:spcBef>
+                    <a:spcPct val="0"/>
+                  </a:spcBef>
+                  <a:spcAft>
+                    <a:spcPct val="0"/>
+                  </a:spcAft>
+                  <a:defRPr>
+                    <a:solidFill>
+                      <a:schemeClr val="tx1"/>
+                    </a:solidFill>
+                    <a:latin typeface="Calibri" panose="020F0502020204030204" pitchFamily="34" charset="0"/>
+                    <a:ea typeface="宋体" panose="02010600030101010101" pitchFamily="2" charset="-122"/>
+                  </a:defRPr>
+                </a:lvl8pPr>
+                <a:lvl9pPr marL="3886200" indent="-228600" eaLnBrk="0" fontAlgn="base" hangingPunct="0">
+                  <a:spcBef>
+                    <a:spcPct val="0"/>
+                  </a:spcBef>
+                  <a:spcAft>
+                    <a:spcPct val="0"/>
+                  </a:spcAft>
+                  <a:defRPr>
+                    <a:solidFill>
+                      <a:schemeClr val="tx1"/>
+                    </a:solidFill>
+                    <a:latin typeface="Calibri" panose="020F0502020204030204" pitchFamily="34" charset="0"/>
+                    <a:ea typeface="宋体" panose="02010600030101010101" pitchFamily="2" charset="-122"/>
+                  </a:defRPr>
+                </a:lvl9pPr>
+              </a:lstStyle>
+              <a:p>
+                <a:pPr>
+                  <a:lnSpc>
+                    <a:spcPct val="150000"/>
+                  </a:lnSpc>
+                </a:pPr>
+                <a:r>
+                  <a:rPr lang="zh-CN" altLang="en-US" sz="1400" b="1" dirty="0" smtClean="0">
+                    <a:latin typeface="黑体" panose="02010609060101010101" pitchFamily="49" charset="-122"/>
+                    <a:ea typeface="黑体" panose="02010609060101010101" pitchFamily="49" charset="-122"/>
+                  </a:rPr>
+                  <a:t>根据反馈，班委与学生代表协商确定学员手册逻辑架构。</a:t>
+                </a:r>
+                <a:endParaRPr lang="en-US" altLang="zh-CN" sz="1400" b="1" dirty="0">
+                  <a:latin typeface="黑体" panose="02010609060101010101" pitchFamily="49" charset="-122"/>
+                  <a:ea typeface="黑体" panose="02010609060101010101" pitchFamily="49" charset="-122"/>
+                </a:endParaRPr>
+              </a:p>
+              <a:p>
+                <a:pPr>
+                  <a:lnSpc>
+                    <a:spcPct val="150000"/>
+                  </a:lnSpc>
+                </a:pPr>
+                <a:r>
+                  <a:rPr lang="zh-CN" altLang="en-US" sz="1400" b="1" dirty="0" smtClean="0">
+                    <a:latin typeface="黑体" panose="02010609060101010101" pitchFamily="49" charset="-122"/>
+                    <a:ea typeface="黑体" panose="02010609060101010101" pitchFamily="49" charset="-122"/>
+                  </a:rPr>
+                  <a:t>按章节将任务分解，派至小组长，分工协作（可打破原有分组），并于第三天</a:t>
+                </a:r>
+                <a:r>
+                  <a:rPr lang="en-US" altLang="zh-CN" sz="1400" b="1" dirty="0" smtClean="0">
+                    <a:latin typeface="黑体" panose="02010609060101010101" pitchFamily="49" charset="-122"/>
+                    <a:ea typeface="黑体" panose="02010609060101010101" pitchFamily="49" charset="-122"/>
+                  </a:rPr>
+                  <a:t>18:00</a:t>
+                </a:r>
+                <a:r>
+                  <a:rPr lang="zh-CN" altLang="en-US" sz="1400" b="1" dirty="0" smtClean="0">
+                    <a:latin typeface="黑体" panose="02010609060101010101" pitchFamily="49" charset="-122"/>
+                    <a:ea typeface="黑体" panose="02010609060101010101" pitchFamily="49" charset="-122"/>
+                  </a:rPr>
+                  <a:t>前提交初版成果。</a:t>
+                </a:r>
+                <a:endParaRPr lang="en-US" altLang="zh-CN" sz="1400" b="1" dirty="0" smtClean="0">
+                  <a:latin typeface="黑体" panose="02010609060101010101" pitchFamily="49" charset="-122"/>
+                  <a:ea typeface="黑体" panose="02010609060101010101" pitchFamily="49" charset="-122"/>
+                </a:endParaRPr>
+              </a:p>
+            </p:txBody>
+          </p:sp>
+        </p:grpSp>
+      </p:grpSp>
+      <p:grpSp>
+        <p:nvGrpSpPr>
+          <p:cNvPr id="20" name="组合 19"/>
+          <p:cNvGrpSpPr/>
+          <p:nvPr/>
+        </p:nvGrpSpPr>
+        <p:grpSpPr>
+          <a:xfrm>
+            <a:off x="4788024" y="1345332"/>
+            <a:ext cx="1656184" cy="3504877"/>
+            <a:chOff x="8348663" y="2395538"/>
+            <a:chExt cx="2816225" cy="3588906"/>
+          </a:xfrm>
+        </p:grpSpPr>
+        <p:sp>
+          <p:nvSpPr>
+            <p:cNvPr id="6" name="矩形 17"/>
+            <p:cNvSpPr>
+              <a:spLocks noChangeArrowheads="1"/>
+            </p:cNvSpPr>
+            <p:nvPr/>
+          </p:nvSpPr>
+          <p:spPr bwMode="auto">
+            <a:xfrm>
+              <a:off x="8348663" y="2395538"/>
+              <a:ext cx="2816225" cy="3584575"/>
+            </a:xfrm>
+            <a:prstGeom prst="rect">
+              <a:avLst/>
+            </a:prstGeom>
+            <a:solidFill>
+              <a:srgbClr val="40C6F2"/>
+            </a:solidFill>
+            <a:ln>
+              <a:noFill/>
+            </a:ln>
+            <a:extLst>
+              <a:ext uri="{91240B29-F687-4F45-9708-019B960494DF}">
+                <a14:hiddenLine xmlns:a14="http://schemas.microsoft.com/office/drawing/2010/main" w="9525">
+                  <a:solidFill>
+                    <a:srgbClr val="000000"/>
+                  </a:solidFill>
+                  <a:miter lim="800000"/>
+                  <a:headEnd/>
+                  <a:tailEnd/>
+                </a14:hiddenLine>
+              </a:ext>
+            </a:extLst>
+          </p:spPr>
+          <p:txBody>
+            <a:bodyPr anchor="ctr"/>
+            <a:lstStyle>
+              <a:lvl1pPr>
+                <a:defRPr>
+                  <a:solidFill>
+                    <a:schemeClr val="tx1"/>
+                  </a:solidFill>
+                  <a:latin typeface="Calibri" panose="020F0502020204030204" pitchFamily="34" charset="0"/>
+                  <a:ea typeface="宋体" panose="02010600030101010101" pitchFamily="2" charset="-122"/>
+                </a:defRPr>
+              </a:lvl1pPr>
+              <a:lvl2pPr marL="742950" indent="-285750">
+                <a:defRPr>
+                  <a:solidFill>
+                    <a:schemeClr val="tx1"/>
+                  </a:solidFill>
+                  <a:latin typeface="Calibri" panose="020F0502020204030204" pitchFamily="34" charset="0"/>
+                  <a:ea typeface="宋体" panose="02010600030101010101" pitchFamily="2" charset="-122"/>
+                </a:defRPr>
+              </a:lvl2pPr>
+              <a:lvl3pPr marL="1143000" indent="-228600">
+                <a:defRPr>
+                  <a:solidFill>
+                    <a:schemeClr val="tx1"/>
+                  </a:solidFill>
+                  <a:latin typeface="Calibri" panose="020F0502020204030204" pitchFamily="34" charset="0"/>
+                  <a:ea typeface="宋体" panose="02010600030101010101" pitchFamily="2" charset="-122"/>
+                </a:defRPr>
+              </a:lvl3pPr>
+              <a:lvl4pPr marL="1600200" indent="-228600">
+                <a:defRPr>
+                  <a:solidFill>
+                    <a:schemeClr val="tx1"/>
+                  </a:solidFill>
+                  <a:latin typeface="Calibri" panose="020F0502020204030204" pitchFamily="34" charset="0"/>
+                  <a:ea typeface="宋体" panose="02010600030101010101" pitchFamily="2" charset="-122"/>
+                </a:defRPr>
+              </a:lvl4pPr>
+              <a:lvl5pPr marL="2057400" indent="-228600">
+                <a:defRPr>
+                  <a:solidFill>
+                    <a:schemeClr val="tx1"/>
+                  </a:solidFill>
+                  <a:latin typeface="Calibri" panose="020F0502020204030204" pitchFamily="34" charset="0"/>
+                  <a:ea typeface="宋体" panose="02010600030101010101" pitchFamily="2" charset="-122"/>
+                </a:defRPr>
+              </a:lvl5pPr>
+              <a:lvl6pPr marL="2514600" indent="-228600" eaLnBrk="0" fontAlgn="base" hangingPunct="0">
+                <a:spcBef>
+                  <a:spcPct val="0"/>
+                </a:spcBef>
+                <a:spcAft>
+                  <a:spcPct val="0"/>
+                </a:spcAft>
+                <a:defRPr>
+                  <a:solidFill>
+                    <a:schemeClr val="tx1"/>
+                  </a:solidFill>
+                  <a:latin typeface="Calibri" panose="020F0502020204030204" pitchFamily="34" charset="0"/>
+                  <a:ea typeface="宋体" panose="02010600030101010101" pitchFamily="2" charset="-122"/>
+                </a:defRPr>
+              </a:lvl6pPr>
+              <a:lvl7pPr marL="2971800" indent="-228600" eaLnBrk="0" fontAlgn="base" hangingPunct="0">
+                <a:spcBef>
+                  <a:spcPct val="0"/>
+                </a:spcBef>
+                <a:spcAft>
+                  <a:spcPct val="0"/>
+                </a:spcAft>
+                <a:defRPr>
+                  <a:solidFill>
+                    <a:schemeClr val="tx1"/>
+                  </a:solidFill>
+                  <a:latin typeface="Calibri" panose="020F0502020204030204" pitchFamily="34" charset="0"/>
+                  <a:ea typeface="宋体" panose="02010600030101010101" pitchFamily="2" charset="-122"/>
+                </a:defRPr>
+              </a:lvl7pPr>
+              <a:lvl8pPr marL="3429000" indent="-228600" eaLnBrk="0" fontAlgn="base" hangingPunct="0">
+                <a:spcBef>
+                  <a:spcPct val="0"/>
+                </a:spcBef>
+                <a:spcAft>
+                  <a:spcPct val="0"/>
+                </a:spcAft>
+                <a:defRPr>
+                  <a:solidFill>
+                    <a:schemeClr val="tx1"/>
+                  </a:solidFill>
+                  <a:latin typeface="Calibri" panose="020F0502020204030204" pitchFamily="34" charset="0"/>
+                  <a:ea typeface="宋体" panose="02010600030101010101" pitchFamily="2" charset="-122"/>
+                </a:defRPr>
+              </a:lvl8pPr>
+              <a:lvl9pPr marL="3886200" indent="-228600" eaLnBrk="0" fontAlgn="base" hangingPunct="0">
+                <a:spcBef>
+                  <a:spcPct val="0"/>
+                </a:spcBef>
+                <a:spcAft>
+                  <a:spcPct val="0"/>
+                </a:spcAft>
+                <a:defRPr>
+                  <a:solidFill>
+                    <a:schemeClr val="tx1"/>
+                  </a:solidFill>
+                  <a:latin typeface="Calibri" panose="020F0502020204030204" pitchFamily="34" charset="0"/>
+                  <a:ea typeface="宋体" panose="02010600030101010101" pitchFamily="2" charset="-122"/>
+                </a:defRPr>
+              </a:lvl9pPr>
+            </a:lstStyle>
+            <a:p>
+              <a:pPr algn="ctr" eaLnBrk="1" hangingPunct="1">
+                <a:buFont typeface="Arial" panose="020B0604020202020204" pitchFamily="34" charset="0"/>
+                <a:buNone/>
+              </a:pPr>
+              <a:endParaRPr lang="zh-CN" altLang="en-US">
+                <a:solidFill>
+                  <a:srgbClr val="FFFFFF"/>
+                </a:solidFill>
+              </a:endParaRPr>
+            </a:p>
+          </p:txBody>
+        </p:sp>
+        <p:sp>
+          <p:nvSpPr>
+            <p:cNvPr id="9" name="文本框 21"/>
+            <p:cNvSpPr txBox="1">
+              <a:spLocks noChangeArrowheads="1"/>
+            </p:cNvSpPr>
+            <p:nvPr/>
+          </p:nvSpPr>
+          <p:spPr bwMode="auto">
+            <a:xfrm>
+              <a:off x="8747121" y="2545878"/>
+              <a:ext cx="2075907" cy="409703"/>
+            </a:xfrm>
+            <a:prstGeom prst="rect">
+              <a:avLst/>
+            </a:prstGeom>
+            <a:noFill/>
+            <a:ln>
+              <a:noFill/>
+            </a:ln>
+            <a:extLst>
+              <a:ext uri="{909E8E84-426E-40DD-AFC4-6F175D3DCCD1}">
+                <a14:hiddenFill xmlns:a14="http://schemas.microsoft.com/office/drawing/2010/main">
+                  <a:solidFill>
+                    <a:srgbClr val="FFFFFF"/>
+                  </a:solidFill>
+                </a14:hiddenFill>
+              </a:ext>
+              <a:ext uri="{91240B29-F687-4F45-9708-019B960494DF}">
+                <a14:hiddenLine xmlns:a14="http://schemas.microsoft.com/office/drawing/2010/main" w="9525">
+                  <a:solidFill>
+                    <a:srgbClr val="000000"/>
+                  </a:solidFill>
+                  <a:miter lim="800000"/>
+                  <a:headEnd/>
+                  <a:tailEnd/>
+                </a14:hiddenLine>
+              </a:ext>
+            </a:extLst>
+          </p:spPr>
+          <p:txBody>
+            <a:bodyPr wrap="square">
+              <a:spAutoFit/>
+            </a:bodyPr>
+            <a:lstStyle>
+              <a:lvl1pPr>
+                <a:defRPr>
+                  <a:solidFill>
+                    <a:schemeClr val="tx1"/>
+                  </a:solidFill>
+                  <a:latin typeface="Calibri" panose="020F0502020204030204" pitchFamily="34" charset="0"/>
+                  <a:ea typeface="宋体" panose="02010600030101010101" pitchFamily="2" charset="-122"/>
+                </a:defRPr>
+              </a:lvl1pPr>
+              <a:lvl2pPr marL="742950" indent="-285750">
+                <a:defRPr>
+                  <a:solidFill>
+                    <a:schemeClr val="tx1"/>
+                  </a:solidFill>
+                  <a:latin typeface="Calibri" panose="020F0502020204030204" pitchFamily="34" charset="0"/>
+                  <a:ea typeface="宋体" panose="02010600030101010101" pitchFamily="2" charset="-122"/>
+                </a:defRPr>
+              </a:lvl2pPr>
+              <a:lvl3pPr marL="1143000" indent="-228600">
+                <a:defRPr>
+                  <a:solidFill>
+                    <a:schemeClr val="tx1"/>
+                  </a:solidFill>
+                  <a:latin typeface="Calibri" panose="020F0502020204030204" pitchFamily="34" charset="0"/>
+                  <a:ea typeface="宋体" panose="02010600030101010101" pitchFamily="2" charset="-122"/>
+                </a:defRPr>
+              </a:lvl3pPr>
+              <a:lvl4pPr marL="1600200" indent="-228600">
+                <a:defRPr>
+                  <a:solidFill>
+                    <a:schemeClr val="tx1"/>
+                  </a:solidFill>
+                  <a:latin typeface="Calibri" panose="020F0502020204030204" pitchFamily="34" charset="0"/>
+                  <a:ea typeface="宋体" panose="02010600030101010101" pitchFamily="2" charset="-122"/>
+                </a:defRPr>
+              </a:lvl4pPr>
+              <a:lvl5pPr marL="2057400" indent="-228600">
+                <a:defRPr>
+                  <a:solidFill>
+                    <a:schemeClr val="tx1"/>
+                  </a:solidFill>
+                  <a:latin typeface="Calibri" panose="020F0502020204030204" pitchFamily="34" charset="0"/>
+                  <a:ea typeface="宋体" panose="02010600030101010101" pitchFamily="2" charset="-122"/>
+                </a:defRPr>
+              </a:lvl5pPr>
+              <a:lvl6pPr marL="2514600" indent="-228600" eaLnBrk="0" fontAlgn="base" hangingPunct="0">
+                <a:spcBef>
+                  <a:spcPct val="0"/>
+                </a:spcBef>
+                <a:spcAft>
+                  <a:spcPct val="0"/>
+                </a:spcAft>
+                <a:defRPr>
+                  <a:solidFill>
+                    <a:schemeClr val="tx1"/>
+                  </a:solidFill>
+                  <a:latin typeface="Calibri" panose="020F0502020204030204" pitchFamily="34" charset="0"/>
+                  <a:ea typeface="宋体" panose="02010600030101010101" pitchFamily="2" charset="-122"/>
+                </a:defRPr>
+              </a:lvl6pPr>
+              <a:lvl7pPr marL="2971800" indent="-228600" eaLnBrk="0" fontAlgn="base" hangingPunct="0">
+                <a:spcBef>
+                  <a:spcPct val="0"/>
+                </a:spcBef>
+                <a:spcAft>
+                  <a:spcPct val="0"/>
+                </a:spcAft>
+                <a:defRPr>
+                  <a:solidFill>
+                    <a:schemeClr val="tx1"/>
+                  </a:solidFill>
+                  <a:latin typeface="Calibri" panose="020F0502020204030204" pitchFamily="34" charset="0"/>
+                  <a:ea typeface="宋体" panose="02010600030101010101" pitchFamily="2" charset="-122"/>
+                </a:defRPr>
+              </a:lvl7pPr>
+              <a:lvl8pPr marL="3429000" indent="-228600" eaLnBrk="0" fontAlgn="base" hangingPunct="0">
+                <a:spcBef>
+                  <a:spcPct val="0"/>
+                </a:spcBef>
+                <a:spcAft>
+                  <a:spcPct val="0"/>
+                </a:spcAft>
+                <a:defRPr>
+                  <a:solidFill>
+                    <a:schemeClr val="tx1"/>
+                  </a:solidFill>
+                  <a:latin typeface="Calibri" panose="020F0502020204030204" pitchFamily="34" charset="0"/>
+                  <a:ea typeface="宋体" panose="02010600030101010101" pitchFamily="2" charset="-122"/>
+                </a:defRPr>
+              </a:lvl8pPr>
+              <a:lvl9pPr marL="3886200" indent="-228600" eaLnBrk="0" fontAlgn="base" hangingPunct="0">
+                <a:spcBef>
+                  <a:spcPct val="0"/>
+                </a:spcBef>
+                <a:spcAft>
+                  <a:spcPct val="0"/>
+                </a:spcAft>
+                <a:defRPr>
+                  <a:solidFill>
+                    <a:schemeClr val="tx1"/>
+                  </a:solidFill>
+                  <a:latin typeface="Calibri" panose="020F0502020204030204" pitchFamily="34" charset="0"/>
+                  <a:ea typeface="宋体" panose="02010600030101010101" pitchFamily="2" charset="-122"/>
+                </a:defRPr>
+              </a:lvl9pPr>
+            </a:lstStyle>
+            <a:p>
+              <a:r>
+                <a:rPr lang="zh-CN" altLang="en-US" sz="2000" b="1" dirty="0">
+                  <a:solidFill>
+                    <a:schemeClr val="tx1">
+                      <a:lumMod val="75000"/>
+                      <a:lumOff val="25000"/>
+                    </a:schemeClr>
+                  </a:solidFill>
+                  <a:latin typeface="黑体" panose="02010609060101010101" pitchFamily="49" charset="-122"/>
+                  <a:ea typeface="黑体" panose="02010609060101010101" pitchFamily="49" charset="-122"/>
+                </a:rPr>
+                <a:t>第三阶段</a:t>
+              </a:r>
+              <a:endParaRPr lang="en-US" altLang="zh-CN" sz="2000" b="1" dirty="0">
+                <a:solidFill>
+                  <a:schemeClr val="tx1">
+                    <a:lumMod val="75000"/>
+                    <a:lumOff val="25000"/>
+                  </a:schemeClr>
+                </a:solidFill>
+                <a:latin typeface="黑体" panose="02010609060101010101" pitchFamily="49" charset="-122"/>
+                <a:ea typeface="黑体" panose="02010609060101010101" pitchFamily="49" charset="-122"/>
+              </a:endParaRPr>
+            </a:p>
+          </p:txBody>
+        </p:sp>
+        <p:sp>
+          <p:nvSpPr>
+            <p:cNvPr id="12" name="文本框 26"/>
+            <p:cNvSpPr txBox="1">
+              <a:spLocks noChangeArrowheads="1"/>
+            </p:cNvSpPr>
+            <p:nvPr/>
+          </p:nvSpPr>
+          <p:spPr bwMode="auto">
+            <a:xfrm>
+              <a:off x="8531157" y="2911679"/>
+              <a:ext cx="2507840" cy="3072765"/>
+            </a:xfrm>
+            <a:prstGeom prst="rect">
+              <a:avLst/>
+            </a:prstGeom>
+            <a:noFill/>
+            <a:ln>
+              <a:noFill/>
+            </a:ln>
+            <a:extLst>
+              <a:ext uri="{909E8E84-426E-40DD-AFC4-6F175D3DCCD1}">
+                <a14:hiddenFill xmlns:a14="http://schemas.microsoft.com/office/drawing/2010/main">
+                  <a:solidFill>
+                    <a:srgbClr val="FFFFFF"/>
+                  </a:solidFill>
+                </a14:hiddenFill>
+              </a:ext>
+              <a:ext uri="{91240B29-F687-4F45-9708-019B960494DF}">
+                <a14:hiddenLine xmlns:a14="http://schemas.microsoft.com/office/drawing/2010/main" w="9525">
+                  <a:solidFill>
+                    <a:srgbClr val="000000"/>
+                  </a:solidFill>
+                  <a:miter lim="800000"/>
+                  <a:headEnd/>
+                  <a:tailEnd/>
+                </a14:hiddenLine>
+              </a:ext>
+            </a:extLst>
+          </p:spPr>
+          <p:txBody>
+            <a:bodyPr wrap="square">
+              <a:spAutoFit/>
+            </a:bodyPr>
+            <a:lstStyle>
+              <a:lvl1pPr>
+                <a:defRPr>
+                  <a:solidFill>
+                    <a:schemeClr val="tx1"/>
+                  </a:solidFill>
+                  <a:latin typeface="Calibri" panose="020F0502020204030204" pitchFamily="34" charset="0"/>
+                  <a:ea typeface="宋体" panose="02010600030101010101" pitchFamily="2" charset="-122"/>
+                </a:defRPr>
+              </a:lvl1pPr>
+              <a:lvl2pPr marL="742950" indent="-285750">
+                <a:defRPr>
+                  <a:solidFill>
+                    <a:schemeClr val="tx1"/>
+                  </a:solidFill>
+                  <a:latin typeface="Calibri" panose="020F0502020204030204" pitchFamily="34" charset="0"/>
+                  <a:ea typeface="宋体" panose="02010600030101010101" pitchFamily="2" charset="-122"/>
+                </a:defRPr>
+              </a:lvl2pPr>
+              <a:lvl3pPr marL="1143000" indent="-228600">
+                <a:defRPr>
+                  <a:solidFill>
+                    <a:schemeClr val="tx1"/>
+                  </a:solidFill>
+                  <a:latin typeface="Calibri" panose="020F0502020204030204" pitchFamily="34" charset="0"/>
+                  <a:ea typeface="宋体" panose="02010600030101010101" pitchFamily="2" charset="-122"/>
+                </a:defRPr>
+              </a:lvl3pPr>
+              <a:lvl4pPr marL="1600200" indent="-228600">
+                <a:defRPr>
+                  <a:solidFill>
+                    <a:schemeClr val="tx1"/>
+                  </a:solidFill>
+                  <a:latin typeface="Calibri" panose="020F0502020204030204" pitchFamily="34" charset="0"/>
+                  <a:ea typeface="宋体" panose="02010600030101010101" pitchFamily="2" charset="-122"/>
+                </a:defRPr>
+              </a:lvl4pPr>
+              <a:lvl5pPr marL="2057400" indent="-228600">
+                <a:defRPr>
+                  <a:solidFill>
+                    <a:schemeClr val="tx1"/>
+                  </a:solidFill>
+                  <a:latin typeface="Calibri" panose="020F0502020204030204" pitchFamily="34" charset="0"/>
+                  <a:ea typeface="宋体" panose="02010600030101010101" pitchFamily="2" charset="-122"/>
+                </a:defRPr>
+              </a:lvl5pPr>
+              <a:lvl6pPr marL="2514600" indent="-228600" eaLnBrk="0" fontAlgn="base" hangingPunct="0">
+                <a:spcBef>
+                  <a:spcPct val="0"/>
+                </a:spcBef>
+                <a:spcAft>
+                  <a:spcPct val="0"/>
+                </a:spcAft>
+                <a:defRPr>
+                  <a:solidFill>
+                    <a:schemeClr val="tx1"/>
+                  </a:solidFill>
+                  <a:latin typeface="Calibri" panose="020F0502020204030204" pitchFamily="34" charset="0"/>
+                  <a:ea typeface="宋体" panose="02010600030101010101" pitchFamily="2" charset="-122"/>
+                </a:defRPr>
+              </a:lvl6pPr>
+              <a:lvl7pPr marL="2971800" indent="-228600" eaLnBrk="0" fontAlgn="base" hangingPunct="0">
+                <a:spcBef>
+                  <a:spcPct val="0"/>
+                </a:spcBef>
+                <a:spcAft>
+                  <a:spcPct val="0"/>
+                </a:spcAft>
+                <a:defRPr>
+                  <a:solidFill>
+                    <a:schemeClr val="tx1"/>
+                  </a:solidFill>
+                  <a:latin typeface="Calibri" panose="020F0502020204030204" pitchFamily="34" charset="0"/>
+                  <a:ea typeface="宋体" panose="02010600030101010101" pitchFamily="2" charset="-122"/>
+                </a:defRPr>
+              </a:lvl7pPr>
+              <a:lvl8pPr marL="3429000" indent="-228600" eaLnBrk="0" fontAlgn="base" hangingPunct="0">
+                <a:spcBef>
+                  <a:spcPct val="0"/>
+                </a:spcBef>
+                <a:spcAft>
+                  <a:spcPct val="0"/>
+                </a:spcAft>
+                <a:defRPr>
+                  <a:solidFill>
+                    <a:schemeClr val="tx1"/>
+                  </a:solidFill>
+                  <a:latin typeface="Calibri" panose="020F0502020204030204" pitchFamily="34" charset="0"/>
+                  <a:ea typeface="宋体" panose="02010600030101010101" pitchFamily="2" charset="-122"/>
+                </a:defRPr>
+              </a:lvl8pPr>
+              <a:lvl9pPr marL="3886200" indent="-228600" eaLnBrk="0" fontAlgn="base" hangingPunct="0">
+                <a:spcBef>
+                  <a:spcPct val="0"/>
+                </a:spcBef>
+                <a:spcAft>
+                  <a:spcPct val="0"/>
+                </a:spcAft>
+                <a:defRPr>
+                  <a:solidFill>
+                    <a:schemeClr val="tx1"/>
+                  </a:solidFill>
+                  <a:latin typeface="Calibri" panose="020F0502020204030204" pitchFamily="34" charset="0"/>
+                  <a:ea typeface="宋体" panose="02010600030101010101" pitchFamily="2" charset="-122"/>
+                </a:defRPr>
+              </a:lvl9pPr>
+            </a:lstStyle>
+            <a:p>
+              <a:pPr>
+                <a:lnSpc>
+                  <a:spcPct val="150000"/>
+                </a:lnSpc>
+              </a:pPr>
+              <a:r>
+                <a:rPr lang="zh-CN" altLang="en-US" sz="1400" b="1" dirty="0">
+                  <a:solidFill>
+                    <a:schemeClr val="tx1">
+                      <a:lumMod val="75000"/>
+                      <a:lumOff val="25000"/>
+                    </a:schemeClr>
+                  </a:solidFill>
+                  <a:latin typeface="黑体" panose="02010609060101010101" pitchFamily="49" charset="-122"/>
+                  <a:ea typeface="黑体" panose="02010609060101010101" pitchFamily="49" charset="-122"/>
+                </a:rPr>
+                <a:t>班</a:t>
+              </a:r>
+              <a:r>
+                <a:rPr lang="zh-CN" altLang="en-US" sz="1400" b="1" dirty="0" smtClean="0">
+                  <a:solidFill>
+                    <a:schemeClr val="tx1">
+                      <a:lumMod val="75000"/>
+                      <a:lumOff val="25000"/>
+                    </a:schemeClr>
+                  </a:solidFill>
+                  <a:latin typeface="黑体" panose="02010609060101010101" pitchFamily="49" charset="-122"/>
+                  <a:ea typeface="黑体" panose="02010609060101010101" pitchFamily="49" charset="-122"/>
+                </a:rPr>
+                <a:t>委整合出学员手册初稿，并对内容进行审核。</a:t>
+              </a:r>
+              <a:endParaRPr lang="en-US" altLang="zh-CN" sz="1400" b="1" dirty="0">
+                <a:solidFill>
+                  <a:schemeClr val="tx1">
+                    <a:lumMod val="75000"/>
+                    <a:lumOff val="25000"/>
+                  </a:schemeClr>
+                </a:solidFill>
+                <a:latin typeface="黑体" panose="02010609060101010101" pitchFamily="49" charset="-122"/>
+                <a:ea typeface="黑体" panose="02010609060101010101" pitchFamily="49" charset="-122"/>
+              </a:endParaRPr>
+            </a:p>
+            <a:p>
+              <a:pPr>
+                <a:lnSpc>
+                  <a:spcPct val="150000"/>
+                </a:lnSpc>
+              </a:pPr>
+              <a:r>
+                <a:rPr lang="zh-CN" altLang="en-US" sz="1400" b="1" dirty="0" smtClean="0">
+                  <a:solidFill>
+                    <a:schemeClr val="tx1">
+                      <a:lumMod val="75000"/>
+                      <a:lumOff val="25000"/>
+                    </a:schemeClr>
+                  </a:solidFill>
+                  <a:latin typeface="黑体" panose="02010609060101010101" pitchFamily="49" charset="-122"/>
+                  <a:ea typeface="黑体" panose="02010609060101010101" pitchFamily="49" charset="-122"/>
+                </a:rPr>
+                <a:t>将意见反馈，由各组长进行版本迭代。</a:t>
+              </a:r>
+              <a:endParaRPr lang="en-US" altLang="zh-CN" sz="1400" b="1" dirty="0" smtClean="0">
+                <a:solidFill>
+                  <a:schemeClr val="tx1">
+                    <a:lumMod val="75000"/>
+                    <a:lumOff val="25000"/>
+                  </a:schemeClr>
+                </a:solidFill>
+                <a:latin typeface="黑体" panose="02010609060101010101" pitchFamily="49" charset="-122"/>
+                <a:ea typeface="黑体" panose="02010609060101010101" pitchFamily="49" charset="-122"/>
+              </a:endParaRPr>
+            </a:p>
+            <a:p>
+              <a:pPr>
+                <a:lnSpc>
+                  <a:spcPct val="150000"/>
+                </a:lnSpc>
+              </a:pPr>
+              <a:r>
+                <a:rPr lang="zh-CN" altLang="en-US" sz="1400" b="1" dirty="0">
+                  <a:solidFill>
+                    <a:schemeClr val="tx1">
+                      <a:lumMod val="75000"/>
+                      <a:lumOff val="25000"/>
+                    </a:schemeClr>
+                  </a:solidFill>
+                  <a:latin typeface="黑体" panose="02010609060101010101" pitchFamily="49" charset="-122"/>
+                  <a:ea typeface="黑体" panose="02010609060101010101" pitchFamily="49" charset="-122"/>
+                </a:rPr>
+                <a:t>如此</a:t>
+              </a:r>
+              <a:r>
+                <a:rPr lang="zh-CN" altLang="en-US" sz="1400" b="1" dirty="0" smtClean="0">
+                  <a:solidFill>
+                    <a:schemeClr val="tx1">
+                      <a:lumMod val="75000"/>
+                      <a:lumOff val="25000"/>
+                    </a:schemeClr>
+                  </a:solidFill>
+                  <a:latin typeface="黑体" panose="02010609060101010101" pitchFamily="49" charset="-122"/>
+                  <a:ea typeface="黑体" panose="02010609060101010101" pitchFamily="49" charset="-122"/>
+                </a:rPr>
+                <a:t>反复，于第三天</a:t>
+              </a:r>
+              <a:r>
+                <a:rPr lang="en-US" altLang="zh-CN" sz="1400" b="1" dirty="0" smtClean="0">
+                  <a:solidFill>
+                    <a:schemeClr val="tx1">
+                      <a:lumMod val="75000"/>
+                      <a:lumOff val="25000"/>
+                    </a:schemeClr>
+                  </a:solidFill>
+                  <a:latin typeface="黑体" panose="02010609060101010101" pitchFamily="49" charset="-122"/>
+                  <a:ea typeface="黑体" panose="02010609060101010101" pitchFamily="49" charset="-122"/>
+                </a:rPr>
+                <a:t>24:00</a:t>
+              </a:r>
+              <a:r>
+                <a:rPr lang="zh-CN" altLang="en-US" sz="1400" b="1" dirty="0">
+                  <a:solidFill>
+                    <a:schemeClr val="tx1">
+                      <a:lumMod val="75000"/>
+                      <a:lumOff val="25000"/>
+                    </a:schemeClr>
+                  </a:solidFill>
+                  <a:latin typeface="黑体" panose="02010609060101010101" pitchFamily="49" charset="-122"/>
+                  <a:ea typeface="黑体" panose="02010609060101010101" pitchFamily="49" charset="-122"/>
+                </a:rPr>
+                <a:t>提交</a:t>
+              </a:r>
+              <a:r>
+                <a:rPr lang="zh-CN" altLang="en-US" sz="1400" b="1" dirty="0" smtClean="0">
+                  <a:solidFill>
+                    <a:schemeClr val="tx1">
+                      <a:lumMod val="75000"/>
+                      <a:lumOff val="25000"/>
+                    </a:schemeClr>
+                  </a:solidFill>
+                  <a:latin typeface="黑体" panose="02010609060101010101" pitchFamily="49" charset="-122"/>
+                  <a:ea typeface="黑体" panose="02010609060101010101" pitchFamily="49" charset="-122"/>
+                </a:rPr>
+                <a:t>最终版本。</a:t>
+              </a:r>
+              <a:endParaRPr lang="en-US" altLang="zh-CN" sz="1400" b="1" dirty="0">
+                <a:solidFill>
+                  <a:schemeClr val="tx1">
+                    <a:lumMod val="75000"/>
+                    <a:lumOff val="25000"/>
+                  </a:schemeClr>
+                </a:solidFill>
+                <a:latin typeface="黑体" panose="02010609060101010101" pitchFamily="49" charset="-122"/>
+                <a:ea typeface="黑体" panose="02010609060101010101" pitchFamily="49" charset="-122"/>
+              </a:endParaRPr>
+            </a:p>
+          </p:txBody>
+        </p:sp>
+      </p:grpSp>
+      <p:grpSp>
+        <p:nvGrpSpPr>
+          <p:cNvPr id="3" name="组合 2"/>
+          <p:cNvGrpSpPr/>
+          <p:nvPr/>
+        </p:nvGrpSpPr>
+        <p:grpSpPr>
+          <a:xfrm>
+            <a:off x="499819" y="1345332"/>
+            <a:ext cx="1524540" cy="3462338"/>
+            <a:chOff x="841375" y="2395538"/>
+            <a:chExt cx="2816225" cy="3584575"/>
+          </a:xfrm>
+        </p:grpSpPr>
+        <p:sp>
+          <p:nvSpPr>
+            <p:cNvPr id="4" name="矩形 13"/>
+            <p:cNvSpPr>
+              <a:spLocks noChangeArrowheads="1"/>
+            </p:cNvSpPr>
+            <p:nvPr/>
+          </p:nvSpPr>
+          <p:spPr bwMode="auto">
+            <a:xfrm>
+              <a:off x="841375" y="2395538"/>
+              <a:ext cx="2816225" cy="3584575"/>
+            </a:xfrm>
+            <a:prstGeom prst="rect">
+              <a:avLst/>
+            </a:prstGeom>
+            <a:solidFill>
+              <a:srgbClr val="FF625F"/>
+            </a:solidFill>
+            <a:ln>
+              <a:noFill/>
+            </a:ln>
+            <a:extLst>
+              <a:ext uri="{91240B29-F687-4F45-9708-019B960494DF}">
+                <a14:hiddenLine xmlns:a14="http://schemas.microsoft.com/office/drawing/2010/main" w="9525">
+                  <a:solidFill>
+                    <a:srgbClr val="000000"/>
+                  </a:solidFill>
+                  <a:miter lim="800000"/>
+                  <a:headEnd/>
+                  <a:tailEnd/>
+                </a14:hiddenLine>
+              </a:ext>
+            </a:extLst>
+          </p:spPr>
+          <p:txBody>
+            <a:bodyPr anchor="ctr"/>
+            <a:lstStyle>
+              <a:lvl1pPr>
+                <a:defRPr>
+                  <a:solidFill>
+                    <a:schemeClr val="tx1"/>
+                  </a:solidFill>
+                  <a:latin typeface="Calibri" panose="020F0502020204030204" pitchFamily="34" charset="0"/>
+                  <a:ea typeface="宋体" panose="02010600030101010101" pitchFamily="2" charset="-122"/>
+                </a:defRPr>
+              </a:lvl1pPr>
+              <a:lvl2pPr marL="742950" indent="-285750">
+                <a:defRPr>
+                  <a:solidFill>
+                    <a:schemeClr val="tx1"/>
+                  </a:solidFill>
+                  <a:latin typeface="Calibri" panose="020F0502020204030204" pitchFamily="34" charset="0"/>
+                  <a:ea typeface="宋体" panose="02010600030101010101" pitchFamily="2" charset="-122"/>
+                </a:defRPr>
+              </a:lvl2pPr>
+              <a:lvl3pPr marL="1143000" indent="-228600">
+                <a:defRPr>
+                  <a:solidFill>
+                    <a:schemeClr val="tx1"/>
+                  </a:solidFill>
+                  <a:latin typeface="Calibri" panose="020F0502020204030204" pitchFamily="34" charset="0"/>
+                  <a:ea typeface="宋体" panose="02010600030101010101" pitchFamily="2" charset="-122"/>
+                </a:defRPr>
+              </a:lvl3pPr>
+              <a:lvl4pPr marL="1600200" indent="-228600">
+                <a:defRPr>
+                  <a:solidFill>
+                    <a:schemeClr val="tx1"/>
+                  </a:solidFill>
+                  <a:latin typeface="Calibri" panose="020F0502020204030204" pitchFamily="34" charset="0"/>
+                  <a:ea typeface="宋体" panose="02010600030101010101" pitchFamily="2" charset="-122"/>
+                </a:defRPr>
+              </a:lvl4pPr>
+              <a:lvl5pPr marL="2057400" indent="-228600">
+                <a:defRPr>
+                  <a:solidFill>
+                    <a:schemeClr val="tx1"/>
+                  </a:solidFill>
+                  <a:latin typeface="Calibri" panose="020F0502020204030204" pitchFamily="34" charset="0"/>
+                  <a:ea typeface="宋体" panose="02010600030101010101" pitchFamily="2" charset="-122"/>
+                </a:defRPr>
+              </a:lvl5pPr>
+              <a:lvl6pPr marL="2514600" indent="-228600" eaLnBrk="0" fontAlgn="base" hangingPunct="0">
+                <a:spcBef>
+                  <a:spcPct val="0"/>
+                </a:spcBef>
+                <a:spcAft>
+                  <a:spcPct val="0"/>
+                </a:spcAft>
+                <a:defRPr>
+                  <a:solidFill>
+                    <a:schemeClr val="tx1"/>
+                  </a:solidFill>
+                  <a:latin typeface="Calibri" panose="020F0502020204030204" pitchFamily="34" charset="0"/>
+                  <a:ea typeface="宋体" panose="02010600030101010101" pitchFamily="2" charset="-122"/>
+                </a:defRPr>
+              </a:lvl6pPr>
+              <a:lvl7pPr marL="2971800" indent="-228600" eaLnBrk="0" fontAlgn="base" hangingPunct="0">
+                <a:spcBef>
+                  <a:spcPct val="0"/>
+                </a:spcBef>
+                <a:spcAft>
+                  <a:spcPct val="0"/>
+                </a:spcAft>
+                <a:defRPr>
+                  <a:solidFill>
+                    <a:schemeClr val="tx1"/>
+                  </a:solidFill>
+                  <a:latin typeface="Calibri" panose="020F0502020204030204" pitchFamily="34" charset="0"/>
+                  <a:ea typeface="宋体" panose="02010600030101010101" pitchFamily="2" charset="-122"/>
+                </a:defRPr>
+              </a:lvl7pPr>
+              <a:lvl8pPr marL="3429000" indent="-228600" eaLnBrk="0" fontAlgn="base" hangingPunct="0">
+                <a:spcBef>
+                  <a:spcPct val="0"/>
+                </a:spcBef>
+                <a:spcAft>
+                  <a:spcPct val="0"/>
+                </a:spcAft>
+                <a:defRPr>
+                  <a:solidFill>
+                    <a:schemeClr val="tx1"/>
+                  </a:solidFill>
+                  <a:latin typeface="Calibri" panose="020F0502020204030204" pitchFamily="34" charset="0"/>
+                  <a:ea typeface="宋体" panose="02010600030101010101" pitchFamily="2" charset="-122"/>
+                </a:defRPr>
+              </a:lvl8pPr>
+              <a:lvl9pPr marL="3886200" indent="-228600" eaLnBrk="0" fontAlgn="base" hangingPunct="0">
+                <a:spcBef>
+                  <a:spcPct val="0"/>
+                </a:spcBef>
+                <a:spcAft>
+                  <a:spcPct val="0"/>
+                </a:spcAft>
+                <a:defRPr>
+                  <a:solidFill>
+                    <a:schemeClr val="tx1"/>
+                  </a:solidFill>
+                  <a:latin typeface="Calibri" panose="020F0502020204030204" pitchFamily="34" charset="0"/>
+                  <a:ea typeface="宋体" panose="02010600030101010101" pitchFamily="2" charset="-122"/>
+                </a:defRPr>
+              </a:lvl9pPr>
+            </a:lstStyle>
+            <a:p>
+              <a:pPr algn="ctr" eaLnBrk="1" hangingPunct="1">
+                <a:buFont typeface="Arial" panose="020B0604020202020204" pitchFamily="34" charset="0"/>
+                <a:buNone/>
+              </a:pPr>
+              <a:endParaRPr lang="zh-CN" altLang="en-US">
+                <a:solidFill>
+                  <a:srgbClr val="FFFFFF"/>
+                </a:solidFill>
+              </a:endParaRPr>
+            </a:p>
+          </p:txBody>
+        </p:sp>
+        <p:sp>
+          <p:nvSpPr>
+            <p:cNvPr id="7" name="文本框 19"/>
+            <p:cNvSpPr txBox="1">
+              <a:spLocks noChangeArrowheads="1"/>
+            </p:cNvSpPr>
+            <p:nvPr/>
+          </p:nvSpPr>
+          <p:spPr bwMode="auto">
+            <a:xfrm>
+              <a:off x="1118485" y="2552099"/>
+              <a:ext cx="2269539" cy="414236"/>
+            </a:xfrm>
+            <a:prstGeom prst="rect">
+              <a:avLst/>
+            </a:prstGeom>
+            <a:noFill/>
+            <a:ln>
+              <a:noFill/>
+            </a:ln>
+            <a:extLst>
+              <a:ext uri="{909E8E84-426E-40DD-AFC4-6F175D3DCCD1}">
+                <a14:hiddenFill xmlns:a14="http://schemas.microsoft.com/office/drawing/2010/main">
+                  <a:solidFill>
+                    <a:srgbClr val="FFFFFF"/>
+                  </a:solidFill>
+                </a14:hiddenFill>
+              </a:ext>
+              <a:ext uri="{91240B29-F687-4F45-9708-019B960494DF}">
+                <a14:hiddenLine xmlns:a14="http://schemas.microsoft.com/office/drawing/2010/main" w="9525">
+                  <a:solidFill>
+                    <a:srgbClr val="000000"/>
+                  </a:solidFill>
+                  <a:miter lim="800000"/>
+                  <a:headEnd/>
+                  <a:tailEnd/>
+                </a14:hiddenLine>
+              </a:ext>
+            </a:extLst>
+          </p:spPr>
+          <p:txBody>
+            <a:bodyPr wrap="square">
+              <a:spAutoFit/>
+            </a:bodyPr>
+            <a:lstStyle>
+              <a:lvl1pPr>
+                <a:defRPr>
+                  <a:solidFill>
+                    <a:schemeClr val="tx1"/>
+                  </a:solidFill>
+                  <a:latin typeface="Calibri" panose="020F0502020204030204" pitchFamily="34" charset="0"/>
+                  <a:ea typeface="宋体" panose="02010600030101010101" pitchFamily="2" charset="-122"/>
+                </a:defRPr>
+              </a:lvl1pPr>
+              <a:lvl2pPr marL="742950" indent="-285750">
+                <a:defRPr>
+                  <a:solidFill>
+                    <a:schemeClr val="tx1"/>
+                  </a:solidFill>
+                  <a:latin typeface="Calibri" panose="020F0502020204030204" pitchFamily="34" charset="0"/>
+                  <a:ea typeface="宋体" panose="02010600030101010101" pitchFamily="2" charset="-122"/>
+                </a:defRPr>
+              </a:lvl2pPr>
+              <a:lvl3pPr marL="1143000" indent="-228600">
+                <a:defRPr>
+                  <a:solidFill>
+                    <a:schemeClr val="tx1"/>
+                  </a:solidFill>
+                  <a:latin typeface="Calibri" panose="020F0502020204030204" pitchFamily="34" charset="0"/>
+                  <a:ea typeface="宋体" panose="02010600030101010101" pitchFamily="2" charset="-122"/>
+                </a:defRPr>
+              </a:lvl3pPr>
+              <a:lvl4pPr marL="1600200" indent="-228600">
+                <a:defRPr>
+                  <a:solidFill>
+                    <a:schemeClr val="tx1"/>
+                  </a:solidFill>
+                  <a:latin typeface="Calibri" panose="020F0502020204030204" pitchFamily="34" charset="0"/>
+                  <a:ea typeface="宋体" panose="02010600030101010101" pitchFamily="2" charset="-122"/>
+                </a:defRPr>
+              </a:lvl4pPr>
+              <a:lvl5pPr marL="2057400" indent="-228600">
+                <a:defRPr>
+                  <a:solidFill>
+                    <a:schemeClr val="tx1"/>
+                  </a:solidFill>
+                  <a:latin typeface="Calibri" panose="020F0502020204030204" pitchFamily="34" charset="0"/>
+                  <a:ea typeface="宋体" panose="02010600030101010101" pitchFamily="2" charset="-122"/>
+                </a:defRPr>
+              </a:lvl5pPr>
+              <a:lvl6pPr marL="2514600" indent="-228600" eaLnBrk="0" fontAlgn="base" hangingPunct="0">
+                <a:spcBef>
+                  <a:spcPct val="0"/>
+                </a:spcBef>
+                <a:spcAft>
+                  <a:spcPct val="0"/>
+                </a:spcAft>
+                <a:defRPr>
+                  <a:solidFill>
+                    <a:schemeClr val="tx1"/>
+                  </a:solidFill>
+                  <a:latin typeface="Calibri" panose="020F0502020204030204" pitchFamily="34" charset="0"/>
+                  <a:ea typeface="宋体" panose="02010600030101010101" pitchFamily="2" charset="-122"/>
+                </a:defRPr>
+              </a:lvl6pPr>
+              <a:lvl7pPr marL="2971800" indent="-228600" eaLnBrk="0" fontAlgn="base" hangingPunct="0">
+                <a:spcBef>
+                  <a:spcPct val="0"/>
+                </a:spcBef>
+                <a:spcAft>
+                  <a:spcPct val="0"/>
+                </a:spcAft>
+                <a:defRPr>
+                  <a:solidFill>
+                    <a:schemeClr val="tx1"/>
+                  </a:solidFill>
+                  <a:latin typeface="Calibri" panose="020F0502020204030204" pitchFamily="34" charset="0"/>
+                  <a:ea typeface="宋体" panose="02010600030101010101" pitchFamily="2" charset="-122"/>
+                </a:defRPr>
+              </a:lvl7pPr>
+              <a:lvl8pPr marL="3429000" indent="-228600" eaLnBrk="0" fontAlgn="base" hangingPunct="0">
+                <a:spcBef>
+                  <a:spcPct val="0"/>
+                </a:spcBef>
+                <a:spcAft>
+                  <a:spcPct val="0"/>
+                </a:spcAft>
+                <a:defRPr>
+                  <a:solidFill>
+                    <a:schemeClr val="tx1"/>
+                  </a:solidFill>
+                  <a:latin typeface="Calibri" panose="020F0502020204030204" pitchFamily="34" charset="0"/>
+                  <a:ea typeface="宋体" panose="02010600030101010101" pitchFamily="2" charset="-122"/>
+                </a:defRPr>
+              </a:lvl8pPr>
+              <a:lvl9pPr marL="3886200" indent="-228600" eaLnBrk="0" fontAlgn="base" hangingPunct="0">
+                <a:spcBef>
+                  <a:spcPct val="0"/>
+                </a:spcBef>
+                <a:spcAft>
+                  <a:spcPct val="0"/>
+                </a:spcAft>
+                <a:defRPr>
+                  <a:solidFill>
+                    <a:schemeClr val="tx1"/>
+                  </a:solidFill>
+                  <a:latin typeface="Calibri" panose="020F0502020204030204" pitchFamily="34" charset="0"/>
+                  <a:ea typeface="宋体" panose="02010600030101010101" pitchFamily="2" charset="-122"/>
+                </a:defRPr>
+              </a:lvl9pPr>
+            </a:lstStyle>
+            <a:p>
+              <a:pPr eaLnBrk="1" hangingPunct="1">
+                <a:buFont typeface="Arial" panose="020B0604020202020204" pitchFamily="34" charset="0"/>
+                <a:buNone/>
+              </a:pPr>
+              <a:r>
+                <a:rPr lang="zh-CN" altLang="en-US" sz="2000" b="1" dirty="0" smtClean="0">
+                  <a:latin typeface="黑体" panose="02010609060101010101" pitchFamily="49" charset="-122"/>
+                  <a:ea typeface="黑体" panose="02010609060101010101" pitchFamily="49" charset="-122"/>
+                </a:rPr>
+                <a:t>第一阶段</a:t>
+              </a:r>
+              <a:endParaRPr lang="zh-CN" altLang="en-US" sz="2000" b="1" dirty="0">
+                <a:latin typeface="黑体" panose="02010609060101010101" pitchFamily="49" charset="-122"/>
+                <a:ea typeface="黑体" panose="02010609060101010101" pitchFamily="49" charset="-122"/>
+              </a:endParaRPr>
+            </a:p>
+          </p:txBody>
+        </p:sp>
+        <p:sp>
+          <p:nvSpPr>
+            <p:cNvPr id="10" name="文本框 22"/>
+            <p:cNvSpPr txBox="1">
+              <a:spLocks noChangeArrowheads="1"/>
+            </p:cNvSpPr>
+            <p:nvPr/>
+          </p:nvSpPr>
+          <p:spPr bwMode="auto">
+            <a:xfrm>
+              <a:off x="1022852" y="2917390"/>
+              <a:ext cx="2451921" cy="2326091"/>
+            </a:xfrm>
+            <a:prstGeom prst="rect">
+              <a:avLst/>
+            </a:prstGeom>
+            <a:noFill/>
+            <a:ln>
+              <a:noFill/>
+            </a:ln>
+            <a:extLst>
+              <a:ext uri="{909E8E84-426E-40DD-AFC4-6F175D3DCCD1}">
+                <a14:hiddenFill xmlns:a14="http://schemas.microsoft.com/office/drawing/2010/main">
+                  <a:solidFill>
+                    <a:srgbClr val="FFFFFF"/>
+                  </a:solidFill>
+                </a14:hiddenFill>
+              </a:ext>
+              <a:ext uri="{91240B29-F687-4F45-9708-019B960494DF}">
+                <a14:hiddenLine xmlns:a14="http://schemas.microsoft.com/office/drawing/2010/main" w="9525">
+                  <a:solidFill>
+                    <a:srgbClr val="000000"/>
+                  </a:solidFill>
+                  <a:miter lim="800000"/>
+                  <a:headEnd/>
+                  <a:tailEnd/>
+                </a14:hiddenLine>
+              </a:ext>
+            </a:extLst>
+          </p:spPr>
+          <p:txBody>
+            <a:bodyPr wrap="square">
+              <a:spAutoFit/>
+            </a:bodyPr>
+            <a:lstStyle>
+              <a:lvl1pPr>
+                <a:defRPr>
+                  <a:solidFill>
+                    <a:schemeClr val="tx1"/>
+                  </a:solidFill>
+                  <a:latin typeface="Calibri" panose="020F0502020204030204" pitchFamily="34" charset="0"/>
+                  <a:ea typeface="宋体" panose="02010600030101010101" pitchFamily="2" charset="-122"/>
+                </a:defRPr>
+              </a:lvl1pPr>
+              <a:lvl2pPr marL="742950" indent="-285750">
+                <a:defRPr>
+                  <a:solidFill>
+                    <a:schemeClr val="tx1"/>
+                  </a:solidFill>
+                  <a:latin typeface="Calibri" panose="020F0502020204030204" pitchFamily="34" charset="0"/>
+                  <a:ea typeface="宋体" panose="02010600030101010101" pitchFamily="2" charset="-122"/>
+                </a:defRPr>
+              </a:lvl2pPr>
+              <a:lvl3pPr marL="1143000" indent="-228600">
+                <a:defRPr>
+                  <a:solidFill>
+                    <a:schemeClr val="tx1"/>
+                  </a:solidFill>
+                  <a:latin typeface="Calibri" panose="020F0502020204030204" pitchFamily="34" charset="0"/>
+                  <a:ea typeface="宋体" panose="02010600030101010101" pitchFamily="2" charset="-122"/>
+                </a:defRPr>
+              </a:lvl3pPr>
+              <a:lvl4pPr marL="1600200" indent="-228600">
+                <a:defRPr>
+                  <a:solidFill>
+                    <a:schemeClr val="tx1"/>
+                  </a:solidFill>
+                  <a:latin typeface="Calibri" panose="020F0502020204030204" pitchFamily="34" charset="0"/>
+                  <a:ea typeface="宋体" panose="02010600030101010101" pitchFamily="2" charset="-122"/>
+                </a:defRPr>
+              </a:lvl4pPr>
+              <a:lvl5pPr marL="2057400" indent="-228600">
+                <a:defRPr>
+                  <a:solidFill>
+                    <a:schemeClr val="tx1"/>
+                  </a:solidFill>
+                  <a:latin typeface="Calibri" panose="020F0502020204030204" pitchFamily="34" charset="0"/>
+                  <a:ea typeface="宋体" panose="02010600030101010101" pitchFamily="2" charset="-122"/>
+                </a:defRPr>
+              </a:lvl5pPr>
+              <a:lvl6pPr marL="2514600" indent="-228600" eaLnBrk="0" fontAlgn="base" hangingPunct="0">
+                <a:spcBef>
+                  <a:spcPct val="0"/>
+                </a:spcBef>
+                <a:spcAft>
+                  <a:spcPct val="0"/>
+                </a:spcAft>
+                <a:defRPr>
+                  <a:solidFill>
+                    <a:schemeClr val="tx1"/>
+                  </a:solidFill>
+                  <a:latin typeface="Calibri" panose="020F0502020204030204" pitchFamily="34" charset="0"/>
+                  <a:ea typeface="宋体" panose="02010600030101010101" pitchFamily="2" charset="-122"/>
+                </a:defRPr>
+              </a:lvl6pPr>
+              <a:lvl7pPr marL="2971800" indent="-228600" eaLnBrk="0" fontAlgn="base" hangingPunct="0">
+                <a:spcBef>
+                  <a:spcPct val="0"/>
+                </a:spcBef>
+                <a:spcAft>
+                  <a:spcPct val="0"/>
+                </a:spcAft>
+                <a:defRPr>
+                  <a:solidFill>
+                    <a:schemeClr val="tx1"/>
+                  </a:solidFill>
+                  <a:latin typeface="Calibri" panose="020F0502020204030204" pitchFamily="34" charset="0"/>
+                  <a:ea typeface="宋体" panose="02010600030101010101" pitchFamily="2" charset="-122"/>
+                </a:defRPr>
+              </a:lvl7pPr>
+              <a:lvl8pPr marL="3429000" indent="-228600" eaLnBrk="0" fontAlgn="base" hangingPunct="0">
+                <a:spcBef>
+                  <a:spcPct val="0"/>
+                </a:spcBef>
+                <a:spcAft>
+                  <a:spcPct val="0"/>
+                </a:spcAft>
+                <a:defRPr>
+                  <a:solidFill>
+                    <a:schemeClr val="tx1"/>
+                  </a:solidFill>
+                  <a:latin typeface="Calibri" panose="020F0502020204030204" pitchFamily="34" charset="0"/>
+                  <a:ea typeface="宋体" panose="02010600030101010101" pitchFamily="2" charset="-122"/>
+                </a:defRPr>
+              </a:lvl8pPr>
+              <a:lvl9pPr marL="3886200" indent="-228600" eaLnBrk="0" fontAlgn="base" hangingPunct="0">
+                <a:spcBef>
+                  <a:spcPct val="0"/>
+                </a:spcBef>
+                <a:spcAft>
+                  <a:spcPct val="0"/>
+                </a:spcAft>
+                <a:defRPr>
+                  <a:solidFill>
+                    <a:schemeClr val="tx1"/>
+                  </a:solidFill>
+                  <a:latin typeface="Calibri" panose="020F0502020204030204" pitchFamily="34" charset="0"/>
+                  <a:ea typeface="宋体" panose="02010600030101010101" pitchFamily="2" charset="-122"/>
+                </a:defRPr>
+              </a:lvl9pPr>
+            </a:lstStyle>
+            <a:p>
+              <a:pPr>
+                <a:lnSpc>
+                  <a:spcPct val="200000"/>
+                </a:lnSpc>
+              </a:pPr>
+              <a:r>
+                <a:rPr lang="zh-CN" altLang="en-US" sz="1400" b="1" dirty="0" smtClean="0">
+                  <a:latin typeface="黑体" panose="02010609060101010101" pitchFamily="49" charset="-122"/>
+                  <a:ea typeface="黑体" panose="02010609060101010101" pitchFamily="49" charset="-122"/>
+                </a:rPr>
+                <a:t>小组内部协作，</a:t>
+              </a:r>
+              <a:endParaRPr lang="en-US" altLang="zh-CN" sz="1400" b="1" dirty="0" smtClean="0">
+                <a:latin typeface="黑体" panose="02010609060101010101" pitchFamily="49" charset="-122"/>
+                <a:ea typeface="黑体" panose="02010609060101010101" pitchFamily="49" charset="-122"/>
+              </a:endParaRPr>
+            </a:p>
+            <a:p>
+              <a:pPr>
+                <a:lnSpc>
+                  <a:spcPct val="200000"/>
+                </a:lnSpc>
+              </a:pPr>
+              <a:r>
+                <a:rPr lang="zh-CN" altLang="en-US" sz="1400" b="1" dirty="0" smtClean="0">
+                  <a:latin typeface="黑体" panose="02010609060101010101" pitchFamily="49" charset="-122"/>
+                  <a:ea typeface="黑体" panose="02010609060101010101" pitchFamily="49" charset="-122"/>
+                </a:rPr>
+                <a:t>在第三天的晨间汇报时，分别汇报学员手册初稿。</a:t>
+              </a:r>
+              <a:endParaRPr lang="en-US" altLang="zh-CN" sz="1400" b="1" dirty="0">
+                <a:latin typeface="黑体" panose="02010609060101010101" pitchFamily="49" charset="-122"/>
+                <a:ea typeface="黑体" panose="02010609060101010101" pitchFamily="49" charset="-122"/>
+              </a:endParaRPr>
+            </a:p>
+          </p:txBody>
+        </p:sp>
+      </p:grpSp>
       <p:sp>
         <p:nvSpPr>
-          <p:cNvPr id="11315" name="TextBox 146"/>
+          <p:cNvPr id="14" name="燕尾形 32"/>
+          <p:cNvSpPr>
+            <a:spLocks noChangeArrowheads="1"/>
+          </p:cNvSpPr>
+          <p:nvPr/>
+        </p:nvSpPr>
+        <p:spPr bwMode="auto">
+          <a:xfrm>
+            <a:off x="2040351" y="2808320"/>
+            <a:ext cx="476250" cy="476250"/>
+          </a:xfrm>
+          <a:prstGeom prst="chevron">
+            <a:avLst>
+              <a:gd name="adj" fmla="val 50000"/>
+            </a:avLst>
+          </a:prstGeom>
+          <a:solidFill>
+            <a:srgbClr val="FF625F"/>
+          </a:solidFill>
+          <a:ln>
+            <a:noFill/>
+          </a:ln>
+          <a:extLst>
+            <a:ext uri="{91240B29-F687-4F45-9708-019B960494DF}">
+              <a14:hiddenLine xmlns:a14="http://schemas.microsoft.com/office/drawing/2010/main" w="9525">
+                <a:solidFill>
+                  <a:srgbClr val="000000"/>
+                </a:solidFill>
+                <a:miter lim="800000"/>
+                <a:headEnd/>
+                <a:tailEnd/>
+              </a14:hiddenLine>
+            </a:ext>
+          </a:extLst>
+        </p:spPr>
+        <p:txBody>
+          <a:bodyPr anchor="ctr"/>
+          <a:lstStyle>
+            <a:lvl1pPr>
+              <a:defRPr>
+                <a:solidFill>
+                  <a:schemeClr val="tx1"/>
+                </a:solidFill>
+                <a:latin typeface="Calibri" panose="020F0502020204030204" pitchFamily="34" charset="0"/>
+                <a:ea typeface="宋体" panose="02010600030101010101" pitchFamily="2" charset="-122"/>
+              </a:defRPr>
+            </a:lvl1pPr>
+            <a:lvl2pPr marL="742950" indent="-285750">
+              <a:defRPr>
+                <a:solidFill>
+                  <a:schemeClr val="tx1"/>
+                </a:solidFill>
+                <a:latin typeface="Calibri" panose="020F0502020204030204" pitchFamily="34" charset="0"/>
+                <a:ea typeface="宋体" panose="02010600030101010101" pitchFamily="2" charset="-122"/>
+              </a:defRPr>
+            </a:lvl2pPr>
+            <a:lvl3pPr marL="1143000" indent="-228600">
+              <a:defRPr>
+                <a:solidFill>
+                  <a:schemeClr val="tx1"/>
+                </a:solidFill>
+                <a:latin typeface="Calibri" panose="020F0502020204030204" pitchFamily="34" charset="0"/>
+                <a:ea typeface="宋体" panose="02010600030101010101" pitchFamily="2" charset="-122"/>
+              </a:defRPr>
+            </a:lvl3pPr>
+            <a:lvl4pPr marL="1600200" indent="-228600">
+              <a:defRPr>
+                <a:solidFill>
+                  <a:schemeClr val="tx1"/>
+                </a:solidFill>
+                <a:latin typeface="Calibri" panose="020F0502020204030204" pitchFamily="34" charset="0"/>
+                <a:ea typeface="宋体" panose="02010600030101010101" pitchFamily="2" charset="-122"/>
+              </a:defRPr>
+            </a:lvl4pPr>
+            <a:lvl5pPr marL="2057400" indent="-228600">
+              <a:defRPr>
+                <a:solidFill>
+                  <a:schemeClr val="tx1"/>
+                </a:solidFill>
+                <a:latin typeface="Calibri" panose="020F0502020204030204" pitchFamily="34" charset="0"/>
+                <a:ea typeface="宋体" panose="02010600030101010101" pitchFamily="2" charset="-122"/>
+              </a:defRPr>
+            </a:lvl5pPr>
+            <a:lvl6pPr marL="2514600" indent="-228600" eaLnBrk="0" fontAlgn="base" hangingPunct="0">
+              <a:spcBef>
+                <a:spcPct val="0"/>
+              </a:spcBef>
+              <a:spcAft>
+                <a:spcPct val="0"/>
+              </a:spcAft>
+              <a:defRPr>
+                <a:solidFill>
+                  <a:schemeClr val="tx1"/>
+                </a:solidFill>
+                <a:latin typeface="Calibri" panose="020F0502020204030204" pitchFamily="34" charset="0"/>
+                <a:ea typeface="宋体" panose="02010600030101010101" pitchFamily="2" charset="-122"/>
+              </a:defRPr>
+            </a:lvl6pPr>
+            <a:lvl7pPr marL="2971800" indent="-228600" eaLnBrk="0" fontAlgn="base" hangingPunct="0">
+              <a:spcBef>
+                <a:spcPct val="0"/>
+              </a:spcBef>
+              <a:spcAft>
+                <a:spcPct val="0"/>
+              </a:spcAft>
+              <a:defRPr>
+                <a:solidFill>
+                  <a:schemeClr val="tx1"/>
+                </a:solidFill>
+                <a:latin typeface="Calibri" panose="020F0502020204030204" pitchFamily="34" charset="0"/>
+                <a:ea typeface="宋体" panose="02010600030101010101" pitchFamily="2" charset="-122"/>
+              </a:defRPr>
+            </a:lvl7pPr>
+            <a:lvl8pPr marL="3429000" indent="-228600" eaLnBrk="0" fontAlgn="base" hangingPunct="0">
+              <a:spcBef>
+                <a:spcPct val="0"/>
+              </a:spcBef>
+              <a:spcAft>
+                <a:spcPct val="0"/>
+              </a:spcAft>
+              <a:defRPr>
+                <a:solidFill>
+                  <a:schemeClr val="tx1"/>
+                </a:solidFill>
+                <a:latin typeface="Calibri" panose="020F0502020204030204" pitchFamily="34" charset="0"/>
+                <a:ea typeface="宋体" panose="02010600030101010101" pitchFamily="2" charset="-122"/>
+              </a:defRPr>
+            </a:lvl8pPr>
+            <a:lvl9pPr marL="3886200" indent="-228600" eaLnBrk="0" fontAlgn="base" hangingPunct="0">
+              <a:spcBef>
+                <a:spcPct val="0"/>
+              </a:spcBef>
+              <a:spcAft>
+                <a:spcPct val="0"/>
+              </a:spcAft>
+              <a:defRPr>
+                <a:solidFill>
+                  <a:schemeClr val="tx1"/>
+                </a:solidFill>
+                <a:latin typeface="Calibri" panose="020F0502020204030204" pitchFamily="34" charset="0"/>
+                <a:ea typeface="宋体" panose="02010600030101010101" pitchFamily="2" charset="-122"/>
+              </a:defRPr>
+            </a:lvl9pPr>
+          </a:lstStyle>
+          <a:p>
+            <a:pPr algn="ctr" eaLnBrk="1" hangingPunct="1">
+              <a:buFont typeface="Arial" panose="020B0604020202020204" pitchFamily="34" charset="0"/>
+              <a:buNone/>
+            </a:pPr>
+            <a:endParaRPr lang="zh-CN" altLang="en-US"/>
+          </a:p>
+        </p:txBody>
+      </p:sp>
+      <p:sp>
+        <p:nvSpPr>
+          <p:cNvPr id="15" name="燕尾形 33"/>
+          <p:cNvSpPr>
+            <a:spLocks noChangeArrowheads="1"/>
+          </p:cNvSpPr>
+          <p:nvPr/>
+        </p:nvSpPr>
+        <p:spPr bwMode="auto">
+          <a:xfrm>
+            <a:off x="4287491" y="2838376"/>
+            <a:ext cx="476250" cy="476250"/>
+          </a:xfrm>
+          <a:prstGeom prst="chevron">
+            <a:avLst>
+              <a:gd name="adj" fmla="val 50000"/>
+            </a:avLst>
+          </a:prstGeom>
+          <a:solidFill>
+            <a:srgbClr val="FFBD00"/>
+          </a:solidFill>
+          <a:ln>
+            <a:noFill/>
+          </a:ln>
+          <a:extLst>
+            <a:ext uri="{91240B29-F687-4F45-9708-019B960494DF}">
+              <a14:hiddenLine xmlns:a14="http://schemas.microsoft.com/office/drawing/2010/main" w="9525">
+                <a:solidFill>
+                  <a:srgbClr val="000000"/>
+                </a:solidFill>
+                <a:miter lim="800000"/>
+                <a:headEnd/>
+                <a:tailEnd/>
+              </a14:hiddenLine>
+            </a:ext>
+          </a:extLst>
+        </p:spPr>
+        <p:txBody>
+          <a:bodyPr anchor="ctr"/>
+          <a:lstStyle>
+            <a:lvl1pPr>
+              <a:defRPr>
+                <a:solidFill>
+                  <a:schemeClr val="tx1"/>
+                </a:solidFill>
+                <a:latin typeface="Calibri" panose="020F0502020204030204" pitchFamily="34" charset="0"/>
+                <a:ea typeface="宋体" panose="02010600030101010101" pitchFamily="2" charset="-122"/>
+              </a:defRPr>
+            </a:lvl1pPr>
+            <a:lvl2pPr marL="742950" indent="-285750">
+              <a:defRPr>
+                <a:solidFill>
+                  <a:schemeClr val="tx1"/>
+                </a:solidFill>
+                <a:latin typeface="Calibri" panose="020F0502020204030204" pitchFamily="34" charset="0"/>
+                <a:ea typeface="宋体" panose="02010600030101010101" pitchFamily="2" charset="-122"/>
+              </a:defRPr>
+            </a:lvl2pPr>
+            <a:lvl3pPr marL="1143000" indent="-228600">
+              <a:defRPr>
+                <a:solidFill>
+                  <a:schemeClr val="tx1"/>
+                </a:solidFill>
+                <a:latin typeface="Calibri" panose="020F0502020204030204" pitchFamily="34" charset="0"/>
+                <a:ea typeface="宋体" panose="02010600030101010101" pitchFamily="2" charset="-122"/>
+              </a:defRPr>
+            </a:lvl3pPr>
+            <a:lvl4pPr marL="1600200" indent="-228600">
+              <a:defRPr>
+                <a:solidFill>
+                  <a:schemeClr val="tx1"/>
+                </a:solidFill>
+                <a:latin typeface="Calibri" panose="020F0502020204030204" pitchFamily="34" charset="0"/>
+                <a:ea typeface="宋体" panose="02010600030101010101" pitchFamily="2" charset="-122"/>
+              </a:defRPr>
+            </a:lvl4pPr>
+            <a:lvl5pPr marL="2057400" indent="-228600">
+              <a:defRPr>
+                <a:solidFill>
+                  <a:schemeClr val="tx1"/>
+                </a:solidFill>
+                <a:latin typeface="Calibri" panose="020F0502020204030204" pitchFamily="34" charset="0"/>
+                <a:ea typeface="宋体" panose="02010600030101010101" pitchFamily="2" charset="-122"/>
+              </a:defRPr>
+            </a:lvl5pPr>
+            <a:lvl6pPr marL="2514600" indent="-228600" eaLnBrk="0" fontAlgn="base" hangingPunct="0">
+              <a:spcBef>
+                <a:spcPct val="0"/>
+              </a:spcBef>
+              <a:spcAft>
+                <a:spcPct val="0"/>
+              </a:spcAft>
+              <a:defRPr>
+                <a:solidFill>
+                  <a:schemeClr val="tx1"/>
+                </a:solidFill>
+                <a:latin typeface="Calibri" panose="020F0502020204030204" pitchFamily="34" charset="0"/>
+                <a:ea typeface="宋体" panose="02010600030101010101" pitchFamily="2" charset="-122"/>
+              </a:defRPr>
+            </a:lvl6pPr>
+            <a:lvl7pPr marL="2971800" indent="-228600" eaLnBrk="0" fontAlgn="base" hangingPunct="0">
+              <a:spcBef>
+                <a:spcPct val="0"/>
+              </a:spcBef>
+              <a:spcAft>
+                <a:spcPct val="0"/>
+              </a:spcAft>
+              <a:defRPr>
+                <a:solidFill>
+                  <a:schemeClr val="tx1"/>
+                </a:solidFill>
+                <a:latin typeface="Calibri" panose="020F0502020204030204" pitchFamily="34" charset="0"/>
+                <a:ea typeface="宋体" panose="02010600030101010101" pitchFamily="2" charset="-122"/>
+              </a:defRPr>
+            </a:lvl7pPr>
+            <a:lvl8pPr marL="3429000" indent="-228600" eaLnBrk="0" fontAlgn="base" hangingPunct="0">
+              <a:spcBef>
+                <a:spcPct val="0"/>
+              </a:spcBef>
+              <a:spcAft>
+                <a:spcPct val="0"/>
+              </a:spcAft>
+              <a:defRPr>
+                <a:solidFill>
+                  <a:schemeClr val="tx1"/>
+                </a:solidFill>
+                <a:latin typeface="Calibri" panose="020F0502020204030204" pitchFamily="34" charset="0"/>
+                <a:ea typeface="宋体" panose="02010600030101010101" pitchFamily="2" charset="-122"/>
+              </a:defRPr>
+            </a:lvl8pPr>
+            <a:lvl9pPr marL="3886200" indent="-228600" eaLnBrk="0" fontAlgn="base" hangingPunct="0">
+              <a:spcBef>
+                <a:spcPct val="0"/>
+              </a:spcBef>
+              <a:spcAft>
+                <a:spcPct val="0"/>
+              </a:spcAft>
+              <a:defRPr>
+                <a:solidFill>
+                  <a:schemeClr val="tx1"/>
+                </a:solidFill>
+                <a:latin typeface="Calibri" panose="020F0502020204030204" pitchFamily="34" charset="0"/>
+                <a:ea typeface="宋体" panose="02010600030101010101" pitchFamily="2" charset="-122"/>
+              </a:defRPr>
+            </a:lvl9pPr>
+          </a:lstStyle>
+          <a:p>
+            <a:pPr algn="ctr" eaLnBrk="1" hangingPunct="1">
+              <a:buFont typeface="Arial" panose="020B0604020202020204" pitchFamily="34" charset="0"/>
+              <a:buNone/>
+            </a:pPr>
+            <a:endParaRPr lang="zh-CN" altLang="en-US"/>
+          </a:p>
+        </p:txBody>
+      </p:sp>
+      <p:grpSp>
+        <p:nvGrpSpPr>
+          <p:cNvPr id="23" name="组合 22"/>
+          <p:cNvGrpSpPr/>
+          <p:nvPr/>
+        </p:nvGrpSpPr>
+        <p:grpSpPr>
+          <a:xfrm>
+            <a:off x="6991001" y="1354122"/>
+            <a:ext cx="1656184" cy="3500648"/>
+            <a:chOff x="8348663" y="2395538"/>
+            <a:chExt cx="2816225" cy="3584575"/>
+          </a:xfrm>
+          <a:solidFill>
+            <a:schemeClr val="accent1">
+              <a:lumMod val="75000"/>
+            </a:schemeClr>
+          </a:solidFill>
+        </p:grpSpPr>
+        <p:sp>
+          <p:nvSpPr>
+            <p:cNvPr id="24" name="矩形 17"/>
+            <p:cNvSpPr>
+              <a:spLocks noChangeArrowheads="1"/>
+            </p:cNvSpPr>
+            <p:nvPr/>
+          </p:nvSpPr>
+          <p:spPr bwMode="auto">
+            <a:xfrm>
+              <a:off x="8348663" y="2395538"/>
+              <a:ext cx="2816225" cy="3584575"/>
+            </a:xfrm>
+            <a:prstGeom prst="rect">
+              <a:avLst/>
+            </a:prstGeom>
+            <a:grpFill/>
+            <a:ln>
+              <a:noFill/>
+            </a:ln>
+            <a:extLst>
+              <a:ext uri="{91240B29-F687-4F45-9708-019B960494DF}">
+                <a14:hiddenLine xmlns:a14="http://schemas.microsoft.com/office/drawing/2010/main" w="9525">
+                  <a:solidFill>
+                    <a:srgbClr val="000000"/>
+                  </a:solidFill>
+                  <a:miter lim="800000"/>
+                  <a:headEnd/>
+                  <a:tailEnd/>
+                </a14:hiddenLine>
+              </a:ext>
+            </a:extLst>
+          </p:spPr>
+          <p:txBody>
+            <a:bodyPr anchor="ctr"/>
+            <a:lstStyle>
+              <a:lvl1pPr>
+                <a:defRPr>
+                  <a:solidFill>
+                    <a:schemeClr val="tx1"/>
+                  </a:solidFill>
+                  <a:latin typeface="Calibri" panose="020F0502020204030204" pitchFamily="34" charset="0"/>
+                  <a:ea typeface="宋体" panose="02010600030101010101" pitchFamily="2" charset="-122"/>
+                </a:defRPr>
+              </a:lvl1pPr>
+              <a:lvl2pPr marL="742950" indent="-285750">
+                <a:defRPr>
+                  <a:solidFill>
+                    <a:schemeClr val="tx1"/>
+                  </a:solidFill>
+                  <a:latin typeface="Calibri" panose="020F0502020204030204" pitchFamily="34" charset="0"/>
+                  <a:ea typeface="宋体" panose="02010600030101010101" pitchFamily="2" charset="-122"/>
+                </a:defRPr>
+              </a:lvl2pPr>
+              <a:lvl3pPr marL="1143000" indent="-228600">
+                <a:defRPr>
+                  <a:solidFill>
+                    <a:schemeClr val="tx1"/>
+                  </a:solidFill>
+                  <a:latin typeface="Calibri" panose="020F0502020204030204" pitchFamily="34" charset="0"/>
+                  <a:ea typeface="宋体" panose="02010600030101010101" pitchFamily="2" charset="-122"/>
+                </a:defRPr>
+              </a:lvl3pPr>
+              <a:lvl4pPr marL="1600200" indent="-228600">
+                <a:defRPr>
+                  <a:solidFill>
+                    <a:schemeClr val="tx1"/>
+                  </a:solidFill>
+                  <a:latin typeface="Calibri" panose="020F0502020204030204" pitchFamily="34" charset="0"/>
+                  <a:ea typeface="宋体" panose="02010600030101010101" pitchFamily="2" charset="-122"/>
+                </a:defRPr>
+              </a:lvl4pPr>
+              <a:lvl5pPr marL="2057400" indent="-228600">
+                <a:defRPr>
+                  <a:solidFill>
+                    <a:schemeClr val="tx1"/>
+                  </a:solidFill>
+                  <a:latin typeface="Calibri" panose="020F0502020204030204" pitchFamily="34" charset="0"/>
+                  <a:ea typeface="宋体" panose="02010600030101010101" pitchFamily="2" charset="-122"/>
+                </a:defRPr>
+              </a:lvl5pPr>
+              <a:lvl6pPr marL="2514600" indent="-228600" eaLnBrk="0" fontAlgn="base" hangingPunct="0">
+                <a:spcBef>
+                  <a:spcPct val="0"/>
+                </a:spcBef>
+                <a:spcAft>
+                  <a:spcPct val="0"/>
+                </a:spcAft>
+                <a:defRPr>
+                  <a:solidFill>
+                    <a:schemeClr val="tx1"/>
+                  </a:solidFill>
+                  <a:latin typeface="Calibri" panose="020F0502020204030204" pitchFamily="34" charset="0"/>
+                  <a:ea typeface="宋体" panose="02010600030101010101" pitchFamily="2" charset="-122"/>
+                </a:defRPr>
+              </a:lvl6pPr>
+              <a:lvl7pPr marL="2971800" indent="-228600" eaLnBrk="0" fontAlgn="base" hangingPunct="0">
+                <a:spcBef>
+                  <a:spcPct val="0"/>
+                </a:spcBef>
+                <a:spcAft>
+                  <a:spcPct val="0"/>
+                </a:spcAft>
+                <a:defRPr>
+                  <a:solidFill>
+                    <a:schemeClr val="tx1"/>
+                  </a:solidFill>
+                  <a:latin typeface="Calibri" panose="020F0502020204030204" pitchFamily="34" charset="0"/>
+                  <a:ea typeface="宋体" panose="02010600030101010101" pitchFamily="2" charset="-122"/>
+                </a:defRPr>
+              </a:lvl7pPr>
+              <a:lvl8pPr marL="3429000" indent="-228600" eaLnBrk="0" fontAlgn="base" hangingPunct="0">
+                <a:spcBef>
+                  <a:spcPct val="0"/>
+                </a:spcBef>
+                <a:spcAft>
+                  <a:spcPct val="0"/>
+                </a:spcAft>
+                <a:defRPr>
+                  <a:solidFill>
+                    <a:schemeClr val="tx1"/>
+                  </a:solidFill>
+                  <a:latin typeface="Calibri" panose="020F0502020204030204" pitchFamily="34" charset="0"/>
+                  <a:ea typeface="宋体" panose="02010600030101010101" pitchFamily="2" charset="-122"/>
+                </a:defRPr>
+              </a:lvl8pPr>
+              <a:lvl9pPr marL="3886200" indent="-228600" eaLnBrk="0" fontAlgn="base" hangingPunct="0">
+                <a:spcBef>
+                  <a:spcPct val="0"/>
+                </a:spcBef>
+                <a:spcAft>
+                  <a:spcPct val="0"/>
+                </a:spcAft>
+                <a:defRPr>
+                  <a:solidFill>
+                    <a:schemeClr val="tx1"/>
+                  </a:solidFill>
+                  <a:latin typeface="Calibri" panose="020F0502020204030204" pitchFamily="34" charset="0"/>
+                  <a:ea typeface="宋体" panose="02010600030101010101" pitchFamily="2" charset="-122"/>
+                </a:defRPr>
+              </a:lvl9pPr>
+            </a:lstStyle>
+            <a:p>
+              <a:pPr algn="ctr" eaLnBrk="1" hangingPunct="1">
+                <a:buFont typeface="Arial" panose="020B0604020202020204" pitchFamily="34" charset="0"/>
+                <a:buNone/>
+              </a:pPr>
+              <a:endParaRPr lang="zh-CN" altLang="en-US">
+                <a:solidFill>
+                  <a:schemeClr val="bg1"/>
+                </a:solidFill>
+              </a:endParaRPr>
+            </a:p>
+          </p:txBody>
+        </p:sp>
+        <p:sp>
+          <p:nvSpPr>
+            <p:cNvPr id="25" name="文本框 21"/>
+            <p:cNvSpPr txBox="1">
+              <a:spLocks noChangeArrowheads="1"/>
+            </p:cNvSpPr>
+            <p:nvPr/>
+          </p:nvSpPr>
+          <p:spPr bwMode="auto">
+            <a:xfrm>
+              <a:off x="8747121" y="2545878"/>
+              <a:ext cx="2075907" cy="409703"/>
+            </a:xfrm>
+            <a:prstGeom prst="rect">
+              <a:avLst/>
+            </a:prstGeom>
+            <a:grpFill/>
+            <a:ln>
+              <a:noFill/>
+            </a:ln>
+            <a:extLst>
+              <a:ext uri="{91240B29-F687-4F45-9708-019B960494DF}">
+                <a14:hiddenLine xmlns:a14="http://schemas.microsoft.com/office/drawing/2010/main" w="9525">
+                  <a:solidFill>
+                    <a:srgbClr val="000000"/>
+                  </a:solidFill>
+                  <a:miter lim="800000"/>
+                  <a:headEnd/>
+                  <a:tailEnd/>
+                </a14:hiddenLine>
+              </a:ext>
+            </a:extLst>
+          </p:spPr>
+          <p:txBody>
+            <a:bodyPr wrap="square">
+              <a:spAutoFit/>
+            </a:bodyPr>
+            <a:lstStyle>
+              <a:lvl1pPr>
+                <a:defRPr>
+                  <a:solidFill>
+                    <a:schemeClr val="tx1"/>
+                  </a:solidFill>
+                  <a:latin typeface="Calibri" panose="020F0502020204030204" pitchFamily="34" charset="0"/>
+                  <a:ea typeface="宋体" panose="02010600030101010101" pitchFamily="2" charset="-122"/>
+                </a:defRPr>
+              </a:lvl1pPr>
+              <a:lvl2pPr marL="742950" indent="-285750">
+                <a:defRPr>
+                  <a:solidFill>
+                    <a:schemeClr val="tx1"/>
+                  </a:solidFill>
+                  <a:latin typeface="Calibri" panose="020F0502020204030204" pitchFamily="34" charset="0"/>
+                  <a:ea typeface="宋体" panose="02010600030101010101" pitchFamily="2" charset="-122"/>
+                </a:defRPr>
+              </a:lvl2pPr>
+              <a:lvl3pPr marL="1143000" indent="-228600">
+                <a:defRPr>
+                  <a:solidFill>
+                    <a:schemeClr val="tx1"/>
+                  </a:solidFill>
+                  <a:latin typeface="Calibri" panose="020F0502020204030204" pitchFamily="34" charset="0"/>
+                  <a:ea typeface="宋体" panose="02010600030101010101" pitchFamily="2" charset="-122"/>
+                </a:defRPr>
+              </a:lvl3pPr>
+              <a:lvl4pPr marL="1600200" indent="-228600">
+                <a:defRPr>
+                  <a:solidFill>
+                    <a:schemeClr val="tx1"/>
+                  </a:solidFill>
+                  <a:latin typeface="Calibri" panose="020F0502020204030204" pitchFamily="34" charset="0"/>
+                  <a:ea typeface="宋体" panose="02010600030101010101" pitchFamily="2" charset="-122"/>
+                </a:defRPr>
+              </a:lvl4pPr>
+              <a:lvl5pPr marL="2057400" indent="-228600">
+                <a:defRPr>
+                  <a:solidFill>
+                    <a:schemeClr val="tx1"/>
+                  </a:solidFill>
+                  <a:latin typeface="Calibri" panose="020F0502020204030204" pitchFamily="34" charset="0"/>
+                  <a:ea typeface="宋体" panose="02010600030101010101" pitchFamily="2" charset="-122"/>
+                </a:defRPr>
+              </a:lvl5pPr>
+              <a:lvl6pPr marL="2514600" indent="-228600" eaLnBrk="0" fontAlgn="base" hangingPunct="0">
+                <a:spcBef>
+                  <a:spcPct val="0"/>
+                </a:spcBef>
+                <a:spcAft>
+                  <a:spcPct val="0"/>
+                </a:spcAft>
+                <a:defRPr>
+                  <a:solidFill>
+                    <a:schemeClr val="tx1"/>
+                  </a:solidFill>
+                  <a:latin typeface="Calibri" panose="020F0502020204030204" pitchFamily="34" charset="0"/>
+                  <a:ea typeface="宋体" panose="02010600030101010101" pitchFamily="2" charset="-122"/>
+                </a:defRPr>
+              </a:lvl6pPr>
+              <a:lvl7pPr marL="2971800" indent="-228600" eaLnBrk="0" fontAlgn="base" hangingPunct="0">
+                <a:spcBef>
+                  <a:spcPct val="0"/>
+                </a:spcBef>
+                <a:spcAft>
+                  <a:spcPct val="0"/>
+                </a:spcAft>
+                <a:defRPr>
+                  <a:solidFill>
+                    <a:schemeClr val="tx1"/>
+                  </a:solidFill>
+                  <a:latin typeface="Calibri" panose="020F0502020204030204" pitchFamily="34" charset="0"/>
+                  <a:ea typeface="宋体" panose="02010600030101010101" pitchFamily="2" charset="-122"/>
+                </a:defRPr>
+              </a:lvl7pPr>
+              <a:lvl8pPr marL="3429000" indent="-228600" eaLnBrk="0" fontAlgn="base" hangingPunct="0">
+                <a:spcBef>
+                  <a:spcPct val="0"/>
+                </a:spcBef>
+                <a:spcAft>
+                  <a:spcPct val="0"/>
+                </a:spcAft>
+                <a:defRPr>
+                  <a:solidFill>
+                    <a:schemeClr val="tx1"/>
+                  </a:solidFill>
+                  <a:latin typeface="Calibri" panose="020F0502020204030204" pitchFamily="34" charset="0"/>
+                  <a:ea typeface="宋体" panose="02010600030101010101" pitchFamily="2" charset="-122"/>
+                </a:defRPr>
+              </a:lvl8pPr>
+              <a:lvl9pPr marL="3886200" indent="-228600" eaLnBrk="0" fontAlgn="base" hangingPunct="0">
+                <a:spcBef>
+                  <a:spcPct val="0"/>
+                </a:spcBef>
+                <a:spcAft>
+                  <a:spcPct val="0"/>
+                </a:spcAft>
+                <a:defRPr>
+                  <a:solidFill>
+                    <a:schemeClr val="tx1"/>
+                  </a:solidFill>
+                  <a:latin typeface="Calibri" panose="020F0502020204030204" pitchFamily="34" charset="0"/>
+                  <a:ea typeface="宋体" panose="02010600030101010101" pitchFamily="2" charset="-122"/>
+                </a:defRPr>
+              </a:lvl9pPr>
+            </a:lstStyle>
+            <a:p>
+              <a:r>
+                <a:rPr lang="zh-CN" altLang="en-US" sz="2000" b="1" dirty="0" smtClean="0">
+                  <a:solidFill>
+                    <a:schemeClr val="bg1"/>
+                  </a:solidFill>
+                  <a:latin typeface="黑体" panose="02010609060101010101" pitchFamily="49" charset="-122"/>
+                  <a:ea typeface="黑体" panose="02010609060101010101" pitchFamily="49" charset="-122"/>
+                </a:rPr>
+                <a:t>第四阶段</a:t>
+              </a:r>
+              <a:endParaRPr lang="en-US" altLang="zh-CN" sz="2000" b="1" dirty="0">
+                <a:solidFill>
+                  <a:schemeClr val="bg1"/>
+                </a:solidFill>
+                <a:latin typeface="黑体" panose="02010609060101010101" pitchFamily="49" charset="-122"/>
+                <a:ea typeface="黑体" panose="02010609060101010101" pitchFamily="49" charset="-122"/>
+              </a:endParaRPr>
+            </a:p>
+          </p:txBody>
+        </p:sp>
+        <p:sp>
+          <p:nvSpPr>
+            <p:cNvPr id="26" name="文本框 26"/>
+            <p:cNvSpPr txBox="1">
+              <a:spLocks noChangeArrowheads="1"/>
+            </p:cNvSpPr>
+            <p:nvPr/>
+          </p:nvSpPr>
+          <p:spPr bwMode="auto">
+            <a:xfrm>
+              <a:off x="8386035" y="3001327"/>
+              <a:ext cx="2778853" cy="2410939"/>
+            </a:xfrm>
+            <a:prstGeom prst="rect">
+              <a:avLst/>
+            </a:prstGeom>
+            <a:grpFill/>
+            <a:ln>
+              <a:noFill/>
+            </a:ln>
+            <a:extLst>
+              <a:ext uri="{91240B29-F687-4F45-9708-019B960494DF}">
+                <a14:hiddenLine xmlns:a14="http://schemas.microsoft.com/office/drawing/2010/main" w="9525">
+                  <a:solidFill>
+                    <a:srgbClr val="000000"/>
+                  </a:solidFill>
+                  <a:miter lim="800000"/>
+                  <a:headEnd/>
+                  <a:tailEnd/>
+                </a14:hiddenLine>
+              </a:ext>
+            </a:extLst>
+          </p:spPr>
+          <p:txBody>
+            <a:bodyPr wrap="square">
+              <a:spAutoFit/>
+            </a:bodyPr>
+            <a:lstStyle>
+              <a:lvl1pPr>
+                <a:defRPr>
+                  <a:solidFill>
+                    <a:schemeClr val="tx1"/>
+                  </a:solidFill>
+                  <a:latin typeface="Calibri" panose="020F0502020204030204" pitchFamily="34" charset="0"/>
+                  <a:ea typeface="宋体" panose="02010600030101010101" pitchFamily="2" charset="-122"/>
+                </a:defRPr>
+              </a:lvl1pPr>
+              <a:lvl2pPr marL="742950" indent="-285750">
+                <a:defRPr>
+                  <a:solidFill>
+                    <a:schemeClr val="tx1"/>
+                  </a:solidFill>
+                  <a:latin typeface="Calibri" panose="020F0502020204030204" pitchFamily="34" charset="0"/>
+                  <a:ea typeface="宋体" panose="02010600030101010101" pitchFamily="2" charset="-122"/>
+                </a:defRPr>
+              </a:lvl2pPr>
+              <a:lvl3pPr marL="1143000" indent="-228600">
+                <a:defRPr>
+                  <a:solidFill>
+                    <a:schemeClr val="tx1"/>
+                  </a:solidFill>
+                  <a:latin typeface="Calibri" panose="020F0502020204030204" pitchFamily="34" charset="0"/>
+                  <a:ea typeface="宋体" panose="02010600030101010101" pitchFamily="2" charset="-122"/>
+                </a:defRPr>
+              </a:lvl3pPr>
+              <a:lvl4pPr marL="1600200" indent="-228600">
+                <a:defRPr>
+                  <a:solidFill>
+                    <a:schemeClr val="tx1"/>
+                  </a:solidFill>
+                  <a:latin typeface="Calibri" panose="020F0502020204030204" pitchFamily="34" charset="0"/>
+                  <a:ea typeface="宋体" panose="02010600030101010101" pitchFamily="2" charset="-122"/>
+                </a:defRPr>
+              </a:lvl4pPr>
+              <a:lvl5pPr marL="2057400" indent="-228600">
+                <a:defRPr>
+                  <a:solidFill>
+                    <a:schemeClr val="tx1"/>
+                  </a:solidFill>
+                  <a:latin typeface="Calibri" panose="020F0502020204030204" pitchFamily="34" charset="0"/>
+                  <a:ea typeface="宋体" panose="02010600030101010101" pitchFamily="2" charset="-122"/>
+                </a:defRPr>
+              </a:lvl5pPr>
+              <a:lvl6pPr marL="2514600" indent="-228600" eaLnBrk="0" fontAlgn="base" hangingPunct="0">
+                <a:spcBef>
+                  <a:spcPct val="0"/>
+                </a:spcBef>
+                <a:spcAft>
+                  <a:spcPct val="0"/>
+                </a:spcAft>
+                <a:defRPr>
+                  <a:solidFill>
+                    <a:schemeClr val="tx1"/>
+                  </a:solidFill>
+                  <a:latin typeface="Calibri" panose="020F0502020204030204" pitchFamily="34" charset="0"/>
+                  <a:ea typeface="宋体" panose="02010600030101010101" pitchFamily="2" charset="-122"/>
+                </a:defRPr>
+              </a:lvl6pPr>
+              <a:lvl7pPr marL="2971800" indent="-228600" eaLnBrk="0" fontAlgn="base" hangingPunct="0">
+                <a:spcBef>
+                  <a:spcPct val="0"/>
+                </a:spcBef>
+                <a:spcAft>
+                  <a:spcPct val="0"/>
+                </a:spcAft>
+                <a:defRPr>
+                  <a:solidFill>
+                    <a:schemeClr val="tx1"/>
+                  </a:solidFill>
+                  <a:latin typeface="Calibri" panose="020F0502020204030204" pitchFamily="34" charset="0"/>
+                  <a:ea typeface="宋体" panose="02010600030101010101" pitchFamily="2" charset="-122"/>
+                </a:defRPr>
+              </a:lvl7pPr>
+              <a:lvl8pPr marL="3429000" indent="-228600" eaLnBrk="0" fontAlgn="base" hangingPunct="0">
+                <a:spcBef>
+                  <a:spcPct val="0"/>
+                </a:spcBef>
+                <a:spcAft>
+                  <a:spcPct val="0"/>
+                </a:spcAft>
+                <a:defRPr>
+                  <a:solidFill>
+                    <a:schemeClr val="tx1"/>
+                  </a:solidFill>
+                  <a:latin typeface="Calibri" panose="020F0502020204030204" pitchFamily="34" charset="0"/>
+                  <a:ea typeface="宋体" panose="02010600030101010101" pitchFamily="2" charset="-122"/>
+                </a:defRPr>
+              </a:lvl8pPr>
+              <a:lvl9pPr marL="3886200" indent="-228600" eaLnBrk="0" fontAlgn="base" hangingPunct="0">
+                <a:spcBef>
+                  <a:spcPct val="0"/>
+                </a:spcBef>
+                <a:spcAft>
+                  <a:spcPct val="0"/>
+                </a:spcAft>
+                <a:defRPr>
+                  <a:solidFill>
+                    <a:schemeClr val="tx1"/>
+                  </a:solidFill>
+                  <a:latin typeface="Calibri" panose="020F0502020204030204" pitchFamily="34" charset="0"/>
+                  <a:ea typeface="宋体" panose="02010600030101010101" pitchFamily="2" charset="-122"/>
+                </a:defRPr>
+              </a:lvl9pPr>
+            </a:lstStyle>
+            <a:p>
+              <a:pPr>
+                <a:lnSpc>
+                  <a:spcPct val="150000"/>
+                </a:lnSpc>
+              </a:pPr>
+              <a:r>
+                <a:rPr lang="zh-CN" altLang="en-US" sz="1400" b="1" dirty="0" smtClean="0">
+                  <a:solidFill>
+                    <a:schemeClr val="bg1"/>
+                  </a:solidFill>
+                  <a:latin typeface="黑体" panose="02010609060101010101" pitchFamily="49" charset="-122"/>
+                  <a:ea typeface="黑体" panose="02010609060101010101" pitchFamily="49" charset="-122"/>
+                </a:rPr>
+                <a:t>班委将各小组提交的终板成果进行整合，并于第四天</a:t>
+              </a:r>
+              <a:r>
+                <a:rPr lang="en-US" altLang="zh-CN" sz="1400" b="1" dirty="0" smtClean="0">
+                  <a:solidFill>
+                    <a:schemeClr val="bg1"/>
+                  </a:solidFill>
+                  <a:latin typeface="黑体" panose="02010609060101010101" pitchFamily="49" charset="-122"/>
+                  <a:ea typeface="黑体" panose="02010609060101010101" pitchFamily="49" charset="-122"/>
+                </a:rPr>
+                <a:t>9:00</a:t>
+              </a:r>
+              <a:r>
+                <a:rPr lang="zh-CN" altLang="en-US" sz="1400" b="1" dirty="0" smtClean="0">
+                  <a:solidFill>
+                    <a:schemeClr val="bg1"/>
+                  </a:solidFill>
+                  <a:latin typeface="黑体" panose="02010609060101010101" pitchFamily="49" charset="-122"/>
+                  <a:ea typeface="黑体" panose="02010609060101010101" pitchFamily="49" charset="-122"/>
+                </a:rPr>
+                <a:t>前形成终稿。将其交至美工组，进行版面设计，交付打印。</a:t>
+              </a:r>
+              <a:endParaRPr lang="en-US" altLang="zh-CN" sz="1400" b="1" dirty="0">
+                <a:solidFill>
+                  <a:schemeClr val="bg1"/>
+                </a:solidFill>
+                <a:latin typeface="黑体" panose="02010609060101010101" pitchFamily="49" charset="-122"/>
+                <a:ea typeface="黑体" panose="02010609060101010101" pitchFamily="49" charset="-122"/>
+              </a:endParaRPr>
+            </a:p>
+          </p:txBody>
+        </p:sp>
+      </p:grpSp>
+      <p:sp>
+        <p:nvSpPr>
+          <p:cNvPr id="27" name="燕尾形 33"/>
+          <p:cNvSpPr>
+            <a:spLocks noChangeArrowheads="1"/>
+          </p:cNvSpPr>
+          <p:nvPr/>
+        </p:nvSpPr>
+        <p:spPr bwMode="auto">
+          <a:xfrm>
+            <a:off x="6490468" y="2847166"/>
+            <a:ext cx="476250" cy="476250"/>
+          </a:xfrm>
+          <a:prstGeom prst="chevron">
+            <a:avLst>
+              <a:gd name="adj" fmla="val 50000"/>
+            </a:avLst>
+          </a:prstGeom>
+          <a:solidFill>
+            <a:schemeClr val="accent2">
+              <a:lumMod val="60000"/>
+              <a:lumOff val="40000"/>
+            </a:schemeClr>
+          </a:solidFill>
+          <a:ln>
+            <a:noFill/>
+          </a:ln>
+        </p:spPr>
+        <p:txBody>
+          <a:bodyPr anchor="ctr"/>
+          <a:lstStyle>
+            <a:lvl1pPr>
+              <a:defRPr>
+                <a:solidFill>
+                  <a:schemeClr val="tx1"/>
+                </a:solidFill>
+                <a:latin typeface="Calibri" panose="020F0502020204030204" pitchFamily="34" charset="0"/>
+                <a:ea typeface="宋体" panose="02010600030101010101" pitchFamily="2" charset="-122"/>
+              </a:defRPr>
+            </a:lvl1pPr>
+            <a:lvl2pPr marL="742950" indent="-285750">
+              <a:defRPr>
+                <a:solidFill>
+                  <a:schemeClr val="tx1"/>
+                </a:solidFill>
+                <a:latin typeface="Calibri" panose="020F0502020204030204" pitchFamily="34" charset="0"/>
+                <a:ea typeface="宋体" panose="02010600030101010101" pitchFamily="2" charset="-122"/>
+              </a:defRPr>
+            </a:lvl2pPr>
+            <a:lvl3pPr marL="1143000" indent="-228600">
+              <a:defRPr>
+                <a:solidFill>
+                  <a:schemeClr val="tx1"/>
+                </a:solidFill>
+                <a:latin typeface="Calibri" panose="020F0502020204030204" pitchFamily="34" charset="0"/>
+                <a:ea typeface="宋体" panose="02010600030101010101" pitchFamily="2" charset="-122"/>
+              </a:defRPr>
+            </a:lvl3pPr>
+            <a:lvl4pPr marL="1600200" indent="-228600">
+              <a:defRPr>
+                <a:solidFill>
+                  <a:schemeClr val="tx1"/>
+                </a:solidFill>
+                <a:latin typeface="Calibri" panose="020F0502020204030204" pitchFamily="34" charset="0"/>
+                <a:ea typeface="宋体" panose="02010600030101010101" pitchFamily="2" charset="-122"/>
+              </a:defRPr>
+            </a:lvl4pPr>
+            <a:lvl5pPr marL="2057400" indent="-228600">
+              <a:defRPr>
+                <a:solidFill>
+                  <a:schemeClr val="tx1"/>
+                </a:solidFill>
+                <a:latin typeface="Calibri" panose="020F0502020204030204" pitchFamily="34" charset="0"/>
+                <a:ea typeface="宋体" panose="02010600030101010101" pitchFamily="2" charset="-122"/>
+              </a:defRPr>
+            </a:lvl5pPr>
+            <a:lvl6pPr marL="2514600" indent="-228600" eaLnBrk="0" fontAlgn="base" hangingPunct="0">
+              <a:spcBef>
+                <a:spcPct val="0"/>
+              </a:spcBef>
+              <a:spcAft>
+                <a:spcPct val="0"/>
+              </a:spcAft>
+              <a:defRPr>
+                <a:solidFill>
+                  <a:schemeClr val="tx1"/>
+                </a:solidFill>
+                <a:latin typeface="Calibri" panose="020F0502020204030204" pitchFamily="34" charset="0"/>
+                <a:ea typeface="宋体" panose="02010600030101010101" pitchFamily="2" charset="-122"/>
+              </a:defRPr>
+            </a:lvl6pPr>
+            <a:lvl7pPr marL="2971800" indent="-228600" eaLnBrk="0" fontAlgn="base" hangingPunct="0">
+              <a:spcBef>
+                <a:spcPct val="0"/>
+              </a:spcBef>
+              <a:spcAft>
+                <a:spcPct val="0"/>
+              </a:spcAft>
+              <a:defRPr>
+                <a:solidFill>
+                  <a:schemeClr val="tx1"/>
+                </a:solidFill>
+                <a:latin typeface="Calibri" panose="020F0502020204030204" pitchFamily="34" charset="0"/>
+                <a:ea typeface="宋体" panose="02010600030101010101" pitchFamily="2" charset="-122"/>
+              </a:defRPr>
+            </a:lvl7pPr>
+            <a:lvl8pPr marL="3429000" indent="-228600" eaLnBrk="0" fontAlgn="base" hangingPunct="0">
+              <a:spcBef>
+                <a:spcPct val="0"/>
+              </a:spcBef>
+              <a:spcAft>
+                <a:spcPct val="0"/>
+              </a:spcAft>
+              <a:defRPr>
+                <a:solidFill>
+                  <a:schemeClr val="tx1"/>
+                </a:solidFill>
+                <a:latin typeface="Calibri" panose="020F0502020204030204" pitchFamily="34" charset="0"/>
+                <a:ea typeface="宋体" panose="02010600030101010101" pitchFamily="2" charset="-122"/>
+              </a:defRPr>
+            </a:lvl8pPr>
+            <a:lvl9pPr marL="3886200" indent="-228600" eaLnBrk="0" fontAlgn="base" hangingPunct="0">
+              <a:spcBef>
+                <a:spcPct val="0"/>
+              </a:spcBef>
+              <a:spcAft>
+                <a:spcPct val="0"/>
+              </a:spcAft>
+              <a:defRPr>
+                <a:solidFill>
+                  <a:schemeClr val="tx1"/>
+                </a:solidFill>
+                <a:latin typeface="Calibri" panose="020F0502020204030204" pitchFamily="34" charset="0"/>
+                <a:ea typeface="宋体" panose="02010600030101010101" pitchFamily="2" charset="-122"/>
+              </a:defRPr>
+            </a:lvl9pPr>
+          </a:lstStyle>
+          <a:p>
+            <a:pPr algn="ctr" eaLnBrk="1" hangingPunct="1">
+              <a:buFont typeface="Arial" panose="020B0604020202020204" pitchFamily="34" charset="0"/>
+              <a:buNone/>
+            </a:pPr>
+            <a:endParaRPr lang="zh-CN" altLang="en-US"/>
+          </a:p>
+        </p:txBody>
+      </p:sp>
+      <p:sp>
+        <p:nvSpPr>
+          <p:cNvPr id="28" name="TextBox 13"/>
           <p:cNvSpPr txBox="1">
             <a:spLocks noChangeArrowheads="1"/>
           </p:cNvSpPr>
@@ -38511,8 +43209,8 @@
         </p:nvSpPr>
         <p:spPr bwMode="auto">
           <a:xfrm>
-            <a:off x="575556" y="1417340"/>
-            <a:ext cx="7920880" cy="2862322"/>
+            <a:off x="1802636" y="49188"/>
+            <a:ext cx="5538729" cy="609398"/>
           </a:xfrm>
           <a:prstGeom prst="rect">
             <a:avLst/>
@@ -38546,483 +43244,152 @@
             <a:spAutoFit/>
           </a:bodyPr>
           <a:lstStyle>
-            <a:lvl1pPr>
-              <a:defRPr sz="3200">
-                <a:solidFill>
-                  <a:schemeClr val="tx1"/>
-                </a:solidFill>
-                <a:latin typeface="Calibri" pitchFamily="34" charset="0"/>
-                <a:ea typeface="宋体" pitchFamily="2" charset="-122"/>
+            <a:defPPr>
+              <a:defRPr lang="zh-CN"/>
+            </a:defPPr>
+            <a:lvl1pPr algn="ctr" eaLnBrk="0" hangingPunct="0">
+              <a:lnSpc>
+                <a:spcPct val="120000"/>
+              </a:lnSpc>
+              <a:spcBef>
+                <a:spcPct val="50000"/>
+              </a:spcBef>
+              <a:buFontTx/>
+              <a:buNone/>
+              <a:defRPr sz="2800">
+                <a:gradFill flip="none" rotWithShape="1">
+                  <a:gsLst>
+                    <a:gs pos="60000">
+                      <a:srgbClr val="BCE8F2"/>
+                    </a:gs>
+                    <a:gs pos="0">
+                      <a:srgbClr val="4EC3DE"/>
+                    </a:gs>
+                    <a:gs pos="40000">
+                      <a:srgbClr val="BCE8F2"/>
+                    </a:gs>
+                    <a:gs pos="100000">
+                      <a:srgbClr val="4EC3DE"/>
+                    </a:gs>
+                  </a:gsLst>
+                  <a:lin ang="0" scaled="1"/>
+                  <a:tileRect/>
+                </a:gradFill>
+                <a:latin typeface="方正兰亭中粗黑_GBK" panose="02000000000000000000" pitchFamily="2" charset="-122"/>
+                <a:ea typeface="方正兰亭中粗黑_GBK" panose="02000000000000000000" pitchFamily="2" charset="-122"/>
               </a:defRPr>
             </a:lvl1pPr>
-            <a:lvl2pPr>
+            <a:lvl2pPr marL="742950" indent="-285750" eaLnBrk="0" hangingPunct="0">
+              <a:spcBef>
+                <a:spcPct val="20000"/>
+              </a:spcBef>
+              <a:buFont typeface="Arial" charset="0"/>
+              <a:buChar char="–"/>
               <a:defRPr sz="2800">
-                <a:solidFill>
-                  <a:schemeClr val="tx1"/>
-                </a:solidFill>
                 <a:latin typeface="Calibri" pitchFamily="34" charset="0"/>
-                <a:ea typeface="宋体" pitchFamily="2" charset="-122"/>
               </a:defRPr>
             </a:lvl2pPr>
-            <a:lvl3pPr>
+            <a:lvl3pPr marL="1143000" indent="-228600" eaLnBrk="0" hangingPunct="0">
+              <a:spcBef>
+                <a:spcPct val="20000"/>
+              </a:spcBef>
+              <a:buFont typeface="Arial" charset="0"/>
+              <a:buChar char="•"/>
               <a:defRPr sz="2400">
-                <a:solidFill>
-                  <a:schemeClr val="tx1"/>
-                </a:solidFill>
                 <a:latin typeface="Calibri" pitchFamily="34" charset="0"/>
-                <a:ea typeface="宋体" pitchFamily="2" charset="-122"/>
               </a:defRPr>
             </a:lvl3pPr>
-            <a:lvl4pPr>
+            <a:lvl4pPr marL="1600200" indent="-228600" eaLnBrk="0" hangingPunct="0">
+              <a:spcBef>
+                <a:spcPct val="20000"/>
+              </a:spcBef>
+              <a:buFont typeface="Arial" charset="0"/>
+              <a:buChar char="–"/>
               <a:defRPr sz="2000">
-                <a:solidFill>
-                  <a:schemeClr val="tx1"/>
-                </a:solidFill>
                 <a:latin typeface="Calibri" pitchFamily="34" charset="0"/>
-                <a:ea typeface="宋体" pitchFamily="2" charset="-122"/>
               </a:defRPr>
             </a:lvl4pPr>
-            <a:lvl5pPr>
+            <a:lvl5pPr marL="2057400" indent="-228600" eaLnBrk="0" hangingPunct="0">
+              <a:spcBef>
+                <a:spcPct val="20000"/>
+              </a:spcBef>
+              <a:buFont typeface="Arial" charset="0"/>
+              <a:buChar char="»"/>
               <a:defRPr sz="2000">
-                <a:solidFill>
-                  <a:schemeClr val="tx1"/>
-                </a:solidFill>
                 <a:latin typeface="Calibri" pitchFamily="34" charset="0"/>
-                <a:ea typeface="宋体" pitchFamily="2" charset="-122"/>
               </a:defRPr>
             </a:lvl5pPr>
-            <a:lvl6pPr>
+            <a:lvl6pPr marL="2514600" indent="-228600" eaLnBrk="0" fontAlgn="base" hangingPunct="0">
+              <a:spcBef>
+                <a:spcPct val="20000"/>
+              </a:spcBef>
+              <a:spcAft>
+                <a:spcPct val="0"/>
+              </a:spcAft>
               <a:buFont typeface="Arial" charset="0"/>
+              <a:buChar char="»"/>
               <a:defRPr sz="2000">
-                <a:solidFill>
-                  <a:schemeClr val="tx1"/>
-                </a:solidFill>
                 <a:latin typeface="Calibri" pitchFamily="34" charset="0"/>
-                <a:ea typeface="宋体" pitchFamily="2" charset="-122"/>
               </a:defRPr>
             </a:lvl6pPr>
-            <a:lvl7pPr>
+            <a:lvl7pPr marL="2971800" indent="-228600" eaLnBrk="0" fontAlgn="base" hangingPunct="0">
+              <a:spcBef>
+                <a:spcPct val="20000"/>
+              </a:spcBef>
+              <a:spcAft>
+                <a:spcPct val="0"/>
+              </a:spcAft>
               <a:buFont typeface="Arial" charset="0"/>
+              <a:buChar char="»"/>
               <a:defRPr sz="2000">
-                <a:solidFill>
-                  <a:schemeClr val="tx1"/>
-                </a:solidFill>
                 <a:latin typeface="Calibri" pitchFamily="34" charset="0"/>
-                <a:ea typeface="宋体" pitchFamily="2" charset="-122"/>
               </a:defRPr>
             </a:lvl7pPr>
-            <a:lvl8pPr>
+            <a:lvl8pPr marL="3429000" indent="-228600" eaLnBrk="0" fontAlgn="base" hangingPunct="0">
+              <a:spcBef>
+                <a:spcPct val="20000"/>
+              </a:spcBef>
+              <a:spcAft>
+                <a:spcPct val="0"/>
+              </a:spcAft>
               <a:buFont typeface="Arial" charset="0"/>
+              <a:buChar char="»"/>
               <a:defRPr sz="2000">
-                <a:solidFill>
-                  <a:schemeClr val="tx1"/>
-                </a:solidFill>
                 <a:latin typeface="Calibri" pitchFamily="34" charset="0"/>
-                <a:ea typeface="宋体" pitchFamily="2" charset="-122"/>
               </a:defRPr>
             </a:lvl8pPr>
-            <a:lvl9pPr>
+            <a:lvl9pPr marL="3886200" indent="-228600" eaLnBrk="0" fontAlgn="base" hangingPunct="0">
+              <a:spcBef>
+                <a:spcPct val="20000"/>
+              </a:spcBef>
+              <a:spcAft>
+                <a:spcPct val="0"/>
+              </a:spcAft>
               <a:buFont typeface="Arial" charset="0"/>
+              <a:buChar char="»"/>
               <a:defRPr sz="2000">
-                <a:solidFill>
-                  <a:schemeClr val="tx1"/>
-                </a:solidFill>
                 <a:latin typeface="Calibri" pitchFamily="34" charset="0"/>
-                <a:ea typeface="宋体" pitchFamily="2" charset="-122"/>
               </a:defRPr>
             </a:lvl9pPr>
           </a:lstStyle>
           <a:p>
             <a:pPr>
-              <a:lnSpc>
-                <a:spcPct val="200000"/>
-              </a:lnSpc>
+              <a:defRPr/>
             </a:pPr>
             <a:r>
-              <a:rPr lang="en-US" altLang="zh-CN" sz="1800" dirty="0">
-                <a:solidFill>
-                  <a:srgbClr val="BCE8F2"/>
-                </a:solidFill>
+              <a:rPr lang="zh-CN" altLang="en-US" b="1" dirty="0" smtClean="0">
                 <a:latin typeface="黑体" panose="02010609060101010101" pitchFamily="49" charset="-122"/>
                 <a:ea typeface="黑体" panose="02010609060101010101" pitchFamily="49" charset="-122"/>
               </a:rPr>
-              <a:t>[1</a:t>
+              <a:t>学生手册编制工作流程</a:t>
             </a:r>
-            <a:r>
-              <a:rPr lang="en-US" altLang="zh-CN" sz="1800" dirty="0" smtClean="0">
-                <a:solidFill>
-                  <a:srgbClr val="BCE8F2"/>
-                </a:solidFill>
-                <a:latin typeface="黑体" panose="02010609060101010101" pitchFamily="49" charset="-122"/>
-                <a:ea typeface="黑体" panose="02010609060101010101" pitchFamily="49" charset="-122"/>
-              </a:rPr>
-              <a:t>].</a:t>
-            </a:r>
-            <a:r>
-              <a:rPr lang="zh-CN" altLang="en-US" sz="1800" dirty="0" smtClean="0">
-                <a:solidFill>
-                  <a:srgbClr val="BCE8F2"/>
-                </a:solidFill>
-                <a:latin typeface="黑体" panose="02010609060101010101" pitchFamily="49" charset="-122"/>
-                <a:ea typeface="黑体" panose="02010609060101010101" pitchFamily="49" charset="-122"/>
-              </a:rPr>
-              <a:t>戴</a:t>
-            </a:r>
-            <a:r>
-              <a:rPr lang="zh-CN" altLang="en-US" sz="1800" dirty="0">
-                <a:solidFill>
-                  <a:srgbClr val="BCE8F2"/>
-                </a:solidFill>
-                <a:latin typeface="黑体" panose="02010609060101010101" pitchFamily="49" charset="-122"/>
-                <a:ea typeface="黑体" panose="02010609060101010101" pitchFamily="49" charset="-122"/>
-              </a:rPr>
-              <a:t>慧</a:t>
-            </a:r>
-            <a:r>
-              <a:rPr lang="zh-CN" altLang="en-US" sz="1800" dirty="0" smtClean="0">
-                <a:solidFill>
-                  <a:srgbClr val="BCE8F2"/>
-                </a:solidFill>
-                <a:latin typeface="黑体" panose="02010609060101010101" pitchFamily="49" charset="-122"/>
-                <a:ea typeface="黑体" panose="02010609060101010101" pitchFamily="49" charset="-122"/>
-              </a:rPr>
-              <a:t>玲</a:t>
-            </a:r>
-            <a:r>
-              <a:rPr lang="en-US" altLang="zh-CN" sz="1800" dirty="0" smtClean="0">
-                <a:solidFill>
-                  <a:srgbClr val="BCE8F2"/>
-                </a:solidFill>
-                <a:latin typeface="黑体" panose="02010609060101010101" pitchFamily="49" charset="-122"/>
-                <a:ea typeface="黑体" panose="02010609060101010101" pitchFamily="49" charset="-122"/>
-              </a:rPr>
-              <a:t>,</a:t>
-            </a:r>
-            <a:r>
-              <a:rPr lang="zh-CN" altLang="en-US" sz="1800" dirty="0" smtClean="0">
-                <a:solidFill>
-                  <a:srgbClr val="BCE8F2"/>
-                </a:solidFill>
-                <a:latin typeface="黑体" panose="02010609060101010101" pitchFamily="49" charset="-122"/>
-                <a:ea typeface="黑体" panose="02010609060101010101" pitchFamily="49" charset="-122"/>
-              </a:rPr>
-              <a:t>清华大学工程管理硕士</a:t>
-            </a:r>
-            <a:r>
-              <a:rPr lang="en-US" altLang="zh-CN" sz="1800" dirty="0" smtClean="0">
-                <a:solidFill>
-                  <a:srgbClr val="BCE8F2"/>
-                </a:solidFill>
-                <a:latin typeface="黑体" panose="02010609060101010101" pitchFamily="49" charset="-122"/>
-                <a:ea typeface="黑体" panose="02010609060101010101" pitchFamily="49" charset="-122"/>
-              </a:rPr>
-              <a:t>MEM</a:t>
-            </a:r>
-            <a:r>
-              <a:rPr lang="zh-CN" altLang="en-US" sz="1800" dirty="0" smtClean="0">
-                <a:solidFill>
-                  <a:srgbClr val="BCE8F2"/>
-                </a:solidFill>
-                <a:latin typeface="黑体" panose="02010609060101010101" pitchFamily="49" charset="-122"/>
-                <a:ea typeface="黑体" panose="02010609060101010101" pitchFamily="49" charset="-122"/>
-              </a:rPr>
-              <a:t>入学导引课程</a:t>
-            </a:r>
-            <a:r>
-              <a:rPr lang="en-US" altLang="zh-CN" sz="1800" dirty="0" smtClean="0">
-                <a:solidFill>
-                  <a:srgbClr val="BCE8F2"/>
-                </a:solidFill>
-                <a:latin typeface="黑体" panose="02010609060101010101" pitchFamily="49" charset="-122"/>
-                <a:ea typeface="黑体" panose="02010609060101010101" pitchFamily="49" charset="-122"/>
-              </a:rPr>
-              <a:t>《2017</a:t>
-            </a:r>
-            <a:r>
-              <a:rPr lang="zh-CN" altLang="en-US" sz="1800" dirty="0" smtClean="0">
-                <a:solidFill>
-                  <a:srgbClr val="BCE8F2"/>
-                </a:solidFill>
-                <a:latin typeface="黑体" panose="02010609060101010101" pitchFamily="49" charset="-122"/>
-                <a:ea typeface="黑体" panose="02010609060101010101" pitchFamily="49" charset="-122"/>
-              </a:rPr>
-              <a:t>年</a:t>
-            </a:r>
-            <a:r>
-              <a:rPr lang="en-US" altLang="zh-CN" sz="1800" dirty="0" smtClean="0">
-                <a:solidFill>
-                  <a:srgbClr val="BCE8F2"/>
-                </a:solidFill>
-                <a:latin typeface="黑体" panose="02010609060101010101" pitchFamily="49" charset="-122"/>
-                <a:ea typeface="黑体" panose="02010609060101010101" pitchFamily="49" charset="-122"/>
-              </a:rPr>
-              <a:t>-</a:t>
-            </a:r>
-            <a:r>
-              <a:rPr lang="zh-CN" altLang="en-US" sz="1800" dirty="0" smtClean="0">
-                <a:solidFill>
-                  <a:srgbClr val="BCE8F2"/>
-                </a:solidFill>
-                <a:latin typeface="黑体" panose="02010609060101010101" pitchFamily="49" charset="-122"/>
-                <a:ea typeface="黑体" panose="02010609060101010101" pitchFamily="49" charset="-122"/>
-              </a:rPr>
-              <a:t>第二批次</a:t>
-            </a:r>
-            <a:r>
-              <a:rPr lang="en-US" altLang="zh-CN" sz="1800" dirty="0" smtClean="0">
-                <a:solidFill>
-                  <a:srgbClr val="BCE8F2"/>
-                </a:solidFill>
-                <a:latin typeface="黑体" panose="02010609060101010101" pitchFamily="49" charset="-122"/>
-                <a:ea typeface="黑体" panose="02010609060101010101" pitchFamily="49" charset="-122"/>
-              </a:rPr>
-              <a:t>》</a:t>
-            </a:r>
-            <a:r>
-              <a:rPr lang="zh-CN" altLang="en-US" sz="1800" dirty="0" smtClean="0">
-                <a:solidFill>
-                  <a:srgbClr val="BCE8F2"/>
-                </a:solidFill>
-                <a:latin typeface="黑体" panose="02010609060101010101" pitchFamily="49" charset="-122"/>
-                <a:ea typeface="黑体" panose="02010609060101010101" pitchFamily="49" charset="-122"/>
-              </a:rPr>
-              <a:t>学员手册</a:t>
-            </a:r>
-            <a:r>
-              <a:rPr lang="en-US" altLang="zh-CN" sz="1800" dirty="0" smtClean="0">
-                <a:solidFill>
-                  <a:srgbClr val="BCE8F2"/>
-                </a:solidFill>
-                <a:latin typeface="黑体" panose="02010609060101010101" pitchFamily="49" charset="-122"/>
-                <a:ea typeface="黑体" panose="02010609060101010101" pitchFamily="49" charset="-122"/>
-              </a:rPr>
-              <a:t> 2017-V3.0</a:t>
-            </a:r>
-            <a:r>
-              <a:rPr lang="zh-CN" altLang="en-US" sz="1800" dirty="0" smtClean="0">
-                <a:solidFill>
-                  <a:srgbClr val="BCE8F2"/>
-                </a:solidFill>
-                <a:latin typeface="黑体" panose="02010609060101010101" pitchFamily="49" charset="-122"/>
-                <a:ea typeface="黑体" panose="02010609060101010101" pitchFamily="49" charset="-122"/>
-              </a:rPr>
-              <a:t>版</a:t>
-            </a:r>
-            <a:r>
-              <a:rPr lang="en-US" altLang="zh-CN" sz="1800" dirty="0" smtClean="0">
-                <a:solidFill>
-                  <a:srgbClr val="BCE8F2"/>
-                </a:solidFill>
-                <a:latin typeface="黑体" panose="02010609060101010101" pitchFamily="49" charset="-122"/>
-                <a:ea typeface="黑体" panose="02010609060101010101" pitchFamily="49" charset="-122"/>
-              </a:rPr>
-              <a:t>,2017.</a:t>
-            </a:r>
-            <a:r>
-              <a:rPr lang="zh-CN" altLang="en-US" sz="1800" dirty="0" smtClean="0">
-                <a:solidFill>
-                  <a:srgbClr val="BCE8F2"/>
-                </a:solidFill>
-                <a:latin typeface="黑体" panose="02010609060101010101" pitchFamily="49" charset="-122"/>
-                <a:ea typeface="黑体" panose="02010609060101010101" pitchFamily="49" charset="-122"/>
-              </a:rPr>
-              <a:t>第</a:t>
-            </a:r>
-            <a:r>
-              <a:rPr lang="en-US" altLang="zh-CN" sz="1800" dirty="0" smtClean="0">
-                <a:solidFill>
-                  <a:srgbClr val="BCE8F2"/>
-                </a:solidFill>
-                <a:latin typeface="黑体" panose="02010609060101010101" pitchFamily="49" charset="-122"/>
-                <a:ea typeface="黑体" panose="02010609060101010101" pitchFamily="49" charset="-122"/>
-              </a:rPr>
-              <a:t>16</a:t>
-            </a:r>
-            <a:r>
-              <a:rPr lang="zh-CN" altLang="en-US" sz="1800" dirty="0" smtClean="0">
-                <a:solidFill>
-                  <a:srgbClr val="BCE8F2"/>
-                </a:solidFill>
-                <a:latin typeface="黑体" panose="02010609060101010101" pitchFamily="49" charset="-122"/>
-                <a:ea typeface="黑体" panose="02010609060101010101" pitchFamily="49" charset="-122"/>
-              </a:rPr>
-              <a:t>页</a:t>
-            </a:r>
-            <a:r>
-              <a:rPr lang="en-US" altLang="zh-CN" sz="1800" dirty="0" smtClean="0">
-                <a:solidFill>
-                  <a:srgbClr val="BCE8F2"/>
-                </a:solidFill>
-                <a:latin typeface="黑体" panose="02010609060101010101" pitchFamily="49" charset="-122"/>
-                <a:ea typeface="黑体" panose="02010609060101010101" pitchFamily="49" charset="-122"/>
-              </a:rPr>
-              <a:t>.</a:t>
-            </a:r>
-          </a:p>
-          <a:p>
-            <a:pPr>
-              <a:lnSpc>
-                <a:spcPct val="200000"/>
-              </a:lnSpc>
-            </a:pPr>
-            <a:r>
-              <a:rPr lang="en-US" altLang="zh-CN" sz="1800" dirty="0" smtClean="0">
-                <a:solidFill>
-                  <a:srgbClr val="BCE8F2"/>
-                </a:solidFill>
-                <a:latin typeface="黑体" panose="02010609060101010101" pitchFamily="49" charset="-122"/>
-                <a:ea typeface="黑体" panose="02010609060101010101" pitchFamily="49" charset="-122"/>
-              </a:rPr>
-              <a:t>[2].Ben Koo, Computational </a:t>
-            </a:r>
-            <a:r>
-              <a:rPr lang="en-US" altLang="zh-CN" sz="1800" dirty="0">
-                <a:solidFill>
-                  <a:srgbClr val="BCE8F2"/>
-                </a:solidFill>
-                <a:latin typeface="黑体" panose="02010609060101010101" pitchFamily="49" charset="-122"/>
-                <a:ea typeface="黑体" panose="02010609060101010101" pitchFamily="49" charset="-122"/>
-              </a:rPr>
-              <a:t>Thinking </a:t>
-            </a:r>
-            <a:r>
-              <a:rPr lang="en-US" altLang="zh-CN" sz="1800" dirty="0" smtClean="0">
-                <a:solidFill>
-                  <a:srgbClr val="BCE8F2"/>
-                </a:solidFill>
-                <a:latin typeface="黑体" panose="02010609060101010101" pitchFamily="49" charset="-122"/>
-                <a:ea typeface="黑体" panose="02010609060101010101" pitchFamily="49" charset="-122"/>
-              </a:rPr>
-              <a:t>in Category Theory.</a:t>
-            </a:r>
-          </a:p>
-          <a:p>
-            <a:pPr>
-              <a:lnSpc>
-                <a:spcPct val="200000"/>
-              </a:lnSpc>
-            </a:pPr>
-            <a:r>
-              <a:rPr lang="en-US" altLang="zh-CN" sz="1800" dirty="0" smtClean="0">
-                <a:solidFill>
-                  <a:srgbClr val="BCE8F2"/>
-                </a:solidFill>
-                <a:latin typeface="黑体" panose="02010609060101010101" pitchFamily="49" charset="-122"/>
-                <a:ea typeface="黑体" panose="02010609060101010101" pitchFamily="49" charset="-122"/>
-              </a:rPr>
-              <a:t>[3].M</a:t>
-            </a:r>
-            <a:r>
-              <a:rPr lang="en-US" altLang="zh-CN" sz="1800" dirty="0">
-                <a:solidFill>
-                  <a:srgbClr val="BCE8F2"/>
-                </a:solidFill>
-                <a:latin typeface="黑体" panose="02010609060101010101" pitchFamily="49" charset="-122"/>
-                <a:ea typeface="黑体" panose="02010609060101010101" pitchFamily="49" charset="-122"/>
-              </a:rPr>
-              <a:t>. Barr</a:t>
-            </a:r>
-            <a:r>
-              <a:rPr lang="en-US" altLang="zh-CN" sz="1800" dirty="0" smtClean="0">
-                <a:solidFill>
-                  <a:srgbClr val="BCE8F2"/>
-                </a:solidFill>
-                <a:latin typeface="黑体" panose="02010609060101010101" pitchFamily="49" charset="-122"/>
-                <a:ea typeface="黑体" panose="02010609060101010101" pitchFamily="49" charset="-122"/>
-              </a:rPr>
-              <a:t>, </a:t>
-            </a:r>
-            <a:r>
-              <a:rPr lang="en-US" altLang="zh-CN" sz="1800" dirty="0">
-                <a:solidFill>
-                  <a:srgbClr val="BCE8F2"/>
-                </a:solidFill>
-                <a:latin typeface="黑体" panose="02010609060101010101" pitchFamily="49" charset="-122"/>
-                <a:ea typeface="黑体" panose="02010609060101010101" pitchFamily="49" charset="-122"/>
-              </a:rPr>
-              <a:t>and C. Wells, Category theory for computing science. </a:t>
-            </a:r>
-            <a:r>
-              <a:rPr lang="en-US" altLang="zh-CN" sz="1800" dirty="0" smtClean="0">
-                <a:solidFill>
-                  <a:srgbClr val="BCE8F2"/>
-                </a:solidFill>
-                <a:latin typeface="黑体" panose="02010609060101010101" pitchFamily="49" charset="-122"/>
-                <a:ea typeface="黑体" panose="02010609060101010101" pitchFamily="49" charset="-122"/>
-              </a:rPr>
-              <a:t>1990. 21. </a:t>
-            </a:r>
-            <a:endParaRPr lang="en-US" altLang="zh-CN" sz="1800" dirty="0">
-              <a:solidFill>
-                <a:srgbClr val="BCE8F2"/>
-              </a:solidFill>
-              <a:latin typeface="黑体" panose="02010609060101010101" pitchFamily="49" charset="-122"/>
-              <a:ea typeface="黑体" panose="02010609060101010101" pitchFamily="49" charset="-122"/>
-            </a:endParaRPr>
-          </a:p>
-        </p:txBody>
-      </p:sp>
-      <p:sp>
-        <p:nvSpPr>
-          <p:cNvPr id="3" name="文本框 2"/>
-          <p:cNvSpPr txBox="1"/>
-          <p:nvPr/>
-        </p:nvSpPr>
-        <p:spPr>
-          <a:xfrm>
-            <a:off x="2267744" y="265212"/>
-            <a:ext cx="4536504" cy="900246"/>
-          </a:xfrm>
-          <a:prstGeom prst="rect">
-            <a:avLst/>
-          </a:prstGeom>
-          <a:noFill/>
-        </p:spPr>
-        <p:txBody>
-          <a:bodyPr wrap="square" rtlCol="0">
-            <a:spAutoFit/>
-          </a:bodyPr>
-          <a:lstStyle/>
-          <a:p>
-            <a:pPr algn="ctr">
-              <a:lnSpc>
-                <a:spcPct val="200000"/>
-              </a:lnSpc>
-            </a:pPr>
-            <a:r>
-              <a:rPr lang="zh-CN" altLang="en-US" sz="3200" dirty="0">
-                <a:solidFill>
-                  <a:srgbClr val="BCE8F2"/>
-                </a:solidFill>
-                <a:latin typeface="黑体" panose="02010609060101010101" pitchFamily="49" charset="-122"/>
-                <a:ea typeface="黑体" panose="02010609060101010101" pitchFamily="49" charset="-122"/>
-              </a:rPr>
-              <a:t>参考</a:t>
-            </a:r>
-            <a:r>
-              <a:rPr lang="zh-CN" altLang="en-US" sz="3200" dirty="0" smtClean="0">
-                <a:solidFill>
-                  <a:srgbClr val="BCE8F2"/>
-                </a:solidFill>
-                <a:latin typeface="黑体" panose="02010609060101010101" pitchFamily="49" charset="-122"/>
-                <a:ea typeface="黑体" panose="02010609060101010101" pitchFamily="49" charset="-122"/>
-              </a:rPr>
-              <a:t>文献</a:t>
-            </a:r>
-            <a:endParaRPr lang="en-US" altLang="zh-CN" sz="3200" dirty="0">
-              <a:solidFill>
-                <a:srgbClr val="BCE8F2"/>
-              </a:solidFill>
-              <a:latin typeface="黑体" panose="02010609060101010101" pitchFamily="49" charset="-122"/>
-              <a:ea typeface="黑体" panose="02010609060101010101" pitchFamily="49" charset="-122"/>
-            </a:endParaRPr>
           </a:p>
         </p:txBody>
       </p:sp>
     </p:spTree>
     <p:extLst>
       <p:ext uri="{BB962C8B-B14F-4D97-AF65-F5344CB8AC3E}">
-        <p14:creationId xmlns:p14="http://schemas.microsoft.com/office/powerpoint/2010/main" val="3115227758"/>
+        <p14:creationId xmlns:p14="http://schemas.microsoft.com/office/powerpoint/2010/main" val="1884275764"/>
       </p:ext>
     </p:extLst>
   </p:cSld>
@@ -39044,6 +43411,9 @@
                     <p:cTn id="3" fill="hold">
                       <p:stCondLst>
                         <p:cond delay="indefinite"/>
+                        <p:cond evt="onBegin" delay="0">
+                          <p:tn val="2"/>
+                        </p:cond>
                       </p:stCondLst>
                       <p:childTnLst>
                         <p:par>
@@ -39053,7 +43423,7 @@
                             </p:stCondLst>
                             <p:childTnLst>
                               <p:par>
-                                <p:cTn id="5" presetID="22" presetClass="entr" presetSubtype="1" fill="hold" grpId="0" nodeType="clickEffect">
+                                <p:cTn id="5" presetID="47" presetClass="entr" presetSubtype="0" fill="hold" nodeType="withEffect">
                                   <p:stCondLst>
                                     <p:cond delay="0"/>
                                   </p:stCondLst>
@@ -39066,7 +43436,7 @@
                                           </p:stCondLst>
                                         </p:cTn>
                                         <p:tgtEl>
-                                          <p:spTgt spid="11315"/>
+                                          <p:spTgt spid="28"/>
                                         </p:tgtEl>
                                         <p:attrNameLst>
                                           <p:attrName>style.visibility</p:attrName>
@@ -39076,11 +43446,401 @@
                                         <p:strVal val="visible"/>
                                       </p:to>
                                     </p:set>
-                                    <p:animEffect transition="in" filter="wipe(up)">
+                                    <p:animEffect transition="in" filter="fade">
                                       <p:cBhvr>
-                                        <p:cTn id="7" dur="500"/>
+                                        <p:cTn id="7" dur="1000"/>
                                         <p:tgtEl>
-                                          <p:spTgt spid="11315"/>
+                                          <p:spTgt spid="28"/>
+                                        </p:tgtEl>
+                                      </p:cBhvr>
+                                    </p:animEffect>
+                                    <p:anim calcmode="lin" valueType="num">
+                                      <p:cBhvr>
+                                        <p:cTn id="8" dur="1000" fill="hold"/>
+                                        <p:tgtEl>
+                                          <p:spTgt spid="28"/>
+                                        </p:tgtEl>
+                                        <p:attrNameLst>
+                                          <p:attrName>ppt_x</p:attrName>
+                                        </p:attrNameLst>
+                                      </p:cBhvr>
+                                      <p:tavLst>
+                                        <p:tav tm="0">
+                                          <p:val>
+                                            <p:strVal val="#ppt_x"/>
+                                          </p:val>
+                                        </p:tav>
+                                        <p:tav tm="100000">
+                                          <p:val>
+                                            <p:strVal val="#ppt_x"/>
+                                          </p:val>
+                                        </p:tav>
+                                      </p:tavLst>
+                                    </p:anim>
+                                    <p:anim calcmode="lin" valueType="num">
+                                      <p:cBhvr>
+                                        <p:cTn id="9" dur="1000" fill="hold"/>
+                                        <p:tgtEl>
+                                          <p:spTgt spid="28"/>
+                                        </p:tgtEl>
+                                        <p:attrNameLst>
+                                          <p:attrName>ppt_y</p:attrName>
+                                        </p:attrNameLst>
+                                      </p:cBhvr>
+                                      <p:tavLst>
+                                        <p:tav tm="0">
+                                          <p:val>
+                                            <p:strVal val="#ppt_y-.1"/>
+                                          </p:val>
+                                        </p:tav>
+                                        <p:tav tm="100000">
+                                          <p:val>
+                                            <p:strVal val="#ppt_y"/>
+                                          </p:val>
+                                        </p:tav>
+                                      </p:tavLst>
+                                    </p:anim>
+                                  </p:childTnLst>
+                                </p:cTn>
+                              </p:par>
+                            </p:childTnLst>
+                          </p:cTn>
+                        </p:par>
+                      </p:childTnLst>
+                    </p:cTn>
+                  </p:par>
+                  <p:par>
+                    <p:cTn id="10" fill="hold">
+                      <p:stCondLst>
+                        <p:cond delay="indefinite"/>
+                      </p:stCondLst>
+                      <p:childTnLst>
+                        <p:par>
+                          <p:cTn id="11" fill="hold">
+                            <p:stCondLst>
+                              <p:cond delay="0"/>
+                            </p:stCondLst>
+                            <p:childTnLst>
+                              <p:par>
+                                <p:cTn id="12" presetID="22" presetClass="entr" presetSubtype="8" fill="hold" nodeType="clickEffect">
+                                  <p:stCondLst>
+                                    <p:cond delay="0"/>
+                                  </p:stCondLst>
+                                  <p:childTnLst>
+                                    <p:set>
+                                      <p:cBhvr>
+                                        <p:cTn id="13" dur="1" fill="hold">
+                                          <p:stCondLst>
+                                            <p:cond delay="0"/>
+                                          </p:stCondLst>
+                                        </p:cTn>
+                                        <p:tgtEl>
+                                          <p:spTgt spid="3"/>
+                                        </p:tgtEl>
+                                        <p:attrNameLst>
+                                          <p:attrName>style.visibility</p:attrName>
+                                        </p:attrNameLst>
+                                      </p:cBhvr>
+                                      <p:to>
+                                        <p:strVal val="visible"/>
+                                      </p:to>
+                                    </p:set>
+                                    <p:animEffect transition="in" filter="wipe(left)">
+                                      <p:cBhvr>
+                                        <p:cTn id="14" dur="500"/>
+                                        <p:tgtEl>
+                                          <p:spTgt spid="3"/>
+                                        </p:tgtEl>
+                                      </p:cBhvr>
+                                    </p:animEffect>
+                                  </p:childTnLst>
+                                </p:cTn>
+                              </p:par>
+                            </p:childTnLst>
+                          </p:cTn>
+                        </p:par>
+                      </p:childTnLst>
+                    </p:cTn>
+                  </p:par>
+                  <p:par>
+                    <p:cTn id="15" fill="hold">
+                      <p:stCondLst>
+                        <p:cond delay="indefinite"/>
+                      </p:stCondLst>
+                      <p:childTnLst>
+                        <p:par>
+                          <p:cTn id="16" fill="hold">
+                            <p:stCondLst>
+                              <p:cond delay="0"/>
+                            </p:stCondLst>
+                            <p:childTnLst>
+                              <p:par>
+                                <p:cTn id="17" presetID="22" presetClass="entr" presetSubtype="8" fill="hold" grpId="0" nodeType="clickEffect">
+                                  <p:stCondLst>
+                                    <p:cond delay="0"/>
+                                  </p:stCondLst>
+                                  <p:childTnLst>
+                                    <p:set>
+                                      <p:cBhvr>
+                                        <p:cTn id="18" dur="1" fill="hold">
+                                          <p:stCondLst>
+                                            <p:cond delay="0"/>
+                                          </p:stCondLst>
+                                        </p:cTn>
+                                        <p:tgtEl>
+                                          <p:spTgt spid="14"/>
+                                        </p:tgtEl>
+                                        <p:attrNameLst>
+                                          <p:attrName>style.visibility</p:attrName>
+                                        </p:attrNameLst>
+                                      </p:cBhvr>
+                                      <p:to>
+                                        <p:strVal val="visible"/>
+                                      </p:to>
+                                    </p:set>
+                                    <p:animEffect transition="in" filter="wipe(left)">
+                                      <p:cBhvr>
+                                        <p:cTn id="19" dur="500"/>
+                                        <p:tgtEl>
+                                          <p:spTgt spid="14"/>
+                                        </p:tgtEl>
+                                      </p:cBhvr>
+                                    </p:animEffect>
+                                  </p:childTnLst>
+                                </p:cTn>
+                              </p:par>
+                            </p:childTnLst>
+                          </p:cTn>
+                        </p:par>
+                        <p:par>
+                          <p:cTn id="20" fill="hold">
+                            <p:stCondLst>
+                              <p:cond delay="500"/>
+                            </p:stCondLst>
+                            <p:childTnLst>
+                              <p:par>
+                                <p:cTn id="21" presetID="22" presetClass="entr" presetSubtype="8" fill="hold" nodeType="afterEffect">
+                                  <p:stCondLst>
+                                    <p:cond delay="0"/>
+                                  </p:stCondLst>
+                                  <p:childTnLst>
+                                    <p:set>
+                                      <p:cBhvr>
+                                        <p:cTn id="22" dur="1" fill="hold">
+                                          <p:stCondLst>
+                                            <p:cond delay="0"/>
+                                          </p:stCondLst>
+                                        </p:cTn>
+                                        <p:tgtEl>
+                                          <p:spTgt spid="21"/>
+                                        </p:tgtEl>
+                                        <p:attrNameLst>
+                                          <p:attrName>style.visibility</p:attrName>
+                                        </p:attrNameLst>
+                                      </p:cBhvr>
+                                      <p:to>
+                                        <p:strVal val="visible"/>
+                                      </p:to>
+                                    </p:set>
+                                    <p:animEffect transition="in" filter="wipe(left)">
+                                      <p:cBhvr>
+                                        <p:cTn id="23" dur="500"/>
+                                        <p:tgtEl>
+                                          <p:spTgt spid="21"/>
+                                        </p:tgtEl>
+                                      </p:cBhvr>
+                                    </p:animEffect>
+                                  </p:childTnLst>
+                                </p:cTn>
+                              </p:par>
+                            </p:childTnLst>
+                          </p:cTn>
+                        </p:par>
+                      </p:childTnLst>
+                    </p:cTn>
+                  </p:par>
+                  <p:par>
+                    <p:cTn id="24" fill="hold">
+                      <p:stCondLst>
+                        <p:cond delay="indefinite"/>
+                      </p:stCondLst>
+                      <p:childTnLst>
+                        <p:par>
+                          <p:cTn id="25" fill="hold">
+                            <p:stCondLst>
+                              <p:cond delay="0"/>
+                            </p:stCondLst>
+                            <p:childTnLst>
+                              <p:par>
+                                <p:cTn id="26" presetID="22" presetClass="entr" presetSubtype="8" fill="hold" grpId="0" nodeType="clickEffect">
+                                  <p:stCondLst>
+                                    <p:cond delay="0"/>
+                                  </p:stCondLst>
+                                  <p:childTnLst>
+                                    <p:set>
+                                      <p:cBhvr>
+                                        <p:cTn id="27" dur="1" fill="hold">
+                                          <p:stCondLst>
+                                            <p:cond delay="0"/>
+                                          </p:stCondLst>
+                                        </p:cTn>
+                                        <p:tgtEl>
+                                          <p:spTgt spid="15"/>
+                                        </p:tgtEl>
+                                        <p:attrNameLst>
+                                          <p:attrName>style.visibility</p:attrName>
+                                        </p:attrNameLst>
+                                      </p:cBhvr>
+                                      <p:to>
+                                        <p:strVal val="visible"/>
+                                      </p:to>
+                                    </p:set>
+                                    <p:animEffect transition="in" filter="wipe(left)">
+                                      <p:cBhvr>
+                                        <p:cTn id="28" dur="500"/>
+                                        <p:tgtEl>
+                                          <p:spTgt spid="15"/>
+                                        </p:tgtEl>
+                                      </p:cBhvr>
+                                    </p:animEffect>
+                                  </p:childTnLst>
+                                </p:cTn>
+                              </p:par>
+                            </p:childTnLst>
+                          </p:cTn>
+                        </p:par>
+                        <p:par>
+                          <p:cTn id="29" fill="hold">
+                            <p:stCondLst>
+                              <p:cond delay="500"/>
+                            </p:stCondLst>
+                            <p:childTnLst>
+                              <p:par>
+                                <p:cTn id="30" presetID="22" presetClass="entr" presetSubtype="8" fill="hold" nodeType="afterEffect">
+                                  <p:stCondLst>
+                                    <p:cond delay="0"/>
+                                  </p:stCondLst>
+                                  <p:childTnLst>
+                                    <p:set>
+                                      <p:cBhvr>
+                                        <p:cTn id="31" dur="1" fill="hold">
+                                          <p:stCondLst>
+                                            <p:cond delay="0"/>
+                                          </p:stCondLst>
+                                        </p:cTn>
+                                        <p:tgtEl>
+                                          <p:spTgt spid="20"/>
+                                        </p:tgtEl>
+                                        <p:attrNameLst>
+                                          <p:attrName>style.visibility</p:attrName>
+                                        </p:attrNameLst>
+                                      </p:cBhvr>
+                                      <p:to>
+                                        <p:strVal val="visible"/>
+                                      </p:to>
+                                    </p:set>
+                                    <p:animEffect transition="in" filter="wipe(left)">
+                                      <p:cBhvr>
+                                        <p:cTn id="32" dur="500"/>
+                                        <p:tgtEl>
+                                          <p:spTgt spid="20"/>
+                                        </p:tgtEl>
+                                      </p:cBhvr>
+                                    </p:animEffect>
+                                  </p:childTnLst>
+                                </p:cTn>
+                              </p:par>
+                            </p:childTnLst>
+                          </p:cTn>
+                        </p:par>
+                      </p:childTnLst>
+                    </p:cTn>
+                  </p:par>
+                  <p:par>
+                    <p:cTn id="33" fill="hold">
+                      <p:stCondLst>
+                        <p:cond delay="indefinite"/>
+                      </p:stCondLst>
+                      <p:childTnLst>
+                        <p:par>
+                          <p:cTn id="34" fill="hold">
+                            <p:stCondLst>
+                              <p:cond delay="0"/>
+                            </p:stCondLst>
+                            <p:childTnLst>
+                              <p:par>
+                                <p:cTn id="35" presetID="22" presetClass="entr" presetSubtype="8" fill="hold" grpId="0" nodeType="clickEffect">
+                                  <p:stCondLst>
+                                    <p:cond delay="0"/>
+                                  </p:stCondLst>
+                                  <p:childTnLst>
+                                    <p:set>
+                                      <p:cBhvr>
+                                        <p:cTn id="36" dur="1" fill="hold">
+                                          <p:stCondLst>
+                                            <p:cond delay="0"/>
+                                          </p:stCondLst>
+                                        </p:cTn>
+                                        <p:tgtEl>
+                                          <p:spTgt spid="27"/>
+                                        </p:tgtEl>
+                                        <p:attrNameLst>
+                                          <p:attrName>style.visibility</p:attrName>
+                                        </p:attrNameLst>
+                                      </p:cBhvr>
+                                      <p:to>
+                                        <p:strVal val="visible"/>
+                                      </p:to>
+                                    </p:set>
+                                    <p:animEffect transition="in" filter="wipe(left)">
+                                      <p:cBhvr>
+                                        <p:cTn id="37" dur="500"/>
+                                        <p:tgtEl>
+                                          <p:spTgt spid="27"/>
+                                        </p:tgtEl>
+                                      </p:cBhvr>
+                                    </p:animEffect>
+                                  </p:childTnLst>
+                                </p:cTn>
+                              </p:par>
+                            </p:childTnLst>
+                          </p:cTn>
+                        </p:par>
+                        <p:par>
+                          <p:cTn id="38" fill="hold">
+                            <p:stCondLst>
+                              <p:cond delay="500"/>
+                            </p:stCondLst>
+                            <p:childTnLst>
+                              <p:par>
+                                <p:cTn id="39" presetID="22" presetClass="entr" presetSubtype="8" fill="hold" nodeType="afterEffect">
+                                  <p:stCondLst>
+                                    <p:cond delay="0"/>
+                                  </p:stCondLst>
+                                  <p:childTnLst>
+                                    <p:set>
+                                      <p:cBhvr>
+                                        <p:cTn id="40" dur="1" fill="hold">
+                                          <p:stCondLst>
+                                            <p:cond delay="0"/>
+                                          </p:stCondLst>
+                                        </p:cTn>
+                                        <p:tgtEl>
+                                          <p:spTgt spid="23"/>
+                                        </p:tgtEl>
+                                        <p:attrNameLst>
+                                          <p:attrName>style.visibility</p:attrName>
+                                        </p:attrNameLst>
+                                      </p:cBhvr>
+                                      <p:to>
+                                        <p:strVal val="visible"/>
+                                      </p:to>
+                                    </p:set>
+                                    <p:animEffect transition="in" filter="wipe(left)">
+                                      <p:cBhvr>
+                                        <p:cTn id="41" dur="500"/>
+                                        <p:tgtEl>
+                                          <p:spTgt spid="23"/>
                                         </p:tgtEl>
                                       </p:cBhvr>
                                     </p:animEffect>
@@ -39115,7 +43875,9 @@
       </p:par>
     </p:tnLst>
     <p:bldLst>
-      <p:bldP spid="11315" grpId="0"/>
+      <p:bldP spid="14" grpId="0" animBg="1"/>
+      <p:bldP spid="15" grpId="0" animBg="1"/>
+      <p:bldP spid="27" grpId="0" animBg="1"/>
     </p:bldLst>
   </p:timing>
 </p:sld>
